--- a/Session6_Export_Results/Session6_AutomatePapers.pptx
+++ b/Session6_Export_Results/Session6_AutomatePapers.pptx
@@ -5,7 +5,7 @@
     <p:sldMasterId id="2147483648" r:id="rId1"/>
   </p:sldMasterIdLst>
   <p:notesMasterIdLst>
-    <p:notesMasterId r:id="rId23"/>
+    <p:notesMasterId r:id="rId26"/>
   </p:notesMasterIdLst>
   <p:sldIdLst>
     <p:sldId id="271" r:id="rId2"/>
@@ -18,34 +18,42 @@
     <p:sldId id="282" r:id="rId9"/>
     <p:sldId id="278" r:id="rId10"/>
     <p:sldId id="263" r:id="rId11"/>
-    <p:sldId id="279" r:id="rId12"/>
-    <p:sldId id="293" r:id="rId13"/>
-    <p:sldId id="281" r:id="rId14"/>
-    <p:sldId id="290" r:id="rId15"/>
-    <p:sldId id="291" r:id="rId16"/>
-    <p:sldId id="294" r:id="rId17"/>
-    <p:sldId id="295" r:id="rId18"/>
-    <p:sldId id="292" r:id="rId19"/>
-    <p:sldId id="280" r:id="rId20"/>
-    <p:sldId id="270" r:id="rId21"/>
-    <p:sldId id="277" r:id="rId22"/>
+    <p:sldId id="262" r:id="rId12"/>
+    <p:sldId id="279" r:id="rId13"/>
+    <p:sldId id="293" r:id="rId14"/>
+    <p:sldId id="296" r:id="rId15"/>
+    <p:sldId id="281" r:id="rId16"/>
+    <p:sldId id="290" r:id="rId17"/>
+    <p:sldId id="291" r:id="rId18"/>
+    <p:sldId id="294" r:id="rId19"/>
+    <p:sldId id="295" r:id="rId20"/>
+    <p:sldId id="292" r:id="rId21"/>
+    <p:sldId id="297" r:id="rId22"/>
+    <p:sldId id="280" r:id="rId23"/>
+    <p:sldId id="270" r:id="rId24"/>
+    <p:sldId id="277" r:id="rId25"/>
   </p:sldIdLst>
   <p:sldSz cx="9144000" cy="6858000" type="screen4x3"/>
   <p:notesSz cx="7010400" cy="9236075"/>
   <p:embeddedFontLst>
     <p:embeddedFont>
       <p:font typeface="Calibri" panose="020F0502020204030204" pitchFamily="34" charset="0"/>
-      <p:regular r:id="rId24"/>
-      <p:bold r:id="rId25"/>
-      <p:italic r:id="rId26"/>
-      <p:boldItalic r:id="rId27"/>
+      <p:regular r:id="rId27"/>
+      <p:bold r:id="rId28"/>
+      <p:italic r:id="rId29"/>
+      <p:boldItalic r:id="rId30"/>
     </p:embeddedFont>
     <p:embeddedFont>
       <p:font typeface="Consolas" panose="020B0609020204030204" pitchFamily="49" charset="0"/>
-      <p:regular r:id="rId28"/>
-      <p:bold r:id="rId29"/>
-      <p:italic r:id="rId30"/>
-      <p:boldItalic r:id="rId31"/>
+      <p:regular r:id="rId31"/>
+      <p:bold r:id="rId32"/>
+      <p:italic r:id="rId33"/>
+      <p:boldItalic r:id="rId34"/>
+    </p:embeddedFont>
+    <p:embeddedFont>
+      <p:font typeface="Roboto Medium" panose="020F0502020204030204" pitchFamily="34" charset="0"/>
+      <p:regular r:id="rId35"/>
+      <p:italic r:id="rId36"/>
     </p:embeddedFont>
   </p:embeddedFontLst>
   <p:defaultTextStyle>
@@ -293,7 +301,7 @@
       </p15:sldGuideLst>
     </p:ext>
     <p:ext uri="http://customooxmlschemas.google.com/">
-      <go:slidesCustomData xmlns="" xmlns:mc="http://schemas.openxmlformats.org/markup-compatibility/2006" xmlns:mv="urn:schemas-microsoft-com:mac:vml" xmlns:c="http://schemas.openxmlformats.org/drawingml/2006/chart" xmlns:dgm="http://schemas.openxmlformats.org/drawingml/2006/diagram" xmlns:o="urn:schemas-microsoft-com:office:office" xmlns:v="urn:schemas-microsoft-com:vml" xmlns:pvml="urn:schemas-microsoft-com:office:powerpoint" xmlns:com="http://schemas.openxmlformats.org/drawingml/2006/compatibility" xmlns:p14="http://schemas.microsoft.com/office/powerpoint/2010/main" xmlns:p15="http://schemas.microsoft.com/office/powerpoint/2012/main" xmlns:ahyp="http://schemas.microsoft.com/office/drawing/2018/hyperlinkcolor" xmlns:go="http://customooxmlschemas.google.com/" r:id="rId37" roundtripDataSignature="AMtx7mgJb/dxg8SBACTioISI2Z3PoJo6hg=="/>
+      <go:slidesCustomData xmlns:go="http://customooxmlschemas.google.com/" xmlns:ahyp="http://schemas.microsoft.com/office/drawing/2018/hyperlinkcolor" xmlns:p15="http://schemas.microsoft.com/office/powerpoint/2012/main" xmlns:p14="http://schemas.microsoft.com/office/powerpoint/2010/main" xmlns:com="http://schemas.openxmlformats.org/drawingml/2006/compatibility" xmlns:pvml="urn:schemas-microsoft-com:office:powerpoint" xmlns:v="urn:schemas-microsoft-com:vml" xmlns:o="urn:schemas-microsoft-com:office:office" xmlns:dgm="http://schemas.openxmlformats.org/drawingml/2006/diagram" xmlns:c="http://schemas.openxmlformats.org/drawingml/2006/chart" xmlns:mv="urn:schemas-microsoft-com:mac:vml" xmlns:mc="http://schemas.openxmlformats.org/markup-compatibility/2006" xmlns="" r:id="rId37" roundtripDataSignature="AMtx7mgJb/dxg8SBACTioISI2Z3PoJo6hg=="/>
     </p:ext>
   </p:extLst>
 </p:presentation>
@@ -1929,7 +1937,7 @@
   <p:cSld>
     <p:spTree>
       <p:nvGrpSpPr>
-        <p:cNvPr id="1" name="Shape 52"/>
+        <p:cNvPr id="1" name="Shape 97"/>
         <p:cNvGrpSpPr/>
         <p:nvPr/>
       </p:nvGrpSpPr>
@@ -1943,7 +1951,7 @@
       </p:grpSpPr>
       <p:sp>
         <p:nvSpPr>
-          <p:cNvPr id="53" name="Google Shape;53;p2:notes"/>
+          <p:cNvPr id="98" name="Google Shape;98;ge6d407e7a1_0_0:notes"/>
           <p:cNvSpPr>
             <a:spLocks noGrp="1" noRot="1" noChangeAspect="1"/>
           </p:cNvSpPr>
@@ -1994,7 +2002,7 @@
       </p:sp>
       <p:sp>
         <p:nvSpPr>
-          <p:cNvPr id="54" name="Google Shape;54;p2:notes"/>
+          <p:cNvPr id="99" name="Google Shape;99;ge6d407e7a1_0_0:notes"/>
           <p:cNvSpPr txBox="1">
             <a:spLocks noGrp="1"/>
           </p:cNvSpPr>
@@ -2005,7 +2013,7 @@
         <p:spPr>
           <a:xfrm>
             <a:off x="701040" y="4387136"/>
-            <a:ext cx="5608320" cy="4156234"/>
+            <a:ext cx="5608200" cy="4156200"/>
           </a:xfrm>
           <a:prstGeom prst="rect">
             <a:avLst/>
@@ -2034,13 +2042,13 @@
               <a:buSzPts val="1400"/>
               <a:buNone/>
             </a:pPr>
-            <a:endParaRPr/>
+            <a:endParaRPr dirty="0"/>
           </a:p>
         </p:txBody>
       </p:sp>
       <p:sp>
         <p:nvSpPr>
-          <p:cNvPr id="55" name="Google Shape;55;p2:notes"/>
+          <p:cNvPr id="100" name="Google Shape;100;ge6d407e7a1_0_0:notes"/>
           <p:cNvSpPr txBox="1">
             <a:spLocks noGrp="1"/>
           </p:cNvSpPr>
@@ -2051,7 +2059,7 @@
         <p:spPr>
           <a:xfrm>
             <a:off x="3970938" y="8772669"/>
-            <a:ext cx="3037840" cy="461804"/>
+            <a:ext cx="3037800" cy="461700"/>
           </a:xfrm>
           <a:prstGeom prst="rect">
             <a:avLst/>
@@ -2082,18 +2090,13 @@
             </a:pPr>
             <a:fld id="{00000000-1234-1234-1234-123412341234}" type="slidenum">
               <a:rPr lang="en-US"/>
-              <a:t>12</a:t>
+              <a:t>11</a:t>
             </a:fld>
             <a:endParaRPr/>
           </a:p>
         </p:txBody>
       </p:sp>
     </p:spTree>
-    <p:extLst>
-      <p:ext uri="{BB962C8B-B14F-4D97-AF65-F5344CB8AC3E}">
-        <p14:creationId xmlns:p14="http://schemas.microsoft.com/office/powerpoint/2010/main" val="3369360450"/>
-      </p:ext>
-    </p:extLst>
   </p:cSld>
   <p:clrMapOvr>
     <a:masterClrMapping/>
@@ -2102,123 +2105,6 @@
 </file>
 
 <file path=ppt/notesSlides/notesSlide11.xml><?xml version="1.0" encoding="utf-8"?>
-<p:notes xmlns:a="http://schemas.openxmlformats.org/drawingml/2006/main" xmlns:r="http://schemas.openxmlformats.org/officeDocument/2006/relationships" xmlns:p="http://schemas.openxmlformats.org/presentationml/2006/main">
-  <p:cSld>
-    <p:spTree>
-      <p:nvGrpSpPr>
-        <p:cNvPr id="1" name=""/>
-        <p:cNvGrpSpPr/>
-        <p:nvPr/>
-      </p:nvGrpSpPr>
-      <p:grpSpPr>
-        <a:xfrm>
-          <a:off x="0" y="0"/>
-          <a:ext cx="0" cy="0"/>
-          <a:chOff x="0" y="0"/>
-          <a:chExt cx="0" cy="0"/>
-        </a:xfrm>
-      </p:grpSpPr>
-      <p:sp>
-        <p:nvSpPr>
-          <p:cNvPr id="2" name="Slide Image Placeholder 1"/>
-          <p:cNvSpPr>
-            <a:spLocks noGrp="1" noRot="1" noChangeAspect="1"/>
-          </p:cNvSpPr>
-          <p:nvPr>
-            <p:ph type="sldImg"/>
-          </p:nvPr>
-        </p:nvSpPr>
-        <p:spPr/>
-      </p:sp>
-      <p:sp>
-        <p:nvSpPr>
-          <p:cNvPr id="3" name="Notes Placeholder 2"/>
-          <p:cNvSpPr>
-            <a:spLocks noGrp="1"/>
-          </p:cNvSpPr>
-          <p:nvPr>
-            <p:ph type="body" idx="1"/>
-          </p:nvPr>
-        </p:nvSpPr>
-        <p:spPr/>
-        <p:txBody>
-          <a:bodyPr/>
-          <a:lstStyle/>
-          <a:p>
-            <a:endParaRPr lang="en-US" dirty="0"/>
-          </a:p>
-        </p:txBody>
-      </p:sp>
-      <p:sp>
-        <p:nvSpPr>
-          <p:cNvPr id="4" name="Slide Number Placeholder 3"/>
-          <p:cNvSpPr>
-            <a:spLocks noGrp="1"/>
-          </p:cNvSpPr>
-          <p:nvPr>
-            <p:ph type="sldNum" idx="12"/>
-          </p:nvPr>
-        </p:nvSpPr>
-        <p:spPr/>
-        <p:txBody>
-          <a:bodyPr/>
-          <a:lstStyle/>
-          <a:p>
-            <a:pPr marL="0" marR="0" lvl="0" indent="0" algn="r" rtl="0">
-              <a:lnSpc>
-                <a:spcPct val="100000"/>
-              </a:lnSpc>
-              <a:spcBef>
-                <a:spcPts val="0"/>
-              </a:spcBef>
-              <a:spcAft>
-                <a:spcPts val="0"/>
-              </a:spcAft>
-              <a:buClr>
-                <a:srgbClr val="000000"/>
-              </a:buClr>
-              <a:buSzPts val="1200"/>
-              <a:buFont typeface="Arial"/>
-              <a:buNone/>
-            </a:pPr>
-            <a:fld id="{00000000-1234-1234-1234-123412341234}" type="slidenum">
-              <a:rPr lang="en-US" sz="1200" b="0" i="0" u="none" strike="noStrike" cap="none" smtClean="0">
-                <a:solidFill>
-                  <a:schemeClr val="dk1"/>
-                </a:solidFill>
-                <a:latin typeface="Arial"/>
-                <a:ea typeface="Arial"/>
-                <a:cs typeface="Arial"/>
-                <a:sym typeface="Arial"/>
-              </a:rPr>
-              <a:t>13</a:t>
-            </a:fld>
-            <a:endParaRPr lang="en-US" sz="1200" b="0" i="0" u="none" strike="noStrike" cap="none">
-              <a:solidFill>
-                <a:schemeClr val="dk1"/>
-              </a:solidFill>
-              <a:latin typeface="Arial"/>
-              <a:ea typeface="Arial"/>
-              <a:cs typeface="Arial"/>
-              <a:sym typeface="Arial"/>
-            </a:endParaRPr>
-          </a:p>
-        </p:txBody>
-      </p:sp>
-    </p:spTree>
-    <p:extLst>
-      <p:ext uri="{BB962C8B-B14F-4D97-AF65-F5344CB8AC3E}">
-        <p14:creationId xmlns:p14="http://schemas.microsoft.com/office/powerpoint/2010/main" val="4187213496"/>
-      </p:ext>
-    </p:extLst>
-  </p:cSld>
-  <p:clrMapOvr>
-    <a:masterClrMapping/>
-  </p:clrMapOvr>
-</p:notes>
-</file>
-
-<file path=ppt/notesSlides/notesSlide12.xml><?xml version="1.0" encoding="utf-8"?>
 <p:notes xmlns:a="http://schemas.openxmlformats.org/drawingml/2006/main" xmlns:r="http://schemas.openxmlformats.org/officeDocument/2006/relationships" xmlns:p="http://schemas.openxmlformats.org/presentationml/2006/main" showMasterSp="0" showMasterPhAnim="0">
   <p:cSld>
     <p:spTree>
@@ -2376,7 +2262,7 @@
             </a:pPr>
             <a:fld id="{00000000-1234-1234-1234-123412341234}" type="slidenum">
               <a:rPr lang="en-US"/>
-              <a:t>14</a:t>
+              <a:t>13</a:t>
             </a:fld>
             <a:endParaRPr/>
           </a:p>
@@ -2385,7 +2271,7 @@
     </p:spTree>
     <p:extLst>
       <p:ext uri="{BB962C8B-B14F-4D97-AF65-F5344CB8AC3E}">
-        <p14:creationId xmlns:p14="http://schemas.microsoft.com/office/powerpoint/2010/main" val="3679258385"/>
+        <p14:creationId xmlns:p14="http://schemas.microsoft.com/office/powerpoint/2010/main" val="3369360450"/>
       </p:ext>
     </p:extLst>
   </p:cSld>
@@ -2395,12 +2281,12 @@
 </p:notes>
 </file>
 
-<file path=ppt/notesSlides/notesSlide13.xml><?xml version="1.0" encoding="utf-8"?>
+<file path=ppt/notesSlides/notesSlide12.xml><?xml version="1.0" encoding="utf-8"?>
 <p:notes xmlns:a="http://schemas.openxmlformats.org/drawingml/2006/main" xmlns:r="http://schemas.openxmlformats.org/officeDocument/2006/relationships" xmlns:p="http://schemas.openxmlformats.org/presentationml/2006/main" showMasterSp="0" showMasterPhAnim="0">
   <p:cSld>
     <p:spTree>
       <p:nvGrpSpPr>
-        <p:cNvPr id="1" name="Shape 52"/>
+        <p:cNvPr id="1" name="Shape 97"/>
         <p:cNvGrpSpPr/>
         <p:nvPr/>
       </p:nvGrpSpPr>
@@ -2414,7 +2300,7 @@
       </p:grpSpPr>
       <p:sp>
         <p:nvSpPr>
-          <p:cNvPr id="53" name="Google Shape;53;p2:notes"/>
+          <p:cNvPr id="98" name="Google Shape;98;ge6d407e7a1_0_0:notes"/>
           <p:cNvSpPr>
             <a:spLocks noGrp="1" noRot="1" noChangeAspect="1"/>
           </p:cNvSpPr>
@@ -2465,7 +2351,7 @@
       </p:sp>
       <p:sp>
         <p:nvSpPr>
-          <p:cNvPr id="54" name="Google Shape;54;p2:notes"/>
+          <p:cNvPr id="99" name="Google Shape;99;ge6d407e7a1_0_0:notes"/>
           <p:cNvSpPr txBox="1">
             <a:spLocks noGrp="1"/>
           </p:cNvSpPr>
@@ -2476,7 +2362,7 @@
         <p:spPr>
           <a:xfrm>
             <a:off x="701040" y="4387136"/>
-            <a:ext cx="5608320" cy="4156234"/>
+            <a:ext cx="5608200" cy="4156200"/>
           </a:xfrm>
           <a:prstGeom prst="rect">
             <a:avLst/>
@@ -2505,13 +2391,13 @@
               <a:buSzPts val="1400"/>
               <a:buNone/>
             </a:pPr>
-            <a:endParaRPr/>
+            <a:endParaRPr dirty="0"/>
           </a:p>
         </p:txBody>
       </p:sp>
       <p:sp>
         <p:nvSpPr>
-          <p:cNvPr id="55" name="Google Shape;55;p2:notes"/>
+          <p:cNvPr id="100" name="Google Shape;100;ge6d407e7a1_0_0:notes"/>
           <p:cNvSpPr txBox="1">
             <a:spLocks noGrp="1"/>
           </p:cNvSpPr>
@@ -2522,7 +2408,7 @@
         <p:spPr>
           <a:xfrm>
             <a:off x="3970938" y="8772669"/>
-            <a:ext cx="3037840" cy="461804"/>
+            <a:ext cx="3037800" cy="461700"/>
           </a:xfrm>
           <a:prstGeom prst="rect">
             <a:avLst/>
@@ -2553,7 +2439,7 @@
             </a:pPr>
             <a:fld id="{00000000-1234-1234-1234-123412341234}" type="slidenum">
               <a:rPr lang="en-US"/>
-              <a:t>15</a:t>
+              <a:t>14</a:t>
             </a:fld>
             <a:endParaRPr/>
           </a:p>
@@ -2562,7 +2448,124 @@
     </p:spTree>
     <p:extLst>
       <p:ext uri="{BB962C8B-B14F-4D97-AF65-F5344CB8AC3E}">
-        <p14:creationId xmlns:p14="http://schemas.microsoft.com/office/powerpoint/2010/main" val="2710470093"/>
+        <p14:creationId xmlns:p14="http://schemas.microsoft.com/office/powerpoint/2010/main" val="2009141270"/>
+      </p:ext>
+    </p:extLst>
+  </p:cSld>
+  <p:clrMapOvr>
+    <a:masterClrMapping/>
+  </p:clrMapOvr>
+</p:notes>
+</file>
+
+<file path=ppt/notesSlides/notesSlide13.xml><?xml version="1.0" encoding="utf-8"?>
+<p:notes xmlns:a="http://schemas.openxmlformats.org/drawingml/2006/main" xmlns:r="http://schemas.openxmlformats.org/officeDocument/2006/relationships" xmlns:p="http://schemas.openxmlformats.org/presentationml/2006/main">
+  <p:cSld>
+    <p:spTree>
+      <p:nvGrpSpPr>
+        <p:cNvPr id="1" name=""/>
+        <p:cNvGrpSpPr/>
+        <p:nvPr/>
+      </p:nvGrpSpPr>
+      <p:grpSpPr>
+        <a:xfrm>
+          <a:off x="0" y="0"/>
+          <a:ext cx="0" cy="0"/>
+          <a:chOff x="0" y="0"/>
+          <a:chExt cx="0" cy="0"/>
+        </a:xfrm>
+      </p:grpSpPr>
+      <p:sp>
+        <p:nvSpPr>
+          <p:cNvPr id="2" name="Slide Image Placeholder 1"/>
+          <p:cNvSpPr>
+            <a:spLocks noGrp="1" noRot="1" noChangeAspect="1"/>
+          </p:cNvSpPr>
+          <p:nvPr>
+            <p:ph type="sldImg"/>
+          </p:nvPr>
+        </p:nvSpPr>
+        <p:spPr/>
+      </p:sp>
+      <p:sp>
+        <p:nvSpPr>
+          <p:cNvPr id="3" name="Notes Placeholder 2"/>
+          <p:cNvSpPr>
+            <a:spLocks noGrp="1"/>
+          </p:cNvSpPr>
+          <p:nvPr>
+            <p:ph type="body" idx="1"/>
+          </p:nvPr>
+        </p:nvSpPr>
+        <p:spPr/>
+        <p:txBody>
+          <a:bodyPr/>
+          <a:lstStyle/>
+          <a:p>
+            <a:endParaRPr lang="en-US" dirty="0"/>
+          </a:p>
+        </p:txBody>
+      </p:sp>
+      <p:sp>
+        <p:nvSpPr>
+          <p:cNvPr id="4" name="Slide Number Placeholder 3"/>
+          <p:cNvSpPr>
+            <a:spLocks noGrp="1"/>
+          </p:cNvSpPr>
+          <p:nvPr>
+            <p:ph type="sldNum" idx="12"/>
+          </p:nvPr>
+        </p:nvSpPr>
+        <p:spPr/>
+        <p:txBody>
+          <a:bodyPr/>
+          <a:lstStyle/>
+          <a:p>
+            <a:pPr marL="0" marR="0" lvl="0" indent="0" algn="r" rtl="0">
+              <a:lnSpc>
+                <a:spcPct val="100000"/>
+              </a:lnSpc>
+              <a:spcBef>
+                <a:spcPts val="0"/>
+              </a:spcBef>
+              <a:spcAft>
+                <a:spcPts val="0"/>
+              </a:spcAft>
+              <a:buClr>
+                <a:srgbClr val="000000"/>
+              </a:buClr>
+              <a:buSzPts val="1200"/>
+              <a:buFont typeface="Arial"/>
+              <a:buNone/>
+            </a:pPr>
+            <a:fld id="{00000000-1234-1234-1234-123412341234}" type="slidenum">
+              <a:rPr lang="en-US" sz="1200" b="0" i="0" u="none" strike="noStrike" cap="none" smtClean="0">
+                <a:solidFill>
+                  <a:schemeClr val="dk1"/>
+                </a:solidFill>
+                <a:latin typeface="Arial"/>
+                <a:ea typeface="Arial"/>
+                <a:cs typeface="Arial"/>
+                <a:sym typeface="Arial"/>
+              </a:rPr>
+              <a:t>15</a:t>
+            </a:fld>
+            <a:endParaRPr lang="en-US" sz="1200" b="0" i="0" u="none" strike="noStrike" cap="none">
+              <a:solidFill>
+                <a:schemeClr val="dk1"/>
+              </a:solidFill>
+              <a:latin typeface="Arial"/>
+              <a:ea typeface="Arial"/>
+              <a:cs typeface="Arial"/>
+              <a:sym typeface="Arial"/>
+            </a:endParaRPr>
+          </a:p>
+        </p:txBody>
+      </p:sp>
+    </p:spTree>
+    <p:extLst>
+      <p:ext uri="{BB962C8B-B14F-4D97-AF65-F5344CB8AC3E}">
+        <p14:creationId xmlns:p14="http://schemas.microsoft.com/office/powerpoint/2010/main" val="4187213496"/>
       </p:ext>
     </p:extLst>
   </p:cSld>
@@ -2739,7 +2742,7 @@
     </p:spTree>
     <p:extLst>
       <p:ext uri="{BB962C8B-B14F-4D97-AF65-F5344CB8AC3E}">
-        <p14:creationId xmlns:p14="http://schemas.microsoft.com/office/powerpoint/2010/main" val="2739486747"/>
+        <p14:creationId xmlns:p14="http://schemas.microsoft.com/office/powerpoint/2010/main" val="3679258385"/>
       </p:ext>
     </p:extLst>
   </p:cSld>
@@ -2916,7 +2919,7 @@
     </p:spTree>
     <p:extLst>
       <p:ext uri="{BB962C8B-B14F-4D97-AF65-F5344CB8AC3E}">
-        <p14:creationId xmlns:p14="http://schemas.microsoft.com/office/powerpoint/2010/main" val="1826398295"/>
+        <p14:creationId xmlns:p14="http://schemas.microsoft.com/office/powerpoint/2010/main" val="2710470093"/>
       </p:ext>
     </p:extLst>
   </p:cSld>
@@ -3093,7 +3096,7 @@
     </p:spTree>
     <p:extLst>
       <p:ext uri="{BB962C8B-B14F-4D97-AF65-F5344CB8AC3E}">
-        <p14:creationId xmlns:p14="http://schemas.microsoft.com/office/powerpoint/2010/main" val="2277205964"/>
+        <p14:creationId xmlns:p14="http://schemas.microsoft.com/office/powerpoint/2010/main" val="2739486747"/>
       </p:ext>
     </p:extLst>
   </p:cSld>
@@ -3108,7 +3111,7 @@
   <p:cSld>
     <p:spTree>
       <p:nvGrpSpPr>
-        <p:cNvPr id="1" name="Shape 171"/>
+        <p:cNvPr id="1" name="Shape 52"/>
         <p:cNvGrpSpPr/>
         <p:nvPr/>
       </p:nvGrpSpPr>
@@ -3122,7 +3125,7 @@
       </p:grpSpPr>
       <p:sp>
         <p:nvSpPr>
-          <p:cNvPr id="172" name="Google Shape;172;ge6d407e7a1_0_73:notes"/>
+          <p:cNvPr id="53" name="Google Shape;53;p2:notes"/>
           <p:cNvSpPr>
             <a:spLocks noGrp="1" noRot="1" noChangeAspect="1"/>
           </p:cNvSpPr>
@@ -3173,7 +3176,7 @@
       </p:sp>
       <p:sp>
         <p:nvSpPr>
-          <p:cNvPr id="173" name="Google Shape;173;ge6d407e7a1_0_73:notes"/>
+          <p:cNvPr id="54" name="Google Shape;54;p2:notes"/>
           <p:cNvSpPr txBox="1">
             <a:spLocks noGrp="1"/>
           </p:cNvSpPr>
@@ -3184,7 +3187,7 @@
         <p:spPr>
           <a:xfrm>
             <a:off x="701040" y="4387136"/>
-            <a:ext cx="5608200" cy="4156200"/>
+            <a:ext cx="5608320" cy="4156234"/>
           </a:xfrm>
           <a:prstGeom prst="rect">
             <a:avLst/>
@@ -3213,13 +3216,13 @@
               <a:buSzPts val="1400"/>
               <a:buNone/>
             </a:pPr>
-            <a:endParaRPr dirty="0"/>
+            <a:endParaRPr/>
           </a:p>
         </p:txBody>
       </p:sp>
       <p:sp>
         <p:nvSpPr>
-          <p:cNvPr id="174" name="Google Shape;174;ge6d407e7a1_0_73:notes"/>
+          <p:cNvPr id="55" name="Google Shape;55;p2:notes"/>
           <p:cNvSpPr txBox="1">
             <a:spLocks noGrp="1"/>
           </p:cNvSpPr>
@@ -3230,7 +3233,7 @@
         <p:spPr>
           <a:xfrm>
             <a:off x="3970938" y="8772669"/>
-            <a:ext cx="3037800" cy="461700"/>
+            <a:ext cx="3037840" cy="461804"/>
           </a:xfrm>
           <a:prstGeom prst="rect">
             <a:avLst/>
@@ -3261,13 +3264,18 @@
             </a:pPr>
             <a:fld id="{00000000-1234-1234-1234-123412341234}" type="slidenum">
               <a:rPr lang="en-US"/>
-              <a:t>20</a:t>
+              <a:t>19</a:t>
             </a:fld>
             <a:endParaRPr/>
           </a:p>
         </p:txBody>
       </p:sp>
     </p:spTree>
+    <p:extLst>
+      <p:ext uri="{BB962C8B-B14F-4D97-AF65-F5344CB8AC3E}">
+        <p14:creationId xmlns:p14="http://schemas.microsoft.com/office/powerpoint/2010/main" val="1826398295"/>
+      </p:ext>
+    </p:extLst>
   </p:cSld>
   <p:clrMapOvr>
     <a:masterClrMapping/>
@@ -3276,6 +3284,183 @@
 </file>
 
 <file path=ppt/notesSlides/notesSlide18.xml><?xml version="1.0" encoding="utf-8"?>
+<p:notes xmlns:a="http://schemas.openxmlformats.org/drawingml/2006/main" xmlns:r="http://schemas.openxmlformats.org/officeDocument/2006/relationships" xmlns:p="http://schemas.openxmlformats.org/presentationml/2006/main" showMasterSp="0" showMasterPhAnim="0">
+  <p:cSld>
+    <p:spTree>
+      <p:nvGrpSpPr>
+        <p:cNvPr id="1" name="Shape 52"/>
+        <p:cNvGrpSpPr/>
+        <p:nvPr/>
+      </p:nvGrpSpPr>
+      <p:grpSpPr>
+        <a:xfrm>
+          <a:off x="0" y="0"/>
+          <a:ext cx="0" cy="0"/>
+          <a:chOff x="0" y="0"/>
+          <a:chExt cx="0" cy="0"/>
+        </a:xfrm>
+      </p:grpSpPr>
+      <p:sp>
+        <p:nvSpPr>
+          <p:cNvPr id="53" name="Google Shape;53;p2:notes"/>
+          <p:cNvSpPr>
+            <a:spLocks noGrp="1" noRot="1" noChangeAspect="1"/>
+          </p:cNvSpPr>
+          <p:nvPr>
+            <p:ph type="sldImg" idx="2"/>
+          </p:nvPr>
+        </p:nvSpPr>
+        <p:spPr>
+          <a:xfrm>
+            <a:off x="1195388" y="692150"/>
+            <a:ext cx="4619625" cy="3463925"/>
+          </a:xfrm>
+          <a:custGeom>
+            <a:avLst/>
+            <a:gdLst/>
+            <a:ahLst/>
+            <a:cxnLst/>
+            <a:rect l="l" t="t" r="r" b="b"/>
+            <a:pathLst>
+              <a:path w="120000" h="120000" extrusionOk="0">
+                <a:moveTo>
+                  <a:pt x="0" y="0"/>
+                </a:moveTo>
+                <a:lnTo>
+                  <a:pt x="120000" y="0"/>
+                </a:lnTo>
+                <a:lnTo>
+                  <a:pt x="120000" y="120000"/>
+                </a:lnTo>
+                <a:lnTo>
+                  <a:pt x="0" y="120000"/>
+                </a:lnTo>
+                <a:close/>
+              </a:path>
+            </a:pathLst>
+          </a:custGeom>
+          <a:noFill/>
+          <a:ln w="12700" cap="flat" cmpd="sng">
+            <a:solidFill>
+              <a:srgbClr val="000000"/>
+            </a:solidFill>
+            <a:prstDash val="solid"/>
+            <a:round/>
+            <a:headEnd type="none" w="sm" len="sm"/>
+            <a:tailEnd type="none" w="sm" len="sm"/>
+          </a:ln>
+        </p:spPr>
+      </p:sp>
+      <p:sp>
+        <p:nvSpPr>
+          <p:cNvPr id="54" name="Google Shape;54;p2:notes"/>
+          <p:cNvSpPr txBox="1">
+            <a:spLocks noGrp="1"/>
+          </p:cNvSpPr>
+          <p:nvPr>
+            <p:ph type="body" idx="1"/>
+          </p:nvPr>
+        </p:nvSpPr>
+        <p:spPr>
+          <a:xfrm>
+            <a:off x="701040" y="4387136"/>
+            <a:ext cx="5608320" cy="4156234"/>
+          </a:xfrm>
+          <a:prstGeom prst="rect">
+            <a:avLst/>
+          </a:prstGeom>
+          <a:noFill/>
+          <a:ln>
+            <a:noFill/>
+          </a:ln>
+        </p:spPr>
+        <p:txBody>
+          <a:bodyPr spcFirstLastPara="1" wrap="square" lIns="93175" tIns="46575" rIns="93175" bIns="46575" anchor="t" anchorCtr="0">
+            <a:noAutofit/>
+          </a:bodyPr>
+          <a:lstStyle/>
+          <a:p>
+            <a:pPr marL="0" lvl="0" indent="0" algn="l" rtl="0">
+              <a:lnSpc>
+                <a:spcPct val="100000"/>
+              </a:lnSpc>
+              <a:spcBef>
+                <a:spcPts val="0"/>
+              </a:spcBef>
+              <a:spcAft>
+                <a:spcPts val="0"/>
+              </a:spcAft>
+              <a:buSzPts val="1400"/>
+              <a:buNone/>
+            </a:pPr>
+            <a:endParaRPr/>
+          </a:p>
+        </p:txBody>
+      </p:sp>
+      <p:sp>
+        <p:nvSpPr>
+          <p:cNvPr id="55" name="Google Shape;55;p2:notes"/>
+          <p:cNvSpPr txBox="1">
+            <a:spLocks noGrp="1"/>
+          </p:cNvSpPr>
+          <p:nvPr>
+            <p:ph type="sldNum" idx="12"/>
+          </p:nvPr>
+        </p:nvSpPr>
+        <p:spPr>
+          <a:xfrm>
+            <a:off x="3970938" y="8772669"/>
+            <a:ext cx="3037840" cy="461804"/>
+          </a:xfrm>
+          <a:prstGeom prst="rect">
+            <a:avLst/>
+          </a:prstGeom>
+          <a:noFill/>
+          <a:ln>
+            <a:noFill/>
+          </a:ln>
+        </p:spPr>
+        <p:txBody>
+          <a:bodyPr spcFirstLastPara="1" wrap="square" lIns="93175" tIns="46575" rIns="93175" bIns="46575" anchor="b" anchorCtr="0">
+            <a:noAutofit/>
+          </a:bodyPr>
+          <a:lstStyle/>
+          <a:p>
+            <a:pPr marL="0" lvl="0" indent="0" algn="r" rtl="0">
+              <a:lnSpc>
+                <a:spcPct val="100000"/>
+              </a:lnSpc>
+              <a:spcBef>
+                <a:spcPts val="0"/>
+              </a:spcBef>
+              <a:spcAft>
+                <a:spcPts val="0"/>
+              </a:spcAft>
+              <a:buSzPts val="1400"/>
+              <a:buNone/>
+            </a:pPr>
+            <a:fld id="{00000000-1234-1234-1234-123412341234}" type="slidenum">
+              <a:rPr lang="en-US"/>
+              <a:t>20</a:t>
+            </a:fld>
+            <a:endParaRPr/>
+          </a:p>
+        </p:txBody>
+      </p:sp>
+    </p:spTree>
+    <p:extLst>
+      <p:ext uri="{BB962C8B-B14F-4D97-AF65-F5344CB8AC3E}">
+        <p14:creationId xmlns:p14="http://schemas.microsoft.com/office/powerpoint/2010/main" val="2277205964"/>
+      </p:ext>
+    </p:extLst>
+  </p:cSld>
+  <p:clrMapOvr>
+    <a:masterClrMapping/>
+  </p:clrMapOvr>
+</p:notes>
+</file>
+
+<file path=ppt/notesSlides/notesSlide19.xml><?xml version="1.0" encoding="utf-8"?>
 <p:notes xmlns:a="http://schemas.openxmlformats.org/drawingml/2006/main" xmlns:r="http://schemas.openxmlformats.org/officeDocument/2006/relationships" xmlns:p="http://schemas.openxmlformats.org/presentationml/2006/main" showMasterSp="0" showMasterPhAnim="0">
   <p:cSld>
     <p:spTree>
@@ -3442,7 +3627,7 @@
     </p:spTree>
     <p:extLst>
       <p:ext uri="{BB962C8B-B14F-4D97-AF65-F5344CB8AC3E}">
-        <p14:creationId xmlns:p14="http://schemas.microsoft.com/office/powerpoint/2010/main" val="34238355"/>
+        <p14:creationId xmlns:p14="http://schemas.microsoft.com/office/powerpoint/2010/main" val="91091938"/>
       </p:ext>
     </p:extLst>
   </p:cSld>
@@ -3617,6 +3802,355 @@
         </p:txBody>
       </p:sp>
     </p:spTree>
+  </p:cSld>
+  <p:clrMapOvr>
+    <a:masterClrMapping/>
+  </p:clrMapOvr>
+</p:notes>
+</file>
+
+<file path=ppt/notesSlides/notesSlide20.xml><?xml version="1.0" encoding="utf-8"?>
+<p:notes xmlns:a="http://schemas.openxmlformats.org/drawingml/2006/main" xmlns:r="http://schemas.openxmlformats.org/officeDocument/2006/relationships" xmlns:p="http://schemas.openxmlformats.org/presentationml/2006/main" showMasterSp="0" showMasterPhAnim="0">
+  <p:cSld>
+    <p:spTree>
+      <p:nvGrpSpPr>
+        <p:cNvPr id="1" name="Shape 171"/>
+        <p:cNvGrpSpPr/>
+        <p:nvPr/>
+      </p:nvGrpSpPr>
+      <p:grpSpPr>
+        <a:xfrm>
+          <a:off x="0" y="0"/>
+          <a:ext cx="0" cy="0"/>
+          <a:chOff x="0" y="0"/>
+          <a:chExt cx="0" cy="0"/>
+        </a:xfrm>
+      </p:grpSpPr>
+      <p:sp>
+        <p:nvSpPr>
+          <p:cNvPr id="172" name="Google Shape;172;ge6d407e7a1_0_73:notes"/>
+          <p:cNvSpPr>
+            <a:spLocks noGrp="1" noRot="1" noChangeAspect="1"/>
+          </p:cNvSpPr>
+          <p:nvPr>
+            <p:ph type="sldImg" idx="2"/>
+          </p:nvPr>
+        </p:nvSpPr>
+        <p:spPr>
+          <a:xfrm>
+            <a:off x="1195388" y="692150"/>
+            <a:ext cx="4619625" cy="3463925"/>
+          </a:xfrm>
+          <a:custGeom>
+            <a:avLst/>
+            <a:gdLst/>
+            <a:ahLst/>
+            <a:cxnLst/>
+            <a:rect l="l" t="t" r="r" b="b"/>
+            <a:pathLst>
+              <a:path w="120000" h="120000" extrusionOk="0">
+                <a:moveTo>
+                  <a:pt x="0" y="0"/>
+                </a:moveTo>
+                <a:lnTo>
+                  <a:pt x="120000" y="0"/>
+                </a:lnTo>
+                <a:lnTo>
+                  <a:pt x="120000" y="120000"/>
+                </a:lnTo>
+                <a:lnTo>
+                  <a:pt x="0" y="120000"/>
+                </a:lnTo>
+                <a:close/>
+              </a:path>
+            </a:pathLst>
+          </a:custGeom>
+          <a:noFill/>
+          <a:ln w="12700" cap="flat" cmpd="sng">
+            <a:solidFill>
+              <a:srgbClr val="000000"/>
+            </a:solidFill>
+            <a:prstDash val="solid"/>
+            <a:round/>
+            <a:headEnd type="none" w="sm" len="sm"/>
+            <a:tailEnd type="none" w="sm" len="sm"/>
+          </a:ln>
+        </p:spPr>
+      </p:sp>
+      <p:sp>
+        <p:nvSpPr>
+          <p:cNvPr id="173" name="Google Shape;173;ge6d407e7a1_0_73:notes"/>
+          <p:cNvSpPr txBox="1">
+            <a:spLocks noGrp="1"/>
+          </p:cNvSpPr>
+          <p:nvPr>
+            <p:ph type="body" idx="1"/>
+          </p:nvPr>
+        </p:nvSpPr>
+        <p:spPr>
+          <a:xfrm>
+            <a:off x="701040" y="4387136"/>
+            <a:ext cx="5608200" cy="4156200"/>
+          </a:xfrm>
+          <a:prstGeom prst="rect">
+            <a:avLst/>
+          </a:prstGeom>
+          <a:noFill/>
+          <a:ln>
+            <a:noFill/>
+          </a:ln>
+        </p:spPr>
+        <p:txBody>
+          <a:bodyPr spcFirstLastPara="1" wrap="square" lIns="93175" tIns="46575" rIns="93175" bIns="46575" anchor="t" anchorCtr="0">
+            <a:noAutofit/>
+          </a:bodyPr>
+          <a:lstStyle/>
+          <a:p>
+            <a:pPr marL="0" lvl="0" indent="0" algn="l" rtl="0">
+              <a:lnSpc>
+                <a:spcPct val="100000"/>
+              </a:lnSpc>
+              <a:spcBef>
+                <a:spcPts val="0"/>
+              </a:spcBef>
+              <a:spcAft>
+                <a:spcPts val="0"/>
+              </a:spcAft>
+              <a:buSzPts val="1400"/>
+              <a:buNone/>
+            </a:pPr>
+            <a:endParaRPr dirty="0"/>
+          </a:p>
+        </p:txBody>
+      </p:sp>
+      <p:sp>
+        <p:nvSpPr>
+          <p:cNvPr id="174" name="Google Shape;174;ge6d407e7a1_0_73:notes"/>
+          <p:cNvSpPr txBox="1">
+            <a:spLocks noGrp="1"/>
+          </p:cNvSpPr>
+          <p:nvPr>
+            <p:ph type="sldNum" idx="12"/>
+          </p:nvPr>
+        </p:nvSpPr>
+        <p:spPr>
+          <a:xfrm>
+            <a:off x="3970938" y="8772669"/>
+            <a:ext cx="3037800" cy="461700"/>
+          </a:xfrm>
+          <a:prstGeom prst="rect">
+            <a:avLst/>
+          </a:prstGeom>
+          <a:noFill/>
+          <a:ln>
+            <a:noFill/>
+          </a:ln>
+        </p:spPr>
+        <p:txBody>
+          <a:bodyPr spcFirstLastPara="1" wrap="square" lIns="93175" tIns="46575" rIns="93175" bIns="46575" anchor="b" anchorCtr="0">
+            <a:noAutofit/>
+          </a:bodyPr>
+          <a:lstStyle/>
+          <a:p>
+            <a:pPr marL="0" lvl="0" indent="0" algn="r" rtl="0">
+              <a:lnSpc>
+                <a:spcPct val="100000"/>
+              </a:lnSpc>
+              <a:spcBef>
+                <a:spcPts val="0"/>
+              </a:spcBef>
+              <a:spcAft>
+                <a:spcPts val="0"/>
+              </a:spcAft>
+              <a:buSzPts val="1400"/>
+              <a:buNone/>
+            </a:pPr>
+            <a:fld id="{00000000-1234-1234-1234-123412341234}" type="slidenum">
+              <a:rPr lang="en-US"/>
+              <a:t>23</a:t>
+            </a:fld>
+            <a:endParaRPr/>
+          </a:p>
+        </p:txBody>
+      </p:sp>
+    </p:spTree>
+  </p:cSld>
+  <p:clrMapOvr>
+    <a:masterClrMapping/>
+  </p:clrMapOvr>
+</p:notes>
+</file>
+
+<file path=ppt/notesSlides/notesSlide21.xml><?xml version="1.0" encoding="utf-8"?>
+<p:notes xmlns:a="http://schemas.openxmlformats.org/drawingml/2006/main" xmlns:r="http://schemas.openxmlformats.org/officeDocument/2006/relationships" xmlns:p="http://schemas.openxmlformats.org/presentationml/2006/main" showMasterSp="0" showMasterPhAnim="0">
+  <p:cSld>
+    <p:spTree>
+      <p:nvGrpSpPr>
+        <p:cNvPr id="1" name="Shape 97"/>
+        <p:cNvGrpSpPr/>
+        <p:nvPr/>
+      </p:nvGrpSpPr>
+      <p:grpSpPr>
+        <a:xfrm>
+          <a:off x="0" y="0"/>
+          <a:ext cx="0" cy="0"/>
+          <a:chOff x="0" y="0"/>
+          <a:chExt cx="0" cy="0"/>
+        </a:xfrm>
+      </p:grpSpPr>
+      <p:sp>
+        <p:nvSpPr>
+          <p:cNvPr id="98" name="Google Shape;98;ge6d407e7a1_0_0:notes"/>
+          <p:cNvSpPr>
+            <a:spLocks noGrp="1" noRot="1" noChangeAspect="1"/>
+          </p:cNvSpPr>
+          <p:nvPr>
+            <p:ph type="sldImg" idx="2"/>
+          </p:nvPr>
+        </p:nvSpPr>
+        <p:spPr>
+          <a:xfrm>
+            <a:off x="1195388" y="692150"/>
+            <a:ext cx="4619625" cy="3463925"/>
+          </a:xfrm>
+          <a:custGeom>
+            <a:avLst/>
+            <a:gdLst/>
+            <a:ahLst/>
+            <a:cxnLst/>
+            <a:rect l="l" t="t" r="r" b="b"/>
+            <a:pathLst>
+              <a:path w="120000" h="120000" extrusionOk="0">
+                <a:moveTo>
+                  <a:pt x="0" y="0"/>
+                </a:moveTo>
+                <a:lnTo>
+                  <a:pt x="120000" y="0"/>
+                </a:lnTo>
+                <a:lnTo>
+                  <a:pt x="120000" y="120000"/>
+                </a:lnTo>
+                <a:lnTo>
+                  <a:pt x="0" y="120000"/>
+                </a:lnTo>
+                <a:close/>
+              </a:path>
+            </a:pathLst>
+          </a:custGeom>
+          <a:noFill/>
+          <a:ln w="12700" cap="flat" cmpd="sng">
+            <a:solidFill>
+              <a:srgbClr val="000000"/>
+            </a:solidFill>
+            <a:prstDash val="solid"/>
+            <a:round/>
+            <a:headEnd type="none" w="sm" len="sm"/>
+            <a:tailEnd type="none" w="sm" len="sm"/>
+          </a:ln>
+        </p:spPr>
+      </p:sp>
+      <p:sp>
+        <p:nvSpPr>
+          <p:cNvPr id="99" name="Google Shape;99;ge6d407e7a1_0_0:notes"/>
+          <p:cNvSpPr txBox="1">
+            <a:spLocks noGrp="1"/>
+          </p:cNvSpPr>
+          <p:nvPr>
+            <p:ph type="body" idx="1"/>
+          </p:nvPr>
+        </p:nvSpPr>
+        <p:spPr>
+          <a:xfrm>
+            <a:off x="701040" y="4387136"/>
+            <a:ext cx="5608200" cy="4156200"/>
+          </a:xfrm>
+          <a:prstGeom prst="rect">
+            <a:avLst/>
+          </a:prstGeom>
+          <a:noFill/>
+          <a:ln>
+            <a:noFill/>
+          </a:ln>
+        </p:spPr>
+        <p:txBody>
+          <a:bodyPr spcFirstLastPara="1" wrap="square" lIns="93175" tIns="46575" rIns="93175" bIns="46575" anchor="t" anchorCtr="0">
+            <a:noAutofit/>
+          </a:bodyPr>
+          <a:lstStyle/>
+          <a:p>
+            <a:pPr marL="0" lvl="0" indent="0" algn="l" rtl="0">
+              <a:lnSpc>
+                <a:spcPct val="100000"/>
+              </a:lnSpc>
+              <a:spcBef>
+                <a:spcPts val="0"/>
+              </a:spcBef>
+              <a:spcAft>
+                <a:spcPts val="0"/>
+              </a:spcAft>
+              <a:buSzPts val="1400"/>
+              <a:buNone/>
+            </a:pPr>
+            <a:endParaRPr dirty="0"/>
+          </a:p>
+        </p:txBody>
+      </p:sp>
+      <p:sp>
+        <p:nvSpPr>
+          <p:cNvPr id="100" name="Google Shape;100;ge6d407e7a1_0_0:notes"/>
+          <p:cNvSpPr txBox="1">
+            <a:spLocks noGrp="1"/>
+          </p:cNvSpPr>
+          <p:nvPr>
+            <p:ph type="sldNum" idx="12"/>
+          </p:nvPr>
+        </p:nvSpPr>
+        <p:spPr>
+          <a:xfrm>
+            <a:off x="3970938" y="8772669"/>
+            <a:ext cx="3037800" cy="461700"/>
+          </a:xfrm>
+          <a:prstGeom prst="rect">
+            <a:avLst/>
+          </a:prstGeom>
+          <a:noFill/>
+          <a:ln>
+            <a:noFill/>
+          </a:ln>
+        </p:spPr>
+        <p:txBody>
+          <a:bodyPr spcFirstLastPara="1" wrap="square" lIns="93175" tIns="46575" rIns="93175" bIns="46575" anchor="b" anchorCtr="0">
+            <a:noAutofit/>
+          </a:bodyPr>
+          <a:lstStyle/>
+          <a:p>
+            <a:pPr marL="0" lvl="0" indent="0" algn="r" rtl="0">
+              <a:lnSpc>
+                <a:spcPct val="100000"/>
+              </a:lnSpc>
+              <a:spcBef>
+                <a:spcPts val="0"/>
+              </a:spcBef>
+              <a:spcAft>
+                <a:spcPts val="0"/>
+              </a:spcAft>
+              <a:buSzPts val="1400"/>
+              <a:buNone/>
+            </a:pPr>
+            <a:fld id="{00000000-1234-1234-1234-123412341234}" type="slidenum">
+              <a:rPr lang="en-US"/>
+              <a:t>24</a:t>
+            </a:fld>
+            <a:endParaRPr/>
+          </a:p>
+        </p:txBody>
+      </p:sp>
+    </p:spTree>
+    <p:extLst>
+      <p:ext uri="{BB962C8B-B14F-4D97-AF65-F5344CB8AC3E}">
+        <p14:creationId xmlns:p14="http://schemas.microsoft.com/office/powerpoint/2010/main" val="34238355"/>
+      </p:ext>
+    </p:extLst>
   </p:cSld>
   <p:clrMapOvr>
     <a:masterClrMapping/>
@@ -11614,6 +12148,855 @@
   <p:cSld>
     <p:spTree>
       <p:nvGrpSpPr>
+        <p:cNvPr id="1" name="Shape 101"/>
+        <p:cNvGrpSpPr/>
+        <p:nvPr/>
+      </p:nvGrpSpPr>
+      <p:grpSpPr>
+        <a:xfrm>
+          <a:off x="0" y="0"/>
+          <a:ext cx="0" cy="0"/>
+          <a:chOff x="0" y="0"/>
+          <a:chExt cx="0" cy="0"/>
+        </a:xfrm>
+      </p:grpSpPr>
+      <p:sp>
+        <p:nvSpPr>
+          <p:cNvPr id="102" name="Google Shape;102;ge6d407e7a1_0_0"/>
+          <p:cNvSpPr txBox="1">
+            <a:spLocks noGrp="1"/>
+          </p:cNvSpPr>
+          <p:nvPr>
+            <p:ph type="title"/>
+          </p:nvPr>
+        </p:nvSpPr>
+        <p:spPr>
+          <a:xfrm>
+            <a:off x="457200" y="0"/>
+            <a:ext cx="8645700" cy="1143000"/>
+          </a:xfrm>
+          <a:prstGeom prst="rect">
+            <a:avLst/>
+          </a:prstGeom>
+          <a:noFill/>
+          <a:ln>
+            <a:noFill/>
+          </a:ln>
+        </p:spPr>
+        <p:txBody>
+          <a:bodyPr spcFirstLastPara="1" wrap="square" lIns="91425" tIns="45700" rIns="91425" bIns="45700" anchor="ctr" anchorCtr="0">
+            <a:noAutofit/>
+          </a:bodyPr>
+          <a:lstStyle/>
+          <a:p>
+            <a:pPr marL="0" lvl="0" indent="0" algn="l" rtl="0">
+              <a:lnSpc>
+                <a:spcPct val="100000"/>
+              </a:lnSpc>
+              <a:spcBef>
+                <a:spcPts val="0"/>
+              </a:spcBef>
+              <a:spcAft>
+                <a:spcPts val="0"/>
+              </a:spcAft>
+              <a:buSzPts val="3200"/>
+              <a:buNone/>
+            </a:pPr>
+            <a:r>
+              <a:rPr lang="en-US" dirty="0"/>
+              <a:t>Recall - Opening a GUI on KLC</a:t>
+            </a:r>
+            <a:endParaRPr dirty="0"/>
+          </a:p>
+        </p:txBody>
+      </p:sp>
+      <p:sp>
+        <p:nvSpPr>
+          <p:cNvPr id="104" name="Google Shape;104;ge6d407e7a1_0_0"/>
+          <p:cNvSpPr txBox="1">
+            <a:spLocks noGrp="1"/>
+          </p:cNvSpPr>
+          <p:nvPr>
+            <p:ph type="sldNum" idx="12"/>
+          </p:nvPr>
+        </p:nvSpPr>
+        <p:spPr>
+          <a:xfrm>
+            <a:off x="8686800" y="6506896"/>
+            <a:ext cx="416100" cy="365100"/>
+          </a:xfrm>
+          <a:prstGeom prst="rect">
+            <a:avLst/>
+          </a:prstGeom>
+          <a:noFill/>
+          <a:ln>
+            <a:noFill/>
+          </a:ln>
+        </p:spPr>
+        <p:txBody>
+          <a:bodyPr spcFirstLastPara="1" wrap="square" lIns="91425" tIns="45700" rIns="91425" bIns="45700" anchor="ctr" anchorCtr="0">
+            <a:noAutofit/>
+          </a:bodyPr>
+          <a:lstStyle/>
+          <a:p>
+            <a:pPr marL="0" lvl="0" indent="0" algn="r" rtl="0">
+              <a:lnSpc>
+                <a:spcPct val="100000"/>
+              </a:lnSpc>
+              <a:spcBef>
+                <a:spcPts val="0"/>
+              </a:spcBef>
+              <a:spcAft>
+                <a:spcPts val="0"/>
+              </a:spcAft>
+              <a:buSzPts val="1000"/>
+              <a:buNone/>
+            </a:pPr>
+            <a:fld id="{00000000-1234-1234-1234-123412341234}" type="slidenum">
+              <a:rPr lang="en-US"/>
+              <a:t>11</a:t>
+            </a:fld>
+            <a:endParaRPr/>
+          </a:p>
+        </p:txBody>
+      </p:sp>
+      <p:sp>
+        <p:nvSpPr>
+          <p:cNvPr id="105" name="Google Shape;105;ge6d407e7a1_0_0"/>
+          <p:cNvSpPr txBox="1"/>
+          <p:nvPr/>
+        </p:nvSpPr>
+        <p:spPr>
+          <a:xfrm>
+            <a:off x="268575" y="904875"/>
+            <a:ext cx="7340400" cy="5493781"/>
+          </a:xfrm>
+          <a:prstGeom prst="rect">
+            <a:avLst/>
+          </a:prstGeom>
+          <a:noFill/>
+          <a:ln>
+            <a:noFill/>
+          </a:ln>
+        </p:spPr>
+        <p:txBody>
+          <a:bodyPr spcFirstLastPara="1" wrap="square" lIns="91425" tIns="91425" rIns="91425" bIns="91425" anchor="t" anchorCtr="0">
+            <a:spAutoFit/>
+          </a:bodyPr>
+          <a:lstStyle/>
+          <a:p>
+            <a:pPr marL="0" lvl="0" indent="0" algn="l" rtl="0">
+              <a:spcBef>
+                <a:spcPts val="0"/>
+              </a:spcBef>
+              <a:spcAft>
+                <a:spcPts val="0"/>
+              </a:spcAft>
+              <a:buClr>
+                <a:schemeClr val="dk1"/>
+              </a:buClr>
+              <a:buSzPts val="1100"/>
+              <a:buFont typeface="Arial"/>
+              <a:buNone/>
+            </a:pPr>
+            <a:r>
+              <a:rPr lang="en-US" sz="1800" dirty="0"/>
+              <a:t>Again, no modules are preloaded in a new KLC session.  You will need to load everything you use.</a:t>
+            </a:r>
+            <a:endParaRPr sz="1800" dirty="0"/>
+          </a:p>
+          <a:p>
+            <a:pPr marL="0" lvl="0" indent="0" algn="l" rtl="0">
+              <a:spcBef>
+                <a:spcPts val="0"/>
+              </a:spcBef>
+              <a:spcAft>
+                <a:spcPts val="0"/>
+              </a:spcAft>
+              <a:buClr>
+                <a:schemeClr val="dk1"/>
+              </a:buClr>
+              <a:buSzPts val="1100"/>
+              <a:buFont typeface="Arial"/>
+              <a:buNone/>
+            </a:pPr>
+            <a:endParaRPr sz="1000" dirty="0"/>
+          </a:p>
+          <a:p>
+            <a:pPr marL="0" lvl="0" indent="0" algn="l" rtl="0">
+              <a:spcBef>
+                <a:spcPts val="0"/>
+              </a:spcBef>
+              <a:spcAft>
+                <a:spcPts val="0"/>
+              </a:spcAft>
+              <a:buClr>
+                <a:schemeClr val="dk1"/>
+              </a:buClr>
+              <a:buSzPts val="1100"/>
+              <a:buFont typeface="Arial"/>
+              <a:buNone/>
+            </a:pPr>
+            <a:r>
+              <a:rPr lang="en-US" sz="1800" dirty="0"/>
+              <a:t>To see what version of a software package are available type:</a:t>
+            </a:r>
+            <a:endParaRPr sz="1800" dirty="0"/>
+          </a:p>
+          <a:p>
+            <a:pPr marL="0" lvl="0" indent="0" algn="l" rtl="0">
+              <a:spcBef>
+                <a:spcPts val="0"/>
+              </a:spcBef>
+              <a:spcAft>
+                <a:spcPts val="0"/>
+              </a:spcAft>
+              <a:buClr>
+                <a:schemeClr val="dk1"/>
+              </a:buClr>
+              <a:buSzPts val="1100"/>
+              <a:buFont typeface="Arial"/>
+              <a:buNone/>
+            </a:pPr>
+            <a:endParaRPr sz="1000" dirty="0"/>
+          </a:p>
+          <a:p>
+            <a:pPr marL="457200" lvl="0" indent="0" algn="l" rtl="0">
+              <a:spcBef>
+                <a:spcPts val="0"/>
+              </a:spcBef>
+              <a:spcAft>
+                <a:spcPts val="0"/>
+              </a:spcAft>
+              <a:buClr>
+                <a:schemeClr val="dk1"/>
+              </a:buClr>
+              <a:buSzPts val="1100"/>
+              <a:buFont typeface="Arial"/>
+              <a:buNone/>
+            </a:pPr>
+            <a:r>
+              <a:rPr lang="en-US" sz="1800" dirty="0">
+                <a:highlight>
+                  <a:srgbClr val="CCCCCC"/>
+                </a:highlight>
+                <a:latin typeface="Consolas"/>
+                <a:ea typeface="Consolas"/>
+                <a:cs typeface="Consolas"/>
+                <a:sym typeface="Consolas"/>
+              </a:rPr>
+              <a:t>module avail &lt;software name&gt;</a:t>
+            </a:r>
+            <a:endParaRPr sz="1800" dirty="0">
+              <a:highlight>
+                <a:srgbClr val="CCCCCC"/>
+              </a:highlight>
+              <a:latin typeface="Consolas"/>
+              <a:ea typeface="Consolas"/>
+              <a:cs typeface="Consolas"/>
+              <a:sym typeface="Consolas"/>
+            </a:endParaRPr>
+          </a:p>
+          <a:p>
+            <a:pPr marL="457200" lvl="0" indent="0" algn="l" rtl="0">
+              <a:spcBef>
+                <a:spcPts val="0"/>
+              </a:spcBef>
+              <a:spcAft>
+                <a:spcPts val="0"/>
+              </a:spcAft>
+              <a:buClr>
+                <a:schemeClr val="dk1"/>
+              </a:buClr>
+              <a:buSzPts val="1100"/>
+              <a:buFont typeface="Arial"/>
+              <a:buNone/>
+            </a:pPr>
+            <a:r>
+              <a:rPr lang="en-US" sz="1800" dirty="0">
+                <a:highlight>
+                  <a:srgbClr val="CCCCCC"/>
+                </a:highlight>
+                <a:latin typeface="Consolas"/>
+                <a:ea typeface="Consolas"/>
+                <a:cs typeface="Consolas"/>
+                <a:sym typeface="Consolas"/>
+              </a:rPr>
+              <a:t>module avail R</a:t>
+            </a:r>
+            <a:endParaRPr sz="1800" dirty="0">
+              <a:highlight>
+                <a:srgbClr val="CCCCCC"/>
+              </a:highlight>
+              <a:latin typeface="Consolas"/>
+              <a:ea typeface="Consolas"/>
+              <a:cs typeface="Consolas"/>
+              <a:sym typeface="Consolas"/>
+            </a:endParaRPr>
+          </a:p>
+          <a:p>
+            <a:pPr marL="457200" lvl="0" indent="0" algn="l" rtl="0">
+              <a:spcBef>
+                <a:spcPts val="0"/>
+              </a:spcBef>
+              <a:spcAft>
+                <a:spcPts val="0"/>
+              </a:spcAft>
+              <a:buClr>
+                <a:schemeClr val="dk1"/>
+              </a:buClr>
+              <a:buSzPts val="1100"/>
+              <a:buFont typeface="Arial"/>
+              <a:buNone/>
+            </a:pPr>
+            <a:r>
+              <a:rPr lang="en-US" sz="1800" dirty="0">
+                <a:highlight>
+                  <a:srgbClr val="CCCCCC"/>
+                </a:highlight>
+                <a:latin typeface="Consolas"/>
+                <a:ea typeface="Consolas"/>
+                <a:cs typeface="Consolas"/>
+                <a:sym typeface="Consolas"/>
+              </a:rPr>
+              <a:t>module avail </a:t>
+            </a:r>
+            <a:r>
+              <a:rPr lang="en-US" sz="1800" dirty="0" err="1">
+                <a:highlight>
+                  <a:srgbClr val="CCCCCC"/>
+                </a:highlight>
+                <a:latin typeface="Consolas"/>
+                <a:ea typeface="Consolas"/>
+                <a:cs typeface="Consolas"/>
+                <a:sym typeface="Consolas"/>
+              </a:rPr>
+              <a:t>stata</a:t>
+            </a:r>
+            <a:endParaRPr lang="en-US" sz="1800" dirty="0">
+              <a:highlight>
+                <a:srgbClr val="CCCCCC"/>
+              </a:highlight>
+              <a:latin typeface="Consolas"/>
+              <a:ea typeface="Consolas"/>
+              <a:cs typeface="Consolas"/>
+              <a:sym typeface="Consolas"/>
+            </a:endParaRPr>
+          </a:p>
+          <a:p>
+            <a:pPr marL="457200" lvl="0" indent="0" algn="l" rtl="0">
+              <a:spcBef>
+                <a:spcPts val="0"/>
+              </a:spcBef>
+              <a:spcAft>
+                <a:spcPts val="0"/>
+              </a:spcAft>
+              <a:buClr>
+                <a:schemeClr val="dk1"/>
+              </a:buClr>
+              <a:buSzPts val="1100"/>
+              <a:buFont typeface="Arial"/>
+              <a:buNone/>
+            </a:pPr>
+            <a:r>
+              <a:rPr lang="en-US" sz="1800" dirty="0">
+                <a:highlight>
+                  <a:srgbClr val="CCCCCC"/>
+                </a:highlight>
+                <a:latin typeface="Consolas"/>
+                <a:ea typeface="Consolas"/>
+                <a:cs typeface="Consolas"/>
+                <a:sym typeface="Consolas"/>
+              </a:rPr>
+              <a:t>module avail python</a:t>
+            </a:r>
+            <a:endParaRPr sz="1800" dirty="0">
+              <a:highlight>
+                <a:srgbClr val="CCCCCC"/>
+              </a:highlight>
+              <a:latin typeface="Consolas"/>
+              <a:ea typeface="Consolas"/>
+              <a:cs typeface="Consolas"/>
+              <a:sym typeface="Consolas"/>
+            </a:endParaRPr>
+          </a:p>
+          <a:p>
+            <a:pPr marL="0" lvl="0" indent="0" algn="l" rtl="0">
+              <a:spcBef>
+                <a:spcPts val="0"/>
+              </a:spcBef>
+              <a:spcAft>
+                <a:spcPts val="0"/>
+              </a:spcAft>
+              <a:buClr>
+                <a:schemeClr val="dk1"/>
+              </a:buClr>
+              <a:buSzPts val="1100"/>
+              <a:buFont typeface="Arial"/>
+              <a:buNone/>
+            </a:pPr>
+            <a:endParaRPr sz="1000" dirty="0"/>
+          </a:p>
+          <a:p>
+            <a:pPr marL="0" lvl="0" indent="0" algn="l" rtl="0">
+              <a:spcBef>
+                <a:spcPts val="0"/>
+              </a:spcBef>
+              <a:spcAft>
+                <a:spcPts val="0"/>
+              </a:spcAft>
+              <a:buClr>
+                <a:schemeClr val="dk1"/>
+              </a:buClr>
+              <a:buSzPts val="1100"/>
+              <a:buFont typeface="Arial"/>
+              <a:buNone/>
+            </a:pPr>
+            <a:r>
+              <a:rPr lang="en-US" sz="1700" dirty="0"/>
+              <a:t>To load something type:</a:t>
+            </a:r>
+            <a:endParaRPr sz="1700" dirty="0"/>
+          </a:p>
+          <a:p>
+            <a:pPr marL="0" lvl="0" indent="0" algn="l" rtl="0">
+              <a:spcBef>
+                <a:spcPts val="0"/>
+              </a:spcBef>
+              <a:spcAft>
+                <a:spcPts val="0"/>
+              </a:spcAft>
+              <a:buClr>
+                <a:schemeClr val="dk1"/>
+              </a:buClr>
+              <a:buSzPts val="1100"/>
+              <a:buFont typeface="Arial"/>
+              <a:buNone/>
+            </a:pPr>
+            <a:endParaRPr sz="1000" dirty="0"/>
+          </a:p>
+          <a:p>
+            <a:pPr marL="457200" lvl="0" indent="0" algn="l" rtl="0">
+              <a:spcBef>
+                <a:spcPts val="0"/>
+              </a:spcBef>
+              <a:spcAft>
+                <a:spcPts val="0"/>
+              </a:spcAft>
+              <a:buClr>
+                <a:schemeClr val="dk1"/>
+              </a:buClr>
+              <a:buSzPts val="1100"/>
+              <a:buFont typeface="Arial"/>
+              <a:buNone/>
+            </a:pPr>
+            <a:r>
+              <a:rPr lang="en-US" sz="1800" dirty="0">
+                <a:solidFill>
+                  <a:schemeClr val="dk1"/>
+                </a:solidFill>
+                <a:highlight>
+                  <a:srgbClr val="CCCCCC"/>
+                </a:highlight>
+                <a:latin typeface="Consolas"/>
+                <a:ea typeface="Consolas"/>
+                <a:cs typeface="Consolas"/>
+                <a:sym typeface="Consolas"/>
+              </a:rPr>
+              <a:t>module load &lt;software version&gt;</a:t>
+            </a:r>
+            <a:endParaRPr sz="1800" dirty="0">
+              <a:solidFill>
+                <a:schemeClr val="dk1"/>
+              </a:solidFill>
+              <a:highlight>
+                <a:srgbClr val="CCCCCC"/>
+              </a:highlight>
+              <a:latin typeface="Consolas"/>
+              <a:ea typeface="Consolas"/>
+              <a:cs typeface="Consolas"/>
+              <a:sym typeface="Consolas"/>
+            </a:endParaRPr>
+          </a:p>
+          <a:p>
+            <a:pPr marL="457200" lvl="0" indent="0" algn="l" rtl="0">
+              <a:spcBef>
+                <a:spcPts val="0"/>
+              </a:spcBef>
+              <a:spcAft>
+                <a:spcPts val="0"/>
+              </a:spcAft>
+              <a:buClr>
+                <a:schemeClr val="dk1"/>
+              </a:buClr>
+              <a:buSzPts val="1100"/>
+              <a:buFont typeface="Arial"/>
+              <a:buNone/>
+            </a:pPr>
+            <a:r>
+              <a:rPr lang="en-US" sz="1800" dirty="0">
+                <a:solidFill>
+                  <a:schemeClr val="dk1"/>
+                </a:solidFill>
+                <a:highlight>
+                  <a:srgbClr val="CCCCCC"/>
+                </a:highlight>
+                <a:latin typeface="Consolas"/>
+                <a:ea typeface="Consolas"/>
+                <a:cs typeface="Consolas"/>
+                <a:sym typeface="Consolas"/>
+              </a:rPr>
+              <a:t>module avail R/4.1.1</a:t>
+            </a:r>
+            <a:endParaRPr sz="1800" dirty="0">
+              <a:solidFill>
+                <a:schemeClr val="dk1"/>
+              </a:solidFill>
+              <a:highlight>
+                <a:srgbClr val="CCCCCC"/>
+              </a:highlight>
+              <a:latin typeface="Consolas"/>
+              <a:ea typeface="Consolas"/>
+              <a:cs typeface="Consolas"/>
+              <a:sym typeface="Consolas"/>
+            </a:endParaRPr>
+          </a:p>
+          <a:p>
+            <a:pPr marL="457200" lvl="0" indent="0" algn="l" rtl="0">
+              <a:spcBef>
+                <a:spcPts val="0"/>
+              </a:spcBef>
+              <a:spcAft>
+                <a:spcPts val="0"/>
+              </a:spcAft>
+              <a:buClr>
+                <a:schemeClr val="dk1"/>
+              </a:buClr>
+              <a:buSzPts val="1100"/>
+              <a:buFont typeface="Arial"/>
+              <a:buNone/>
+            </a:pPr>
+            <a:r>
+              <a:rPr lang="en-US" sz="1800" dirty="0">
+                <a:solidFill>
+                  <a:schemeClr val="dk1"/>
+                </a:solidFill>
+                <a:highlight>
+                  <a:srgbClr val="C0C0C0"/>
+                </a:highlight>
+                <a:latin typeface="Consolas"/>
+                <a:ea typeface="Consolas"/>
+                <a:cs typeface="Consolas"/>
+                <a:sym typeface="Consolas"/>
+              </a:rPr>
+              <a:t>module load </a:t>
+            </a:r>
+            <a:r>
+              <a:rPr lang="en-US" sz="1800" dirty="0" err="1">
+                <a:solidFill>
+                  <a:schemeClr val="dk1"/>
+                </a:solidFill>
+                <a:highlight>
+                  <a:srgbClr val="C0C0C0"/>
+                </a:highlight>
+                <a:latin typeface="Consolas"/>
+                <a:ea typeface="Consolas"/>
+                <a:cs typeface="Consolas"/>
+                <a:sym typeface="Consolas"/>
+              </a:rPr>
+              <a:t>stata</a:t>
+            </a:r>
+            <a:r>
+              <a:rPr lang="en-US" sz="1800" dirty="0">
+                <a:solidFill>
+                  <a:schemeClr val="dk1"/>
+                </a:solidFill>
+                <a:highlight>
+                  <a:srgbClr val="C0C0C0"/>
+                </a:highlight>
+                <a:latin typeface="Consolas"/>
+                <a:ea typeface="Consolas"/>
+                <a:cs typeface="Consolas"/>
+                <a:sym typeface="Consolas"/>
+              </a:rPr>
+              <a:t>/17</a:t>
+            </a:r>
+          </a:p>
+          <a:p>
+            <a:pPr marL="457200" lvl="0">
+              <a:buClr>
+                <a:schemeClr val="dk1"/>
+              </a:buClr>
+              <a:buSzPts val="1100"/>
+            </a:pPr>
+            <a:r>
+              <a:rPr lang="en-US" sz="1800" dirty="0">
+                <a:solidFill>
+                  <a:schemeClr val="dk1"/>
+                </a:solidFill>
+                <a:highlight>
+                  <a:srgbClr val="C0C0C0"/>
+                </a:highlight>
+                <a:latin typeface="Consolas"/>
+                <a:ea typeface="Consolas"/>
+                <a:cs typeface="Consolas"/>
+                <a:sym typeface="Consolas"/>
+              </a:rPr>
+              <a:t>python-miniconda3/4.12.0</a:t>
+            </a:r>
+          </a:p>
+          <a:p>
+            <a:pPr marL="457200" lvl="0" indent="0" algn="l" rtl="0">
+              <a:spcBef>
+                <a:spcPts val="0"/>
+              </a:spcBef>
+              <a:spcAft>
+                <a:spcPts val="0"/>
+              </a:spcAft>
+              <a:buClr>
+                <a:schemeClr val="dk1"/>
+              </a:buClr>
+              <a:buSzPts val="1100"/>
+              <a:buFont typeface="Arial"/>
+              <a:buNone/>
+            </a:pPr>
+            <a:endParaRPr sz="1000" dirty="0">
+              <a:solidFill>
+                <a:schemeClr val="dk1"/>
+              </a:solidFill>
+              <a:highlight>
+                <a:srgbClr val="CCCCCC"/>
+              </a:highlight>
+              <a:latin typeface="Roboto Medium"/>
+              <a:ea typeface="Roboto Medium"/>
+              <a:cs typeface="Roboto Medium"/>
+              <a:sym typeface="Roboto Medium"/>
+            </a:endParaRPr>
+          </a:p>
+          <a:p>
+            <a:pPr marL="0" lvl="0" indent="0" algn="l" rtl="0">
+              <a:spcBef>
+                <a:spcPts val="0"/>
+              </a:spcBef>
+              <a:spcAft>
+                <a:spcPts val="0"/>
+              </a:spcAft>
+              <a:buClr>
+                <a:schemeClr val="dk1"/>
+              </a:buClr>
+              <a:buSzPts val="1100"/>
+              <a:buFont typeface="Arial"/>
+              <a:buNone/>
+            </a:pPr>
+            <a:r>
+              <a:rPr lang="en-US" sz="1700" dirty="0">
+                <a:solidFill>
+                  <a:schemeClr val="dk1"/>
+                </a:solidFill>
+              </a:rPr>
+              <a:t>To launch a GUI:</a:t>
+            </a:r>
+            <a:endParaRPr sz="1700" dirty="0">
+              <a:solidFill>
+                <a:schemeClr val="dk1"/>
+              </a:solidFill>
+            </a:endParaRPr>
+          </a:p>
+          <a:p>
+            <a:pPr marL="0" lvl="0" indent="0" algn="l" rtl="0">
+              <a:spcBef>
+                <a:spcPts val="0"/>
+              </a:spcBef>
+              <a:spcAft>
+                <a:spcPts val="0"/>
+              </a:spcAft>
+              <a:buClr>
+                <a:schemeClr val="dk1"/>
+              </a:buClr>
+              <a:buSzPts val="1100"/>
+              <a:buFont typeface="Arial"/>
+              <a:buNone/>
+            </a:pPr>
+            <a:endParaRPr sz="1000" dirty="0">
+              <a:solidFill>
+                <a:schemeClr val="dk1"/>
+              </a:solidFill>
+            </a:endParaRPr>
+          </a:p>
+          <a:p>
+            <a:pPr marL="457200" lvl="0" indent="0" algn="l" rtl="0">
+              <a:spcBef>
+                <a:spcPts val="0"/>
+              </a:spcBef>
+              <a:spcAft>
+                <a:spcPts val="0"/>
+              </a:spcAft>
+              <a:buClr>
+                <a:schemeClr val="dk1"/>
+              </a:buClr>
+              <a:buSzPts val="1100"/>
+              <a:buFont typeface="Arial"/>
+              <a:buNone/>
+            </a:pPr>
+            <a:r>
+              <a:rPr lang="en-US" sz="1800" dirty="0" err="1">
+                <a:solidFill>
+                  <a:schemeClr val="dk1"/>
+                </a:solidFill>
+                <a:highlight>
+                  <a:srgbClr val="CCCCCC"/>
+                </a:highlight>
+                <a:latin typeface="Consolas"/>
+                <a:ea typeface="Consolas"/>
+                <a:cs typeface="Consolas"/>
+                <a:sym typeface="Consolas"/>
+              </a:rPr>
+              <a:t>rstudio</a:t>
+            </a:r>
+            <a:endParaRPr sz="1800" dirty="0">
+              <a:solidFill>
+                <a:schemeClr val="dk1"/>
+              </a:solidFill>
+              <a:highlight>
+                <a:srgbClr val="CCCCCC"/>
+              </a:highlight>
+              <a:latin typeface="Consolas"/>
+              <a:ea typeface="Consolas"/>
+              <a:cs typeface="Consolas"/>
+              <a:sym typeface="Consolas"/>
+            </a:endParaRPr>
+          </a:p>
+          <a:p>
+            <a:pPr marL="457200" lvl="0" indent="0" algn="l" rtl="0">
+              <a:spcBef>
+                <a:spcPts val="0"/>
+              </a:spcBef>
+              <a:spcAft>
+                <a:spcPts val="0"/>
+              </a:spcAft>
+              <a:buClr>
+                <a:schemeClr val="dk1"/>
+              </a:buClr>
+              <a:buSzPts val="1100"/>
+              <a:buFont typeface="Arial"/>
+              <a:buNone/>
+            </a:pPr>
+            <a:r>
+              <a:rPr lang="en-US" sz="1800" dirty="0" err="1">
+                <a:solidFill>
+                  <a:schemeClr val="dk1"/>
+                </a:solidFill>
+                <a:highlight>
+                  <a:srgbClr val="CCCCCC"/>
+                </a:highlight>
+                <a:latin typeface="Consolas"/>
+                <a:ea typeface="Consolas"/>
+                <a:cs typeface="Consolas"/>
+                <a:sym typeface="Consolas"/>
+              </a:rPr>
+              <a:t>xstata-mp</a:t>
+            </a:r>
+            <a:endParaRPr lang="en-US" sz="1800" dirty="0">
+              <a:solidFill>
+                <a:schemeClr val="dk1"/>
+              </a:solidFill>
+              <a:highlight>
+                <a:srgbClr val="CCCCCC"/>
+              </a:highlight>
+              <a:latin typeface="Consolas"/>
+              <a:ea typeface="Consolas"/>
+              <a:cs typeface="Consolas"/>
+              <a:sym typeface="Consolas"/>
+            </a:endParaRPr>
+          </a:p>
+          <a:p>
+            <a:pPr marL="457200" lvl="0" indent="0" algn="l" rtl="0">
+              <a:spcBef>
+                <a:spcPts val="0"/>
+              </a:spcBef>
+              <a:spcAft>
+                <a:spcPts val="0"/>
+              </a:spcAft>
+              <a:buClr>
+                <a:schemeClr val="dk1"/>
+              </a:buClr>
+              <a:buSzPts val="1100"/>
+              <a:buFont typeface="Arial"/>
+              <a:buNone/>
+            </a:pPr>
+            <a:r>
+              <a:rPr lang="en-US" sz="1800" dirty="0" err="1">
+                <a:solidFill>
+                  <a:schemeClr val="dk1"/>
+                </a:solidFill>
+                <a:highlight>
+                  <a:srgbClr val="CCCCCC"/>
+                </a:highlight>
+                <a:latin typeface="Consolas"/>
+                <a:ea typeface="Consolas"/>
+                <a:cs typeface="Consolas"/>
+                <a:sym typeface="Consolas"/>
+              </a:rPr>
+              <a:t>spyder</a:t>
+            </a:r>
+            <a:endParaRPr sz="1700" dirty="0">
+              <a:highlight>
+                <a:srgbClr val="CCCCCC"/>
+              </a:highlight>
+              <a:latin typeface="Consolas"/>
+              <a:ea typeface="Consolas"/>
+              <a:cs typeface="Consolas"/>
+              <a:sym typeface="Consolas"/>
+            </a:endParaRPr>
+          </a:p>
+        </p:txBody>
+      </p:sp>
+      <p:sp>
+        <p:nvSpPr>
+          <p:cNvPr id="3" name="Footer Placeholder 1">
+            <a:extLst>
+              <a:ext uri="{FF2B5EF4-FFF2-40B4-BE49-F238E27FC236}">
+                <a16:creationId xmlns:a16="http://schemas.microsoft.com/office/drawing/2014/main" id="{6A57CBA6-EA93-3943-6265-79A3C99876D9}"/>
+              </a:ext>
+            </a:extLst>
+          </p:cNvPr>
+          <p:cNvSpPr>
+            <a:spLocks noGrp="1"/>
+          </p:cNvSpPr>
+          <p:nvPr>
+            <p:ph type="ftr" idx="11"/>
+          </p:nvPr>
+        </p:nvSpPr>
+        <p:spPr>
+          <a:xfrm>
+            <a:off x="4572000" y="6506896"/>
+            <a:ext cx="4114800" cy="365125"/>
+          </a:xfrm>
+        </p:spPr>
+        <p:txBody>
+          <a:bodyPr/>
+          <a:lstStyle/>
+          <a:p>
+            <a:r>
+              <a:rPr lang="en-US" dirty="0"/>
+              <a:t>Automation</a:t>
+            </a:r>
+          </a:p>
+        </p:txBody>
+      </p:sp>
+    </p:spTree>
+  </p:cSld>
+  <p:clrMapOvr>
+    <a:masterClrMapping/>
+  </p:clrMapOvr>
+</p:sld>
+</file>
+
+<file path=ppt/slides/slide12.xml><?xml version="1.0" encoding="utf-8"?>
+<p:sld xmlns:a="http://schemas.openxmlformats.org/drawingml/2006/main" xmlns:r="http://schemas.openxmlformats.org/officeDocument/2006/relationships" xmlns:p="http://schemas.openxmlformats.org/presentationml/2006/main">
+  <p:cSld>
+    <p:spTree>
+      <p:nvGrpSpPr>
         <p:cNvPr id="1" name=""/>
         <p:cNvGrpSpPr/>
         <p:nvPr/>
@@ -11703,7 +13086,7 @@
             </a:pPr>
             <a:fld id="{00000000-1234-1234-1234-123412341234}" type="slidenum">
               <a:rPr lang="en-US"/>
-              <a:t>11</a:t>
+              <a:t>12</a:t>
             </a:fld>
             <a:endParaRPr lang="en-US"/>
           </a:p>
@@ -11755,7 +13138,7 @@
 </p:sld>
 </file>
 
-<file path=ppt/slides/slide12.xml><?xml version="1.0" encoding="utf-8"?>
+<file path=ppt/slides/slide13.xml><?xml version="1.0" encoding="utf-8"?>
 <p:sld xmlns:a="http://schemas.openxmlformats.org/drawingml/2006/main" xmlns:r="http://schemas.openxmlformats.org/officeDocument/2006/relationships" xmlns:p="http://schemas.openxmlformats.org/presentationml/2006/main">
   <p:cSld>
     <p:spTree>
@@ -11874,7 +13257,7 @@
             </a:pPr>
             <a:fld id="{00000000-1234-1234-1234-123412341234}" type="slidenum">
               <a:rPr lang="en-US"/>
-              <a:t>12</a:t>
+              <a:t>13</a:t>
             </a:fld>
             <a:endParaRPr/>
           </a:p>
@@ -12296,7 +13679,217 @@
 </p:sld>
 </file>
 
-<file path=ppt/slides/slide13.xml><?xml version="1.0" encoding="utf-8"?>
+<file path=ppt/slides/slide14.xml><?xml version="1.0" encoding="utf-8"?>
+<p:sld xmlns:a="http://schemas.openxmlformats.org/drawingml/2006/main" xmlns:r="http://schemas.openxmlformats.org/officeDocument/2006/relationships" xmlns:p="http://schemas.openxmlformats.org/presentationml/2006/main">
+  <p:cSld>
+    <p:spTree>
+      <p:nvGrpSpPr>
+        <p:cNvPr id="1" name="Shape 101"/>
+        <p:cNvGrpSpPr/>
+        <p:nvPr/>
+      </p:nvGrpSpPr>
+      <p:grpSpPr>
+        <a:xfrm>
+          <a:off x="0" y="0"/>
+          <a:ext cx="0" cy="0"/>
+          <a:chOff x="0" y="0"/>
+          <a:chExt cx="0" cy="0"/>
+        </a:xfrm>
+      </p:grpSpPr>
+      <p:sp>
+        <p:nvSpPr>
+          <p:cNvPr id="102" name="Google Shape;102;ge6d407e7a1_0_0"/>
+          <p:cNvSpPr txBox="1">
+            <a:spLocks noGrp="1"/>
+          </p:cNvSpPr>
+          <p:nvPr>
+            <p:ph type="title"/>
+          </p:nvPr>
+        </p:nvSpPr>
+        <p:spPr>
+          <a:xfrm>
+            <a:off x="457200" y="0"/>
+            <a:ext cx="8645700" cy="1143000"/>
+          </a:xfrm>
+          <a:prstGeom prst="rect">
+            <a:avLst/>
+          </a:prstGeom>
+          <a:noFill/>
+          <a:ln>
+            <a:noFill/>
+          </a:ln>
+        </p:spPr>
+        <p:txBody>
+          <a:bodyPr spcFirstLastPara="1" wrap="square" lIns="91425" tIns="45700" rIns="91425" bIns="45700" anchor="ctr" anchorCtr="0">
+            <a:noAutofit/>
+          </a:bodyPr>
+          <a:lstStyle/>
+          <a:p>
+            <a:pPr marL="0" lvl="0" indent="0" algn="l" rtl="0">
+              <a:lnSpc>
+                <a:spcPct val="100000"/>
+              </a:lnSpc>
+              <a:spcBef>
+                <a:spcPts val="0"/>
+              </a:spcBef>
+              <a:spcAft>
+                <a:spcPts val="0"/>
+              </a:spcAft>
+              <a:buSzPts val="3200"/>
+              <a:buNone/>
+            </a:pPr>
+            <a:r>
+              <a:rPr lang="en-US" dirty="0"/>
+              <a:t>Exercise 1 – Automate Papers with Bash</a:t>
+            </a:r>
+            <a:endParaRPr dirty="0"/>
+          </a:p>
+        </p:txBody>
+      </p:sp>
+      <p:sp>
+        <p:nvSpPr>
+          <p:cNvPr id="104" name="Google Shape;104;ge6d407e7a1_0_0"/>
+          <p:cNvSpPr txBox="1">
+            <a:spLocks noGrp="1"/>
+          </p:cNvSpPr>
+          <p:nvPr>
+            <p:ph type="sldNum" idx="12"/>
+          </p:nvPr>
+        </p:nvSpPr>
+        <p:spPr>
+          <a:xfrm>
+            <a:off x="8686800" y="6506896"/>
+            <a:ext cx="416100" cy="365100"/>
+          </a:xfrm>
+          <a:prstGeom prst="rect">
+            <a:avLst/>
+          </a:prstGeom>
+          <a:noFill/>
+          <a:ln>
+            <a:noFill/>
+          </a:ln>
+        </p:spPr>
+        <p:txBody>
+          <a:bodyPr spcFirstLastPara="1" wrap="square" lIns="91425" tIns="45700" rIns="91425" bIns="45700" anchor="ctr" anchorCtr="0">
+            <a:noAutofit/>
+          </a:bodyPr>
+          <a:lstStyle/>
+          <a:p>
+            <a:pPr marL="0" lvl="0" indent="0" algn="r" rtl="0">
+              <a:lnSpc>
+                <a:spcPct val="100000"/>
+              </a:lnSpc>
+              <a:spcBef>
+                <a:spcPts val="0"/>
+              </a:spcBef>
+              <a:spcAft>
+                <a:spcPts val="0"/>
+              </a:spcAft>
+              <a:buSzPts val="1000"/>
+              <a:buNone/>
+            </a:pPr>
+            <a:fld id="{00000000-1234-1234-1234-123412341234}" type="slidenum">
+              <a:rPr lang="en-US"/>
+              <a:t>14</a:t>
+            </a:fld>
+            <a:endParaRPr/>
+          </a:p>
+        </p:txBody>
+      </p:sp>
+      <p:sp>
+        <p:nvSpPr>
+          <p:cNvPr id="105" name="Google Shape;105;ge6d407e7a1_0_0"/>
+          <p:cNvSpPr txBox="1"/>
+          <p:nvPr/>
+        </p:nvSpPr>
+        <p:spPr>
+          <a:xfrm>
+            <a:off x="651554" y="1951687"/>
+            <a:ext cx="7340400" cy="2954625"/>
+          </a:xfrm>
+          <a:prstGeom prst="rect">
+            <a:avLst/>
+          </a:prstGeom>
+          <a:noFill/>
+          <a:ln>
+            <a:noFill/>
+          </a:ln>
+        </p:spPr>
+        <p:txBody>
+          <a:bodyPr spcFirstLastPara="1" wrap="square" lIns="91425" tIns="91425" rIns="91425" bIns="91425" anchor="t" anchorCtr="0">
+            <a:spAutoFit/>
+          </a:bodyPr>
+          <a:lstStyle/>
+          <a:p>
+            <a:pPr marL="0" lvl="0" indent="0" algn="l" rtl="0">
+              <a:spcBef>
+                <a:spcPts val="0"/>
+              </a:spcBef>
+              <a:spcAft>
+                <a:spcPts val="0"/>
+              </a:spcAft>
+              <a:buClr>
+                <a:schemeClr val="dk1"/>
+              </a:buClr>
+              <a:buSzPts val="1100"/>
+              <a:buFont typeface="Arial"/>
+              <a:buNone/>
+            </a:pPr>
+            <a:r>
+              <a:rPr lang="en-US" sz="3000" i="1" dirty="0"/>
+              <a:t>Now that we know how to output results tables and graphs from code and pipe those results into a LaTeX document to compile on KLC, please write a shell script to automate the process for Python, R or Stata results.</a:t>
+            </a:r>
+            <a:endParaRPr sz="3000" i="1" dirty="0"/>
+          </a:p>
+        </p:txBody>
+      </p:sp>
+      <p:sp>
+        <p:nvSpPr>
+          <p:cNvPr id="2" name="Footer Placeholder 1">
+            <a:extLst>
+              <a:ext uri="{FF2B5EF4-FFF2-40B4-BE49-F238E27FC236}">
+                <a16:creationId xmlns:a16="http://schemas.microsoft.com/office/drawing/2014/main" id="{E24BFF5A-AA91-D195-F16D-4165DFCA3711}"/>
+              </a:ext>
+            </a:extLst>
+          </p:cNvPr>
+          <p:cNvSpPr>
+            <a:spLocks noGrp="1"/>
+          </p:cNvSpPr>
+          <p:nvPr>
+            <p:ph type="ftr" idx="11"/>
+          </p:nvPr>
+        </p:nvSpPr>
+        <p:spPr>
+          <a:xfrm>
+            <a:off x="4572000" y="6506896"/>
+            <a:ext cx="4114800" cy="365125"/>
+          </a:xfrm>
+        </p:spPr>
+        <p:txBody>
+          <a:bodyPr/>
+          <a:lstStyle/>
+          <a:p>
+            <a:r>
+              <a:rPr lang="en-US" dirty="0"/>
+              <a:t>Automating Results</a:t>
+            </a:r>
+          </a:p>
+        </p:txBody>
+      </p:sp>
+    </p:spTree>
+    <p:extLst>
+      <p:ext uri="{BB962C8B-B14F-4D97-AF65-F5344CB8AC3E}">
+        <p14:creationId xmlns:p14="http://schemas.microsoft.com/office/powerpoint/2010/main" val="1442504839"/>
+      </p:ext>
+    </p:extLst>
+  </p:cSld>
+  <p:clrMapOvr>
+    <a:masterClrMapping/>
+  </p:clrMapOvr>
+</p:sld>
+</file>
+
+<file path=ppt/slides/slide15.xml><?xml version="1.0" encoding="utf-8"?>
 <p:sld xmlns:a="http://schemas.openxmlformats.org/drawingml/2006/main" xmlns:r="http://schemas.openxmlformats.org/officeDocument/2006/relationships" xmlns:p="http://schemas.openxmlformats.org/presentationml/2006/main">
   <p:cSld>
     <p:spTree>
@@ -12390,7 +13983,7 @@
             </a:pPr>
             <a:fld id="{00000000-1234-1234-1234-123412341234}" type="slidenum">
               <a:rPr lang="en-US"/>
-              <a:t>13</a:t>
+              <a:t>15</a:t>
             </a:fld>
             <a:endParaRPr lang="en-US"/>
           </a:p>
@@ -12433,1531 +14026,6 @@
     <p:extLst>
       <p:ext uri="{BB962C8B-B14F-4D97-AF65-F5344CB8AC3E}">
         <p14:creationId xmlns:p14="http://schemas.microsoft.com/office/powerpoint/2010/main" val="3221451020"/>
-      </p:ext>
-    </p:extLst>
-  </p:cSld>
-  <p:clrMapOvr>
-    <a:masterClrMapping/>
-  </p:clrMapOvr>
-</p:sld>
-</file>
-
-<file path=ppt/slides/slide14.xml><?xml version="1.0" encoding="utf-8"?>
-<p:sld xmlns:a="http://schemas.openxmlformats.org/drawingml/2006/main" xmlns:r="http://schemas.openxmlformats.org/officeDocument/2006/relationships" xmlns:p="http://schemas.openxmlformats.org/presentationml/2006/main">
-  <p:cSld>
-    <p:spTree>
-      <p:nvGrpSpPr>
-        <p:cNvPr id="1" name="Shape 56"/>
-        <p:cNvGrpSpPr/>
-        <p:nvPr/>
-      </p:nvGrpSpPr>
-      <p:grpSpPr>
-        <a:xfrm>
-          <a:off x="0" y="0"/>
-          <a:ext cx="0" cy="0"/>
-          <a:chOff x="0" y="0"/>
-          <a:chExt cx="0" cy="0"/>
-        </a:xfrm>
-      </p:grpSpPr>
-      <p:sp>
-        <p:nvSpPr>
-          <p:cNvPr id="57" name="Google Shape;57;p9"/>
-          <p:cNvSpPr txBox="1">
-            <a:spLocks noGrp="1"/>
-          </p:cNvSpPr>
-          <p:nvPr>
-            <p:ph type="title"/>
-          </p:nvPr>
-        </p:nvSpPr>
-        <p:spPr>
-          <a:xfrm>
-            <a:off x="457200" y="0"/>
-            <a:ext cx="8229600" cy="1143000"/>
-          </a:xfrm>
-          <a:prstGeom prst="rect">
-            <a:avLst/>
-          </a:prstGeom>
-          <a:noFill/>
-          <a:ln>
-            <a:noFill/>
-          </a:ln>
-        </p:spPr>
-        <p:txBody>
-          <a:bodyPr spcFirstLastPara="1" wrap="square" lIns="91425" tIns="45700" rIns="91425" bIns="45700" anchor="ctr" anchorCtr="0">
-            <a:noAutofit/>
-          </a:bodyPr>
-          <a:lstStyle/>
-          <a:p>
-            <a:pPr marL="0" lvl="0" indent="0" algn="l" rtl="0">
-              <a:lnSpc>
-                <a:spcPct val="100000"/>
-              </a:lnSpc>
-              <a:spcBef>
-                <a:spcPts val="0"/>
-              </a:spcBef>
-              <a:spcAft>
-                <a:spcPts val="0"/>
-              </a:spcAft>
-              <a:buClr>
-                <a:srgbClr val="3D146F"/>
-              </a:buClr>
-              <a:buSzPts val="3200"/>
-              <a:buFont typeface="Arial"/>
-              <a:buNone/>
-            </a:pPr>
-            <a:r>
-              <a:rPr lang="en-US" dirty="0" err="1"/>
-              <a:t>Juypter</a:t>
-            </a:r>
-            <a:r>
-              <a:rPr lang="en-US" dirty="0"/>
-              <a:t> Notebooks in Python</a:t>
-            </a:r>
-            <a:endParaRPr dirty="0"/>
-          </a:p>
-        </p:txBody>
-      </p:sp>
-      <p:sp>
-        <p:nvSpPr>
-          <p:cNvPr id="59" name="Google Shape;59;p9"/>
-          <p:cNvSpPr txBox="1">
-            <a:spLocks noGrp="1"/>
-          </p:cNvSpPr>
-          <p:nvPr>
-            <p:ph type="sldNum" idx="12"/>
-          </p:nvPr>
-        </p:nvSpPr>
-        <p:spPr>
-          <a:xfrm>
-            <a:off x="8686800" y="6506896"/>
-            <a:ext cx="416244" cy="365125"/>
-          </a:xfrm>
-          <a:prstGeom prst="rect">
-            <a:avLst/>
-          </a:prstGeom>
-          <a:noFill/>
-          <a:ln>
-            <a:noFill/>
-          </a:ln>
-        </p:spPr>
-        <p:txBody>
-          <a:bodyPr spcFirstLastPara="1" wrap="square" lIns="91425" tIns="45700" rIns="91425" bIns="45700" anchor="ctr" anchorCtr="0">
-            <a:noAutofit/>
-          </a:bodyPr>
-          <a:lstStyle/>
-          <a:p>
-            <a:pPr marL="0" lvl="0" indent="0" algn="r" rtl="0">
-              <a:lnSpc>
-                <a:spcPct val="100000"/>
-              </a:lnSpc>
-              <a:spcBef>
-                <a:spcPts val="0"/>
-              </a:spcBef>
-              <a:spcAft>
-                <a:spcPts val="0"/>
-              </a:spcAft>
-              <a:buSzPts val="1000"/>
-              <a:buNone/>
-            </a:pPr>
-            <a:fld id="{00000000-1234-1234-1234-123412341234}" type="slidenum">
-              <a:rPr lang="en-US"/>
-              <a:t>14</a:t>
-            </a:fld>
-            <a:endParaRPr/>
-          </a:p>
-        </p:txBody>
-      </p:sp>
-      <p:sp>
-        <p:nvSpPr>
-          <p:cNvPr id="6" name="Google Shape;60;p9"/>
-          <p:cNvSpPr txBox="1"/>
-          <p:nvPr/>
-        </p:nvSpPr>
-        <p:spPr>
-          <a:xfrm>
-            <a:off x="457200" y="1231900"/>
-            <a:ext cx="8541000" cy="4599600"/>
-          </a:xfrm>
-          <a:prstGeom prst="rect">
-            <a:avLst/>
-          </a:prstGeom>
-          <a:noFill/>
-          <a:ln>
-            <a:noFill/>
-          </a:ln>
-        </p:spPr>
-        <p:txBody>
-          <a:bodyPr spcFirstLastPara="1" wrap="square" lIns="91425" tIns="45700" rIns="91425" bIns="45700" anchor="t" anchorCtr="0">
-            <a:noAutofit/>
-          </a:bodyPr>
-          <a:lstStyle/>
-          <a:p>
-            <a:pPr marL="742950" marR="0" lvl="1" indent="-171450" algn="l" rtl="0">
-              <a:lnSpc>
-                <a:spcPct val="100000"/>
-              </a:lnSpc>
-              <a:spcBef>
-                <a:spcPts val="0"/>
-              </a:spcBef>
-              <a:spcAft>
-                <a:spcPts val="0"/>
-              </a:spcAft>
-              <a:buClr>
-                <a:schemeClr val="dk1"/>
-              </a:buClr>
-              <a:buSzPts val="1800"/>
-              <a:buFont typeface="Courier New"/>
-              <a:buNone/>
-            </a:pPr>
-            <a:endParaRPr sz="1800" b="0" i="0" u="none" strike="noStrike" cap="none" dirty="0">
-              <a:solidFill>
-                <a:schemeClr val="dk1"/>
-              </a:solidFill>
-              <a:latin typeface="Arial"/>
-              <a:ea typeface="Arial"/>
-              <a:cs typeface="Arial"/>
-              <a:sym typeface="Arial"/>
-            </a:endParaRPr>
-          </a:p>
-          <a:p>
-            <a:pPr marL="457200" marR="0" lvl="1" indent="0" algn="l" rtl="0">
-              <a:lnSpc>
-                <a:spcPct val="100000"/>
-              </a:lnSpc>
-              <a:spcBef>
-                <a:spcPts val="0"/>
-              </a:spcBef>
-              <a:spcAft>
-                <a:spcPts val="0"/>
-              </a:spcAft>
-              <a:buClr>
-                <a:srgbClr val="000000"/>
-              </a:buClr>
-              <a:buSzPts val="1800"/>
-              <a:buFont typeface="Arial"/>
-              <a:buNone/>
-            </a:pPr>
-            <a:endParaRPr sz="1800" b="0" i="0" u="none" strike="noStrike" cap="none" dirty="0">
-              <a:solidFill>
-                <a:schemeClr val="dk1"/>
-              </a:solidFill>
-              <a:latin typeface="Arial"/>
-              <a:ea typeface="Arial"/>
-              <a:cs typeface="Arial"/>
-              <a:sym typeface="Arial"/>
-            </a:endParaRPr>
-          </a:p>
-          <a:p>
-            <a:pPr marL="0" marR="0" lvl="0" indent="0" algn="l" rtl="0">
-              <a:lnSpc>
-                <a:spcPct val="100000"/>
-              </a:lnSpc>
-              <a:spcBef>
-                <a:spcPts val="0"/>
-              </a:spcBef>
-              <a:spcAft>
-                <a:spcPts val="0"/>
-              </a:spcAft>
-              <a:buClr>
-                <a:srgbClr val="000000"/>
-              </a:buClr>
-              <a:buSzPts val="1800"/>
-              <a:buFont typeface="Arial"/>
-              <a:buNone/>
-            </a:pPr>
-            <a:endParaRPr sz="1800" b="0" i="0" u="none" strike="noStrike" cap="none" dirty="0">
-              <a:solidFill>
-                <a:schemeClr val="dk1"/>
-              </a:solidFill>
-              <a:latin typeface="Arial"/>
-              <a:ea typeface="Arial"/>
-              <a:cs typeface="Arial"/>
-              <a:sym typeface="Arial"/>
-            </a:endParaRPr>
-          </a:p>
-          <a:p>
-            <a:pPr marL="0" marR="0" lvl="0" indent="0" algn="l" rtl="0">
-              <a:lnSpc>
-                <a:spcPct val="100000"/>
-              </a:lnSpc>
-              <a:spcBef>
-                <a:spcPts val="0"/>
-              </a:spcBef>
-              <a:spcAft>
-                <a:spcPts val="0"/>
-              </a:spcAft>
-              <a:buClr>
-                <a:srgbClr val="000000"/>
-              </a:buClr>
-              <a:buSzPts val="1800"/>
-              <a:buFont typeface="Arial"/>
-              <a:buNone/>
-            </a:pPr>
-            <a:endParaRPr sz="1800" b="0" i="0" u="none" strike="noStrike" cap="none" dirty="0">
-              <a:solidFill>
-                <a:schemeClr val="dk1"/>
-              </a:solidFill>
-              <a:latin typeface="Arial"/>
-              <a:ea typeface="Arial"/>
-              <a:cs typeface="Arial"/>
-              <a:sym typeface="Arial"/>
-            </a:endParaRPr>
-          </a:p>
-          <a:p>
-            <a:pPr marL="0" marR="0" lvl="0" indent="0" algn="l" rtl="0">
-              <a:lnSpc>
-                <a:spcPct val="100000"/>
-              </a:lnSpc>
-              <a:spcBef>
-                <a:spcPts val="0"/>
-              </a:spcBef>
-              <a:spcAft>
-                <a:spcPts val="0"/>
-              </a:spcAft>
-              <a:buClr>
-                <a:srgbClr val="000000"/>
-              </a:buClr>
-              <a:buSzPts val="1800"/>
-              <a:buFont typeface="Arial"/>
-              <a:buNone/>
-            </a:pPr>
-            <a:endParaRPr sz="1800" b="0" i="0" u="none" strike="noStrike" cap="none" dirty="0">
-              <a:solidFill>
-                <a:schemeClr val="dk1"/>
-              </a:solidFill>
-              <a:latin typeface="Arial"/>
-              <a:ea typeface="Arial"/>
-              <a:cs typeface="Arial"/>
-              <a:sym typeface="Arial"/>
-            </a:endParaRPr>
-          </a:p>
-          <a:p>
-            <a:pPr marL="0" marR="0" lvl="0" indent="0" algn="l" rtl="0">
-              <a:lnSpc>
-                <a:spcPct val="100000"/>
-              </a:lnSpc>
-              <a:spcBef>
-                <a:spcPts val="0"/>
-              </a:spcBef>
-              <a:spcAft>
-                <a:spcPts val="0"/>
-              </a:spcAft>
-              <a:buClr>
-                <a:srgbClr val="000000"/>
-              </a:buClr>
-              <a:buSzPts val="1800"/>
-              <a:buFont typeface="Arial"/>
-              <a:buNone/>
-            </a:pPr>
-            <a:endParaRPr sz="1800" b="0" i="0" u="none" strike="noStrike" cap="none" dirty="0">
-              <a:solidFill>
-                <a:schemeClr val="dk1"/>
-              </a:solidFill>
-              <a:latin typeface="Arial"/>
-              <a:ea typeface="Arial"/>
-              <a:cs typeface="Arial"/>
-              <a:sym typeface="Arial"/>
-            </a:endParaRPr>
-          </a:p>
-          <a:p>
-            <a:pPr marL="0" marR="0" lvl="0" indent="0" algn="l" rtl="0">
-              <a:lnSpc>
-                <a:spcPct val="100000"/>
-              </a:lnSpc>
-              <a:spcBef>
-                <a:spcPts val="0"/>
-              </a:spcBef>
-              <a:spcAft>
-                <a:spcPts val="0"/>
-              </a:spcAft>
-              <a:buClr>
-                <a:srgbClr val="000000"/>
-              </a:buClr>
-              <a:buSzPts val="1800"/>
-              <a:buFont typeface="Arial"/>
-              <a:buNone/>
-            </a:pPr>
-            <a:endParaRPr sz="1800" b="0" i="0" u="none" strike="noStrike" cap="none" dirty="0">
-              <a:solidFill>
-                <a:schemeClr val="dk1"/>
-              </a:solidFill>
-              <a:latin typeface="Arial"/>
-              <a:ea typeface="Arial"/>
-              <a:cs typeface="Arial"/>
-              <a:sym typeface="Arial"/>
-            </a:endParaRPr>
-          </a:p>
-          <a:p>
-            <a:pPr marL="0" marR="0" lvl="0" indent="0" algn="l" rtl="0">
-              <a:lnSpc>
-                <a:spcPct val="100000"/>
-              </a:lnSpc>
-              <a:spcBef>
-                <a:spcPts val="0"/>
-              </a:spcBef>
-              <a:spcAft>
-                <a:spcPts val="0"/>
-              </a:spcAft>
-              <a:buClr>
-                <a:srgbClr val="000000"/>
-              </a:buClr>
-              <a:buSzPts val="1800"/>
-              <a:buFont typeface="Arial"/>
-              <a:buNone/>
-            </a:pPr>
-            <a:endParaRPr sz="1800" b="0" i="0" u="none" strike="noStrike" cap="none" dirty="0">
-              <a:solidFill>
-                <a:schemeClr val="dk1"/>
-              </a:solidFill>
-              <a:latin typeface="Arial"/>
-              <a:ea typeface="Arial"/>
-              <a:cs typeface="Arial"/>
-              <a:sym typeface="Arial"/>
-            </a:endParaRPr>
-          </a:p>
-          <a:p>
-            <a:pPr marL="0" marR="0" lvl="0" indent="0" algn="l" rtl="0">
-              <a:lnSpc>
-                <a:spcPct val="100000"/>
-              </a:lnSpc>
-              <a:spcBef>
-                <a:spcPts val="0"/>
-              </a:spcBef>
-              <a:spcAft>
-                <a:spcPts val="0"/>
-              </a:spcAft>
-              <a:buClr>
-                <a:srgbClr val="000000"/>
-              </a:buClr>
-              <a:buSzPts val="1800"/>
-              <a:buFont typeface="Arial"/>
-              <a:buNone/>
-            </a:pPr>
-            <a:endParaRPr sz="1800" b="0" i="0" u="none" strike="noStrike" cap="none" dirty="0">
-              <a:solidFill>
-                <a:schemeClr val="dk1"/>
-              </a:solidFill>
-              <a:latin typeface="Arial"/>
-              <a:ea typeface="Arial"/>
-              <a:cs typeface="Arial"/>
-              <a:sym typeface="Arial"/>
-            </a:endParaRPr>
-          </a:p>
-          <a:p>
-            <a:pPr marL="0" marR="0" lvl="0" indent="0" algn="l" rtl="0">
-              <a:lnSpc>
-                <a:spcPct val="100000"/>
-              </a:lnSpc>
-              <a:spcBef>
-                <a:spcPts val="0"/>
-              </a:spcBef>
-              <a:spcAft>
-                <a:spcPts val="0"/>
-              </a:spcAft>
-              <a:buClr>
-                <a:srgbClr val="000000"/>
-              </a:buClr>
-              <a:buSzPts val="1800"/>
-              <a:buFont typeface="Arial"/>
-              <a:buNone/>
-            </a:pPr>
-            <a:endParaRPr sz="1800" b="0" i="0" u="none" strike="noStrike" cap="none" dirty="0">
-              <a:solidFill>
-                <a:schemeClr val="dk1"/>
-              </a:solidFill>
-              <a:latin typeface="Arial"/>
-              <a:ea typeface="Arial"/>
-              <a:cs typeface="Arial"/>
-              <a:sym typeface="Arial"/>
-            </a:endParaRPr>
-          </a:p>
-        </p:txBody>
-      </p:sp>
-      <p:sp>
-        <p:nvSpPr>
-          <p:cNvPr id="2" name="TextBox 1"/>
-          <p:cNvSpPr txBox="1"/>
-          <p:nvPr/>
-        </p:nvSpPr>
-        <p:spPr>
-          <a:xfrm>
-            <a:off x="300791" y="934106"/>
-            <a:ext cx="6718506" cy="4524315"/>
-          </a:xfrm>
-          <a:prstGeom prst="rect">
-            <a:avLst/>
-          </a:prstGeom>
-          <a:noFill/>
-        </p:spPr>
-        <p:txBody>
-          <a:bodyPr wrap="none" rtlCol="0">
-            <a:spAutoFit/>
-          </a:bodyPr>
-          <a:lstStyle/>
-          <a:p>
-            <a:r>
-              <a:rPr lang="en-US" sz="2400" dirty="0"/>
-              <a:t>Open a GNOME Terminal Session in </a:t>
-            </a:r>
-            <a:r>
-              <a:rPr lang="en-US" sz="2400" dirty="0" err="1"/>
-              <a:t>FastX</a:t>
-            </a:r>
-            <a:r>
-              <a:rPr lang="en-US" sz="2400" dirty="0"/>
-              <a:t>.</a:t>
-            </a:r>
-          </a:p>
-          <a:p>
-            <a:endParaRPr lang="en-US" sz="800" dirty="0"/>
-          </a:p>
-          <a:p>
-            <a:r>
-              <a:rPr lang="en-US" sz="2400" dirty="0"/>
-              <a:t>     </a:t>
-            </a:r>
-            <a:r>
-              <a:rPr lang="en-US" sz="2200" dirty="0"/>
-              <a:t>To load packages, type: </a:t>
-            </a:r>
-          </a:p>
-          <a:p>
-            <a:endParaRPr lang="en-US" sz="2200" dirty="0"/>
-          </a:p>
-          <a:p>
-            <a:endParaRPr lang="en-US" sz="2200" dirty="0"/>
-          </a:p>
-          <a:p>
-            <a:endParaRPr lang="en-US" sz="1200" dirty="0"/>
-          </a:p>
-          <a:p>
-            <a:r>
-              <a:rPr lang="en-US" sz="2200" dirty="0"/>
-              <a:t>     To create and launch a </a:t>
-            </a:r>
-            <a:r>
-              <a:rPr lang="en-US" sz="2200" dirty="0" err="1"/>
-              <a:t>conda</a:t>
-            </a:r>
-            <a:r>
-              <a:rPr lang="en-US" sz="2200" dirty="0"/>
-              <a:t> environment, type:</a:t>
-            </a:r>
-          </a:p>
-          <a:p>
-            <a:endParaRPr lang="en-US" sz="2200" dirty="0"/>
-          </a:p>
-          <a:p>
-            <a:endParaRPr lang="en-US" sz="2200" dirty="0"/>
-          </a:p>
-          <a:p>
-            <a:endParaRPr lang="en-US" sz="2200" dirty="0"/>
-          </a:p>
-          <a:p>
-            <a:r>
-              <a:rPr lang="en-US" sz="2200" dirty="0"/>
-              <a:t>     To install libraries, type:</a:t>
-            </a:r>
-          </a:p>
-          <a:p>
-            <a:endParaRPr lang="en-US" sz="2200" dirty="0"/>
-          </a:p>
-          <a:p>
-            <a:endParaRPr lang="en-US" sz="2200" dirty="0"/>
-          </a:p>
-          <a:p>
-            <a:r>
-              <a:rPr lang="en-US" sz="2200" dirty="0"/>
-              <a:t>     To launch a </a:t>
-            </a:r>
-            <a:r>
-              <a:rPr lang="en-US" sz="2200" dirty="0" err="1"/>
-              <a:t>jupyter</a:t>
-            </a:r>
-            <a:r>
-              <a:rPr lang="en-US" sz="2200" dirty="0"/>
-              <a:t> notebook, type:    </a:t>
-            </a:r>
-          </a:p>
-        </p:txBody>
-      </p:sp>
-      <p:sp>
-        <p:nvSpPr>
-          <p:cNvPr id="9" name="Rounded Rectangle 8"/>
-          <p:cNvSpPr/>
-          <p:nvPr/>
-        </p:nvSpPr>
-        <p:spPr>
-          <a:xfrm>
-            <a:off x="1138140" y="1917130"/>
-            <a:ext cx="6778639" cy="736828"/>
-          </a:xfrm>
-          <a:prstGeom prst="roundRect">
-            <a:avLst/>
-          </a:prstGeom>
-          <a:solidFill>
-            <a:schemeClr val="bg1">
-              <a:lumMod val="75000"/>
-              <a:alpha val="30000"/>
-            </a:schemeClr>
-          </a:solidFill>
-          <a:ln>
-            <a:solidFill>
-              <a:schemeClr val="bg1">
-                <a:lumMod val="75000"/>
-              </a:schemeClr>
-            </a:solidFill>
-          </a:ln>
-        </p:spPr>
-        <p:style>
-          <a:lnRef idx="2">
-            <a:schemeClr val="accent1">
-              <a:shade val="50000"/>
-            </a:schemeClr>
-          </a:lnRef>
-          <a:fillRef idx="1">
-            <a:schemeClr val="accent1"/>
-          </a:fillRef>
-          <a:effectRef idx="0">
-            <a:schemeClr val="accent1"/>
-          </a:effectRef>
-          <a:fontRef idx="minor">
-            <a:schemeClr val="lt1"/>
-          </a:fontRef>
-        </p:style>
-        <p:txBody>
-          <a:bodyPr rtlCol="0" anchor="ctr"/>
-          <a:lstStyle/>
-          <a:p>
-            <a:r>
-              <a:rPr lang="en-US" sz="2400" dirty="0">
-                <a:solidFill>
-                  <a:schemeClr val="tx1"/>
-                </a:solidFill>
-                <a:latin typeface="Consolas" charset="0"/>
-                <a:ea typeface="Consolas" charset="0"/>
-                <a:cs typeface="Consolas" charset="0"/>
-              </a:rPr>
-              <a:t>module load python/anaconda3.6</a:t>
-            </a:r>
-          </a:p>
-          <a:p>
-            <a:r>
-              <a:rPr lang="en-US" sz="2400" dirty="0">
-                <a:solidFill>
-                  <a:schemeClr val="tx1"/>
-                </a:solidFill>
-                <a:latin typeface="Consolas" charset="0"/>
-                <a:ea typeface="Consolas" charset="0"/>
-                <a:cs typeface="Consolas" charset="0"/>
-              </a:rPr>
-              <a:t>module load chrome</a:t>
-            </a:r>
-          </a:p>
-        </p:txBody>
-      </p:sp>
-      <p:sp>
-        <p:nvSpPr>
-          <p:cNvPr id="10" name="Rounded Rectangle 9"/>
-          <p:cNvSpPr/>
-          <p:nvPr/>
-        </p:nvSpPr>
-        <p:spPr>
-          <a:xfrm>
-            <a:off x="1138140" y="3153282"/>
-            <a:ext cx="6778639" cy="762479"/>
-          </a:xfrm>
-          <a:prstGeom prst="roundRect">
-            <a:avLst/>
-          </a:prstGeom>
-          <a:solidFill>
-            <a:schemeClr val="bg1">
-              <a:lumMod val="75000"/>
-              <a:alpha val="30000"/>
-            </a:schemeClr>
-          </a:solidFill>
-          <a:ln>
-            <a:solidFill>
-              <a:schemeClr val="bg1">
-                <a:lumMod val="75000"/>
-              </a:schemeClr>
-            </a:solidFill>
-          </a:ln>
-        </p:spPr>
-        <p:style>
-          <a:lnRef idx="2">
-            <a:schemeClr val="accent1">
-              <a:shade val="50000"/>
-            </a:schemeClr>
-          </a:lnRef>
-          <a:fillRef idx="1">
-            <a:schemeClr val="accent1"/>
-          </a:fillRef>
-          <a:effectRef idx="0">
-            <a:schemeClr val="accent1"/>
-          </a:effectRef>
-          <a:fontRef idx="minor">
-            <a:schemeClr val="lt1"/>
-          </a:fontRef>
-        </p:style>
-        <p:txBody>
-          <a:bodyPr rtlCol="0" anchor="ctr"/>
-          <a:lstStyle/>
-          <a:p>
-            <a:r>
-              <a:rPr lang="en-US" sz="2400" dirty="0" err="1">
-                <a:solidFill>
-                  <a:schemeClr val="tx1"/>
-                </a:solidFill>
-                <a:latin typeface="Consolas" charset="0"/>
-                <a:ea typeface="Consolas" charset="0"/>
-                <a:cs typeface="Consolas" charset="0"/>
-              </a:rPr>
-              <a:t>conda</a:t>
-            </a:r>
-            <a:r>
-              <a:rPr lang="en-US" sz="2400" dirty="0">
-                <a:solidFill>
-                  <a:schemeClr val="tx1"/>
-                </a:solidFill>
-                <a:latin typeface="Consolas" charset="0"/>
-                <a:ea typeface="Consolas" charset="0"/>
-                <a:cs typeface="Consolas" charset="0"/>
-              </a:rPr>
-              <a:t> create -n </a:t>
-            </a:r>
-            <a:r>
-              <a:rPr lang="en-US" sz="2400" dirty="0" err="1">
-                <a:solidFill>
-                  <a:schemeClr val="tx1"/>
-                </a:solidFill>
-                <a:latin typeface="Consolas" charset="0"/>
-                <a:ea typeface="Consolas" charset="0"/>
-                <a:cs typeface="Consolas" charset="0"/>
-              </a:rPr>
-              <a:t>taxi_env</a:t>
-            </a:r>
-            <a:r>
-              <a:rPr lang="en-US" sz="2400" dirty="0">
-                <a:solidFill>
-                  <a:schemeClr val="tx1"/>
-                </a:solidFill>
-                <a:latin typeface="Consolas" charset="0"/>
-                <a:ea typeface="Consolas" charset="0"/>
-                <a:cs typeface="Consolas" charset="0"/>
-              </a:rPr>
-              <a:t> python=3.6</a:t>
-            </a:r>
-          </a:p>
-          <a:p>
-            <a:r>
-              <a:rPr lang="en-US" sz="2400" dirty="0">
-                <a:solidFill>
-                  <a:schemeClr val="tx1"/>
-                </a:solidFill>
-                <a:latin typeface="Consolas" charset="0"/>
-                <a:ea typeface="Consolas" charset="0"/>
-                <a:cs typeface="Consolas" charset="0"/>
-              </a:rPr>
-              <a:t>source activate </a:t>
-            </a:r>
-            <a:r>
-              <a:rPr lang="en-US" sz="2400" dirty="0" err="1">
-                <a:solidFill>
-                  <a:schemeClr val="tx1"/>
-                </a:solidFill>
-                <a:latin typeface="Consolas" charset="0"/>
-                <a:ea typeface="Consolas" charset="0"/>
-                <a:cs typeface="Consolas" charset="0"/>
-              </a:rPr>
-              <a:t>taxi_env</a:t>
-            </a:r>
-            <a:endParaRPr lang="en-US" sz="2400" dirty="0">
-              <a:solidFill>
-                <a:schemeClr val="tx1"/>
-              </a:solidFill>
-              <a:latin typeface="Consolas" charset="0"/>
-              <a:ea typeface="Consolas" charset="0"/>
-              <a:cs typeface="Consolas" charset="0"/>
-            </a:endParaRPr>
-          </a:p>
-        </p:txBody>
-      </p:sp>
-      <p:sp>
-        <p:nvSpPr>
-          <p:cNvPr id="11" name="Rounded Rectangle 10"/>
-          <p:cNvSpPr/>
-          <p:nvPr/>
-        </p:nvSpPr>
-        <p:spPr>
-          <a:xfrm>
-            <a:off x="1138140" y="4431088"/>
-            <a:ext cx="6778638" cy="418779"/>
-          </a:xfrm>
-          <a:prstGeom prst="roundRect">
-            <a:avLst/>
-          </a:prstGeom>
-          <a:solidFill>
-            <a:schemeClr val="bg1">
-              <a:lumMod val="75000"/>
-              <a:alpha val="30000"/>
-            </a:schemeClr>
-          </a:solidFill>
-          <a:ln>
-            <a:solidFill>
-              <a:schemeClr val="bg1">
-                <a:lumMod val="75000"/>
-              </a:schemeClr>
-            </a:solidFill>
-          </a:ln>
-        </p:spPr>
-        <p:style>
-          <a:lnRef idx="2">
-            <a:schemeClr val="accent1">
-              <a:shade val="50000"/>
-            </a:schemeClr>
-          </a:lnRef>
-          <a:fillRef idx="1">
-            <a:schemeClr val="accent1"/>
-          </a:fillRef>
-          <a:effectRef idx="0">
-            <a:schemeClr val="accent1"/>
-          </a:effectRef>
-          <a:fontRef idx="minor">
-            <a:schemeClr val="lt1"/>
-          </a:fontRef>
-        </p:style>
-        <p:txBody>
-          <a:bodyPr rtlCol="0" anchor="ctr"/>
-          <a:lstStyle/>
-          <a:p>
-            <a:r>
-              <a:rPr lang="en-US" sz="2400" dirty="0" err="1">
-                <a:solidFill>
-                  <a:schemeClr val="tx1"/>
-                </a:solidFill>
-                <a:latin typeface="Consolas" charset="0"/>
-                <a:ea typeface="Consolas" charset="0"/>
-                <a:cs typeface="Consolas" charset="0"/>
-              </a:rPr>
-              <a:t>conda</a:t>
-            </a:r>
-            <a:r>
-              <a:rPr lang="en-US" sz="2400" dirty="0">
-                <a:solidFill>
-                  <a:schemeClr val="tx1"/>
-                </a:solidFill>
-                <a:latin typeface="Consolas" charset="0"/>
-                <a:ea typeface="Consolas" charset="0"/>
-                <a:cs typeface="Consolas" charset="0"/>
-              </a:rPr>
-              <a:t> install -c </a:t>
-            </a:r>
-            <a:r>
-              <a:rPr lang="en-US" sz="2400" dirty="0" err="1">
-                <a:solidFill>
-                  <a:schemeClr val="tx1"/>
-                </a:solidFill>
-                <a:latin typeface="Consolas" charset="0"/>
-                <a:ea typeface="Consolas" charset="0"/>
-                <a:cs typeface="Consolas" charset="0"/>
-              </a:rPr>
-              <a:t>conda</a:t>
-            </a:r>
-            <a:r>
-              <a:rPr lang="en-US" sz="2400" dirty="0">
-                <a:solidFill>
-                  <a:schemeClr val="tx1"/>
-                </a:solidFill>
-                <a:latin typeface="Consolas" charset="0"/>
-                <a:ea typeface="Consolas" charset="0"/>
-                <a:cs typeface="Consolas" charset="0"/>
-              </a:rPr>
-              <a:t>-forge &lt;library&gt;</a:t>
-            </a:r>
-          </a:p>
-        </p:txBody>
-      </p:sp>
-      <p:sp>
-        <p:nvSpPr>
-          <p:cNvPr id="12" name="Rounded Rectangle 11"/>
-          <p:cNvSpPr/>
-          <p:nvPr/>
-        </p:nvSpPr>
-        <p:spPr>
-          <a:xfrm>
-            <a:off x="1138140" y="5512114"/>
-            <a:ext cx="6778637" cy="445631"/>
-          </a:xfrm>
-          <a:prstGeom prst="roundRect">
-            <a:avLst/>
-          </a:prstGeom>
-          <a:solidFill>
-            <a:schemeClr val="bg1">
-              <a:lumMod val="75000"/>
-              <a:alpha val="30000"/>
-            </a:schemeClr>
-          </a:solidFill>
-          <a:ln>
-            <a:solidFill>
-              <a:schemeClr val="bg1">
-                <a:lumMod val="75000"/>
-              </a:schemeClr>
-            </a:solidFill>
-          </a:ln>
-        </p:spPr>
-        <p:style>
-          <a:lnRef idx="2">
-            <a:schemeClr val="accent1">
-              <a:shade val="50000"/>
-            </a:schemeClr>
-          </a:lnRef>
-          <a:fillRef idx="1">
-            <a:schemeClr val="accent1"/>
-          </a:fillRef>
-          <a:effectRef idx="0">
-            <a:schemeClr val="accent1"/>
-          </a:effectRef>
-          <a:fontRef idx="minor">
-            <a:schemeClr val="lt1"/>
-          </a:fontRef>
-        </p:style>
-        <p:txBody>
-          <a:bodyPr rtlCol="0" anchor="ctr"/>
-          <a:lstStyle/>
-          <a:p>
-            <a:r>
-              <a:rPr lang="en-US" sz="2400" dirty="0" err="1">
-                <a:solidFill>
-                  <a:schemeClr val="tx1"/>
-                </a:solidFill>
-                <a:latin typeface="Consolas" charset="0"/>
-                <a:ea typeface="Consolas" charset="0"/>
-                <a:cs typeface="Consolas" charset="0"/>
-              </a:rPr>
-              <a:t>jupyter</a:t>
-            </a:r>
-            <a:r>
-              <a:rPr lang="en-US" sz="2400" dirty="0">
-                <a:solidFill>
-                  <a:schemeClr val="tx1"/>
-                </a:solidFill>
-                <a:latin typeface="Consolas" charset="0"/>
-                <a:ea typeface="Consolas" charset="0"/>
-                <a:cs typeface="Consolas" charset="0"/>
-              </a:rPr>
-              <a:t> notebook --browser=chrome</a:t>
-            </a:r>
-          </a:p>
-        </p:txBody>
-      </p:sp>
-      <p:sp>
-        <p:nvSpPr>
-          <p:cNvPr id="4" name="TextBox 3">
-            <a:extLst>
-              <a:ext uri="{FF2B5EF4-FFF2-40B4-BE49-F238E27FC236}">
-                <a16:creationId xmlns:a16="http://schemas.microsoft.com/office/drawing/2014/main" id="{B52CAE91-2EE9-E9F4-DA4E-B8CE81BB8DE9}"/>
-              </a:ext>
-            </a:extLst>
-          </p:cNvPr>
-          <p:cNvSpPr txBox="1"/>
-          <p:nvPr/>
-        </p:nvSpPr>
-        <p:spPr>
-          <a:xfrm>
-            <a:off x="805630" y="6155145"/>
-            <a:ext cx="8338370" cy="307777"/>
-          </a:xfrm>
-          <a:prstGeom prst="rect">
-            <a:avLst/>
-          </a:prstGeom>
-          <a:noFill/>
-        </p:spPr>
-        <p:txBody>
-          <a:bodyPr wrap="square">
-            <a:spAutoFit/>
-          </a:bodyPr>
-          <a:lstStyle/>
-          <a:p>
-            <a:r>
-              <a:rPr lang="en-US" i="1" dirty="0"/>
-              <a:t>Access from a Quest Analytics Node: </a:t>
-            </a:r>
-            <a:r>
-              <a:rPr lang="en-US" i="1" dirty="0">
-                <a:hlinkClick r:id="rId3"/>
-              </a:rPr>
-              <a:t>https://jupyter.questanalytics.northwestern.edu/hub/login</a:t>
-            </a:r>
-            <a:r>
-              <a:rPr lang="en-US" i="1" dirty="0"/>
-              <a:t> </a:t>
-            </a:r>
-            <a:r>
-              <a:rPr lang="en-US" sz="1400" i="1" dirty="0"/>
-              <a:t> </a:t>
-            </a:r>
-            <a:endParaRPr lang="en-US" i="1" dirty="0"/>
-          </a:p>
-        </p:txBody>
-      </p:sp>
-      <p:sp>
-        <p:nvSpPr>
-          <p:cNvPr id="5" name="Footer Placeholder 1">
-            <a:extLst>
-              <a:ext uri="{FF2B5EF4-FFF2-40B4-BE49-F238E27FC236}">
-                <a16:creationId xmlns:a16="http://schemas.microsoft.com/office/drawing/2014/main" id="{F519F23B-550A-E63C-B5A8-D0A17BD70C67}"/>
-              </a:ext>
-            </a:extLst>
-          </p:cNvPr>
-          <p:cNvSpPr>
-            <a:spLocks noGrp="1"/>
-          </p:cNvSpPr>
-          <p:nvPr>
-            <p:ph type="ftr" idx="11"/>
-          </p:nvPr>
-        </p:nvSpPr>
-        <p:spPr>
-          <a:xfrm>
-            <a:off x="4572000" y="6506896"/>
-            <a:ext cx="4114800" cy="365125"/>
-          </a:xfrm>
-        </p:spPr>
-        <p:txBody>
-          <a:bodyPr/>
-          <a:lstStyle/>
-          <a:p>
-            <a:r>
-              <a:rPr lang="en-US" dirty="0"/>
-              <a:t>Automating Results</a:t>
-            </a:r>
-          </a:p>
-        </p:txBody>
-      </p:sp>
-    </p:spTree>
-    <p:extLst>
-      <p:ext uri="{BB962C8B-B14F-4D97-AF65-F5344CB8AC3E}">
-        <p14:creationId xmlns:p14="http://schemas.microsoft.com/office/powerpoint/2010/main" val="2816865722"/>
-      </p:ext>
-    </p:extLst>
-  </p:cSld>
-  <p:clrMapOvr>
-    <a:masterClrMapping/>
-  </p:clrMapOvr>
-</p:sld>
-</file>
-
-<file path=ppt/slides/slide15.xml><?xml version="1.0" encoding="utf-8"?>
-<p:sld xmlns:a="http://schemas.openxmlformats.org/drawingml/2006/main" xmlns:r="http://schemas.openxmlformats.org/officeDocument/2006/relationships" xmlns:p="http://schemas.openxmlformats.org/presentationml/2006/main">
-  <p:cSld>
-    <p:spTree>
-      <p:nvGrpSpPr>
-        <p:cNvPr id="1" name="Shape 56"/>
-        <p:cNvGrpSpPr/>
-        <p:nvPr/>
-      </p:nvGrpSpPr>
-      <p:grpSpPr>
-        <a:xfrm>
-          <a:off x="0" y="0"/>
-          <a:ext cx="0" cy="0"/>
-          <a:chOff x="0" y="0"/>
-          <a:chExt cx="0" cy="0"/>
-        </a:xfrm>
-      </p:grpSpPr>
-      <p:sp>
-        <p:nvSpPr>
-          <p:cNvPr id="57" name="Google Shape;57;p9"/>
-          <p:cNvSpPr txBox="1">
-            <a:spLocks noGrp="1"/>
-          </p:cNvSpPr>
-          <p:nvPr>
-            <p:ph type="title"/>
-          </p:nvPr>
-        </p:nvSpPr>
-        <p:spPr>
-          <a:xfrm>
-            <a:off x="457200" y="0"/>
-            <a:ext cx="8229600" cy="1143000"/>
-          </a:xfrm>
-          <a:prstGeom prst="rect">
-            <a:avLst/>
-          </a:prstGeom>
-          <a:noFill/>
-          <a:ln>
-            <a:noFill/>
-          </a:ln>
-        </p:spPr>
-        <p:txBody>
-          <a:bodyPr spcFirstLastPara="1" wrap="square" lIns="91425" tIns="45700" rIns="91425" bIns="45700" anchor="ctr" anchorCtr="0">
-            <a:noAutofit/>
-          </a:bodyPr>
-          <a:lstStyle/>
-          <a:p>
-            <a:pPr marL="0" lvl="0" indent="0" algn="l" rtl="0">
-              <a:lnSpc>
-                <a:spcPct val="100000"/>
-              </a:lnSpc>
-              <a:spcBef>
-                <a:spcPts val="0"/>
-              </a:spcBef>
-              <a:spcAft>
-                <a:spcPts val="0"/>
-              </a:spcAft>
-              <a:buClr>
-                <a:srgbClr val="3D146F"/>
-              </a:buClr>
-              <a:buSzPts val="3200"/>
-              <a:buFont typeface="Arial"/>
-              <a:buNone/>
-            </a:pPr>
-            <a:r>
-              <a:rPr lang="en-US" dirty="0"/>
-              <a:t>Knitting an R Markdown File</a:t>
-            </a:r>
-            <a:endParaRPr dirty="0"/>
-          </a:p>
-        </p:txBody>
-      </p:sp>
-      <p:sp>
-        <p:nvSpPr>
-          <p:cNvPr id="59" name="Google Shape;59;p9"/>
-          <p:cNvSpPr txBox="1">
-            <a:spLocks noGrp="1"/>
-          </p:cNvSpPr>
-          <p:nvPr>
-            <p:ph type="sldNum" idx="12"/>
-          </p:nvPr>
-        </p:nvSpPr>
-        <p:spPr>
-          <a:xfrm>
-            <a:off x="8686800" y="6506896"/>
-            <a:ext cx="416244" cy="365125"/>
-          </a:xfrm>
-          <a:prstGeom prst="rect">
-            <a:avLst/>
-          </a:prstGeom>
-          <a:noFill/>
-          <a:ln>
-            <a:noFill/>
-          </a:ln>
-        </p:spPr>
-        <p:txBody>
-          <a:bodyPr spcFirstLastPara="1" wrap="square" lIns="91425" tIns="45700" rIns="91425" bIns="45700" anchor="ctr" anchorCtr="0">
-            <a:noAutofit/>
-          </a:bodyPr>
-          <a:lstStyle/>
-          <a:p>
-            <a:pPr marL="0" lvl="0" indent="0" algn="r" rtl="0">
-              <a:lnSpc>
-                <a:spcPct val="100000"/>
-              </a:lnSpc>
-              <a:spcBef>
-                <a:spcPts val="0"/>
-              </a:spcBef>
-              <a:spcAft>
-                <a:spcPts val="0"/>
-              </a:spcAft>
-              <a:buSzPts val="1000"/>
-              <a:buNone/>
-            </a:pPr>
-            <a:fld id="{00000000-1234-1234-1234-123412341234}" type="slidenum">
-              <a:rPr lang="en-US"/>
-              <a:t>15</a:t>
-            </a:fld>
-            <a:endParaRPr/>
-          </a:p>
-        </p:txBody>
-      </p:sp>
-      <p:sp>
-        <p:nvSpPr>
-          <p:cNvPr id="6" name="Google Shape;60;p9"/>
-          <p:cNvSpPr txBox="1"/>
-          <p:nvPr/>
-        </p:nvSpPr>
-        <p:spPr>
-          <a:xfrm>
-            <a:off x="457200" y="1231900"/>
-            <a:ext cx="8541000" cy="4599600"/>
-          </a:xfrm>
-          <a:prstGeom prst="rect">
-            <a:avLst/>
-          </a:prstGeom>
-          <a:noFill/>
-          <a:ln>
-            <a:noFill/>
-          </a:ln>
-        </p:spPr>
-        <p:txBody>
-          <a:bodyPr spcFirstLastPara="1" wrap="square" lIns="91425" tIns="45700" rIns="91425" bIns="45700" anchor="t" anchorCtr="0">
-            <a:noAutofit/>
-          </a:bodyPr>
-          <a:lstStyle/>
-          <a:p>
-            <a:pPr marL="742950" marR="0" lvl="1" indent="-171450" algn="l" rtl="0">
-              <a:lnSpc>
-                <a:spcPct val="100000"/>
-              </a:lnSpc>
-              <a:spcBef>
-                <a:spcPts val="0"/>
-              </a:spcBef>
-              <a:spcAft>
-                <a:spcPts val="0"/>
-              </a:spcAft>
-              <a:buClr>
-                <a:schemeClr val="dk1"/>
-              </a:buClr>
-              <a:buSzPts val="1800"/>
-              <a:buFont typeface="Courier New"/>
-              <a:buNone/>
-            </a:pPr>
-            <a:endParaRPr sz="1800" b="0" i="0" u="none" strike="noStrike" cap="none" dirty="0">
-              <a:solidFill>
-                <a:schemeClr val="dk1"/>
-              </a:solidFill>
-              <a:latin typeface="Arial"/>
-              <a:ea typeface="Arial"/>
-              <a:cs typeface="Arial"/>
-              <a:sym typeface="Arial"/>
-            </a:endParaRPr>
-          </a:p>
-          <a:p>
-            <a:pPr marL="457200" marR="0" lvl="1" indent="0" algn="l" rtl="0">
-              <a:lnSpc>
-                <a:spcPct val="100000"/>
-              </a:lnSpc>
-              <a:spcBef>
-                <a:spcPts val="0"/>
-              </a:spcBef>
-              <a:spcAft>
-                <a:spcPts val="0"/>
-              </a:spcAft>
-              <a:buClr>
-                <a:srgbClr val="000000"/>
-              </a:buClr>
-              <a:buSzPts val="1800"/>
-              <a:buFont typeface="Arial"/>
-              <a:buNone/>
-            </a:pPr>
-            <a:endParaRPr sz="1800" b="0" i="0" u="none" strike="noStrike" cap="none" dirty="0">
-              <a:solidFill>
-                <a:schemeClr val="dk1"/>
-              </a:solidFill>
-              <a:latin typeface="Arial"/>
-              <a:ea typeface="Arial"/>
-              <a:cs typeface="Arial"/>
-              <a:sym typeface="Arial"/>
-            </a:endParaRPr>
-          </a:p>
-          <a:p>
-            <a:pPr marL="0" marR="0" lvl="0" indent="0" algn="l" rtl="0">
-              <a:lnSpc>
-                <a:spcPct val="100000"/>
-              </a:lnSpc>
-              <a:spcBef>
-                <a:spcPts val="0"/>
-              </a:spcBef>
-              <a:spcAft>
-                <a:spcPts val="0"/>
-              </a:spcAft>
-              <a:buClr>
-                <a:srgbClr val="000000"/>
-              </a:buClr>
-              <a:buSzPts val="1800"/>
-              <a:buFont typeface="Arial"/>
-              <a:buNone/>
-            </a:pPr>
-            <a:endParaRPr sz="1800" b="0" i="0" u="none" strike="noStrike" cap="none" dirty="0">
-              <a:solidFill>
-                <a:schemeClr val="dk1"/>
-              </a:solidFill>
-              <a:latin typeface="Arial"/>
-              <a:ea typeface="Arial"/>
-              <a:cs typeface="Arial"/>
-              <a:sym typeface="Arial"/>
-            </a:endParaRPr>
-          </a:p>
-          <a:p>
-            <a:pPr marL="0" marR="0" lvl="0" indent="0" algn="l" rtl="0">
-              <a:lnSpc>
-                <a:spcPct val="100000"/>
-              </a:lnSpc>
-              <a:spcBef>
-                <a:spcPts val="0"/>
-              </a:spcBef>
-              <a:spcAft>
-                <a:spcPts val="0"/>
-              </a:spcAft>
-              <a:buClr>
-                <a:srgbClr val="000000"/>
-              </a:buClr>
-              <a:buSzPts val="1800"/>
-              <a:buFont typeface="Arial"/>
-              <a:buNone/>
-            </a:pPr>
-            <a:endParaRPr sz="1800" b="0" i="0" u="none" strike="noStrike" cap="none" dirty="0">
-              <a:solidFill>
-                <a:schemeClr val="dk1"/>
-              </a:solidFill>
-              <a:latin typeface="Arial"/>
-              <a:ea typeface="Arial"/>
-              <a:cs typeface="Arial"/>
-              <a:sym typeface="Arial"/>
-            </a:endParaRPr>
-          </a:p>
-          <a:p>
-            <a:pPr marL="0" marR="0" lvl="0" indent="0" algn="l" rtl="0">
-              <a:lnSpc>
-                <a:spcPct val="100000"/>
-              </a:lnSpc>
-              <a:spcBef>
-                <a:spcPts val="0"/>
-              </a:spcBef>
-              <a:spcAft>
-                <a:spcPts val="0"/>
-              </a:spcAft>
-              <a:buClr>
-                <a:srgbClr val="000000"/>
-              </a:buClr>
-              <a:buSzPts val="1800"/>
-              <a:buFont typeface="Arial"/>
-              <a:buNone/>
-            </a:pPr>
-            <a:endParaRPr sz="1800" b="0" i="0" u="none" strike="noStrike" cap="none" dirty="0">
-              <a:solidFill>
-                <a:schemeClr val="dk1"/>
-              </a:solidFill>
-              <a:latin typeface="Arial"/>
-              <a:ea typeface="Arial"/>
-              <a:cs typeface="Arial"/>
-              <a:sym typeface="Arial"/>
-            </a:endParaRPr>
-          </a:p>
-          <a:p>
-            <a:pPr marL="0" marR="0" lvl="0" indent="0" algn="l" rtl="0">
-              <a:lnSpc>
-                <a:spcPct val="100000"/>
-              </a:lnSpc>
-              <a:spcBef>
-                <a:spcPts val="0"/>
-              </a:spcBef>
-              <a:spcAft>
-                <a:spcPts val="0"/>
-              </a:spcAft>
-              <a:buClr>
-                <a:srgbClr val="000000"/>
-              </a:buClr>
-              <a:buSzPts val="1800"/>
-              <a:buFont typeface="Arial"/>
-              <a:buNone/>
-            </a:pPr>
-            <a:endParaRPr sz="1800" b="0" i="0" u="none" strike="noStrike" cap="none" dirty="0">
-              <a:solidFill>
-                <a:schemeClr val="dk1"/>
-              </a:solidFill>
-              <a:latin typeface="Arial"/>
-              <a:ea typeface="Arial"/>
-              <a:cs typeface="Arial"/>
-              <a:sym typeface="Arial"/>
-            </a:endParaRPr>
-          </a:p>
-          <a:p>
-            <a:pPr marL="0" marR="0" lvl="0" indent="0" algn="l" rtl="0">
-              <a:lnSpc>
-                <a:spcPct val="100000"/>
-              </a:lnSpc>
-              <a:spcBef>
-                <a:spcPts val="0"/>
-              </a:spcBef>
-              <a:spcAft>
-                <a:spcPts val="0"/>
-              </a:spcAft>
-              <a:buClr>
-                <a:srgbClr val="000000"/>
-              </a:buClr>
-              <a:buSzPts val="1800"/>
-              <a:buFont typeface="Arial"/>
-              <a:buNone/>
-            </a:pPr>
-            <a:endParaRPr sz="1800" b="0" i="0" u="none" strike="noStrike" cap="none" dirty="0">
-              <a:solidFill>
-                <a:schemeClr val="dk1"/>
-              </a:solidFill>
-              <a:latin typeface="Arial"/>
-              <a:ea typeface="Arial"/>
-              <a:cs typeface="Arial"/>
-              <a:sym typeface="Arial"/>
-            </a:endParaRPr>
-          </a:p>
-          <a:p>
-            <a:pPr marL="0" marR="0" lvl="0" indent="0" algn="l" rtl="0">
-              <a:lnSpc>
-                <a:spcPct val="100000"/>
-              </a:lnSpc>
-              <a:spcBef>
-                <a:spcPts val="0"/>
-              </a:spcBef>
-              <a:spcAft>
-                <a:spcPts val="0"/>
-              </a:spcAft>
-              <a:buClr>
-                <a:srgbClr val="000000"/>
-              </a:buClr>
-              <a:buSzPts val="1800"/>
-              <a:buFont typeface="Arial"/>
-              <a:buNone/>
-            </a:pPr>
-            <a:endParaRPr sz="1800" b="0" i="0" u="none" strike="noStrike" cap="none" dirty="0">
-              <a:solidFill>
-                <a:schemeClr val="dk1"/>
-              </a:solidFill>
-              <a:latin typeface="Arial"/>
-              <a:ea typeface="Arial"/>
-              <a:cs typeface="Arial"/>
-              <a:sym typeface="Arial"/>
-            </a:endParaRPr>
-          </a:p>
-          <a:p>
-            <a:pPr marL="0" marR="0" lvl="0" indent="0" algn="l" rtl="0">
-              <a:lnSpc>
-                <a:spcPct val="100000"/>
-              </a:lnSpc>
-              <a:spcBef>
-                <a:spcPts val="0"/>
-              </a:spcBef>
-              <a:spcAft>
-                <a:spcPts val="0"/>
-              </a:spcAft>
-              <a:buClr>
-                <a:srgbClr val="000000"/>
-              </a:buClr>
-              <a:buSzPts val="1800"/>
-              <a:buFont typeface="Arial"/>
-              <a:buNone/>
-            </a:pPr>
-            <a:endParaRPr sz="1800" b="0" i="0" u="none" strike="noStrike" cap="none" dirty="0">
-              <a:solidFill>
-                <a:schemeClr val="dk1"/>
-              </a:solidFill>
-              <a:latin typeface="Arial"/>
-              <a:ea typeface="Arial"/>
-              <a:cs typeface="Arial"/>
-              <a:sym typeface="Arial"/>
-            </a:endParaRPr>
-          </a:p>
-          <a:p>
-            <a:pPr marL="0" marR="0" lvl="0" indent="0" algn="l" rtl="0">
-              <a:lnSpc>
-                <a:spcPct val="100000"/>
-              </a:lnSpc>
-              <a:spcBef>
-                <a:spcPts val="0"/>
-              </a:spcBef>
-              <a:spcAft>
-                <a:spcPts val="0"/>
-              </a:spcAft>
-              <a:buClr>
-                <a:srgbClr val="000000"/>
-              </a:buClr>
-              <a:buSzPts val="1800"/>
-              <a:buFont typeface="Arial"/>
-              <a:buNone/>
-            </a:pPr>
-            <a:endParaRPr sz="1800" b="0" i="0" u="none" strike="noStrike" cap="none" dirty="0">
-              <a:solidFill>
-                <a:schemeClr val="dk1"/>
-              </a:solidFill>
-              <a:latin typeface="Arial"/>
-              <a:ea typeface="Arial"/>
-              <a:cs typeface="Arial"/>
-              <a:sym typeface="Arial"/>
-            </a:endParaRPr>
-          </a:p>
-        </p:txBody>
-      </p:sp>
-      <p:pic>
-        <p:nvPicPr>
-          <p:cNvPr id="3" name="Picture 2" descr="2.1 What happens when we render? | R Markdown Cookbook">
-            <a:extLst>
-              <a:ext uri="{FF2B5EF4-FFF2-40B4-BE49-F238E27FC236}">
-                <a16:creationId xmlns:a16="http://schemas.microsoft.com/office/drawing/2014/main" id="{0F8771CA-51D4-5295-67D5-98A9D4A8AF60}"/>
-              </a:ext>
-            </a:extLst>
-          </p:cNvPr>
-          <p:cNvPicPr>
-            <a:picLocks noChangeAspect="1" noChangeArrowheads="1"/>
-          </p:cNvPicPr>
-          <p:nvPr/>
-        </p:nvPicPr>
-        <p:blipFill>
-          <a:blip r:embed="rId3">
-            <a:extLst>
-              <a:ext uri="{28A0092B-C50C-407E-A947-70E740481C1C}">
-                <a14:useLocalDpi xmlns:a14="http://schemas.microsoft.com/office/drawing/2010/main" val="0"/>
-              </a:ext>
-            </a:extLst>
-          </a:blip>
-          <a:srcRect/>
-          <a:stretch>
-            <a:fillRect/>
-          </a:stretch>
-        </p:blipFill>
-        <p:spPr bwMode="auto">
-          <a:xfrm>
-            <a:off x="574962" y="1712021"/>
-            <a:ext cx="7653415" cy="3639358"/>
-          </a:xfrm>
-          <a:prstGeom prst="rect">
-            <a:avLst/>
-          </a:prstGeom>
-          <a:noFill/>
-          <a:extLst>
-            <a:ext uri="{909E8E84-426E-40DD-AFC4-6F175D3DCCD1}">
-              <a14:hiddenFill xmlns:a14="http://schemas.microsoft.com/office/drawing/2010/main">
-                <a:solidFill>
-                  <a:srgbClr val="FFFFFF"/>
-                </a:solidFill>
-              </a14:hiddenFill>
-            </a:ext>
-          </a:extLst>
-        </p:spPr>
-      </p:pic>
-      <p:sp>
-        <p:nvSpPr>
-          <p:cNvPr id="7" name="Footer Placeholder 1">
-            <a:extLst>
-              <a:ext uri="{FF2B5EF4-FFF2-40B4-BE49-F238E27FC236}">
-                <a16:creationId xmlns:a16="http://schemas.microsoft.com/office/drawing/2014/main" id="{43F05DA9-0A67-80F9-8F8A-9653A17C1F30}"/>
-              </a:ext>
-            </a:extLst>
-          </p:cNvPr>
-          <p:cNvSpPr>
-            <a:spLocks noGrp="1"/>
-          </p:cNvSpPr>
-          <p:nvPr>
-            <p:ph type="ftr" idx="11"/>
-          </p:nvPr>
-        </p:nvSpPr>
-        <p:spPr>
-          <a:xfrm>
-            <a:off x="4572000" y="6506896"/>
-            <a:ext cx="4114800" cy="365125"/>
-          </a:xfrm>
-        </p:spPr>
-        <p:txBody>
-          <a:bodyPr/>
-          <a:lstStyle/>
-          <a:p>
-            <a:r>
-              <a:rPr lang="en-US" dirty="0"/>
-              <a:t>Automating Results</a:t>
-            </a:r>
-          </a:p>
-        </p:txBody>
-      </p:sp>
-    </p:spTree>
-    <p:extLst>
-      <p:ext uri="{BB962C8B-B14F-4D97-AF65-F5344CB8AC3E}">
-        <p14:creationId xmlns:p14="http://schemas.microsoft.com/office/powerpoint/2010/main" val="2002947034"/>
       </p:ext>
     </p:extLst>
   </p:cSld>
@@ -14031,12 +14099,12 @@
               <a:buNone/>
             </a:pPr>
             <a:r>
+              <a:rPr lang="en-US" dirty="0" err="1"/>
+              <a:t>Juypter</a:t>
+            </a:r>
+            <a:r>
               <a:rPr lang="en-US" dirty="0"/>
-              <a:t>R Markdown within </a:t>
-            </a:r>
-            <a:r>
-              <a:rPr lang="en-US" dirty="0" err="1"/>
-              <a:t>Rstudio</a:t>
+              <a:t> Notebooks in Python</a:t>
             </a:r>
             <a:endParaRPr dirty="0"/>
           </a:p>
@@ -14087,6 +14155,1531 @@
             <a:fld id="{00000000-1234-1234-1234-123412341234}" type="slidenum">
               <a:rPr lang="en-US"/>
               <a:t>16</a:t>
+            </a:fld>
+            <a:endParaRPr/>
+          </a:p>
+        </p:txBody>
+      </p:sp>
+      <p:sp>
+        <p:nvSpPr>
+          <p:cNvPr id="6" name="Google Shape;60;p9"/>
+          <p:cNvSpPr txBox="1"/>
+          <p:nvPr/>
+        </p:nvSpPr>
+        <p:spPr>
+          <a:xfrm>
+            <a:off x="457200" y="1231900"/>
+            <a:ext cx="8541000" cy="4599600"/>
+          </a:xfrm>
+          <a:prstGeom prst="rect">
+            <a:avLst/>
+          </a:prstGeom>
+          <a:noFill/>
+          <a:ln>
+            <a:noFill/>
+          </a:ln>
+        </p:spPr>
+        <p:txBody>
+          <a:bodyPr spcFirstLastPara="1" wrap="square" lIns="91425" tIns="45700" rIns="91425" bIns="45700" anchor="t" anchorCtr="0">
+            <a:noAutofit/>
+          </a:bodyPr>
+          <a:lstStyle/>
+          <a:p>
+            <a:pPr marL="742950" marR="0" lvl="1" indent="-171450" algn="l" rtl="0">
+              <a:lnSpc>
+                <a:spcPct val="100000"/>
+              </a:lnSpc>
+              <a:spcBef>
+                <a:spcPts val="0"/>
+              </a:spcBef>
+              <a:spcAft>
+                <a:spcPts val="0"/>
+              </a:spcAft>
+              <a:buClr>
+                <a:schemeClr val="dk1"/>
+              </a:buClr>
+              <a:buSzPts val="1800"/>
+              <a:buFont typeface="Courier New"/>
+              <a:buNone/>
+            </a:pPr>
+            <a:endParaRPr sz="1800" b="0" i="0" u="none" strike="noStrike" cap="none" dirty="0">
+              <a:solidFill>
+                <a:schemeClr val="dk1"/>
+              </a:solidFill>
+              <a:latin typeface="Arial"/>
+              <a:ea typeface="Arial"/>
+              <a:cs typeface="Arial"/>
+              <a:sym typeface="Arial"/>
+            </a:endParaRPr>
+          </a:p>
+          <a:p>
+            <a:pPr marL="457200" marR="0" lvl="1" indent="0" algn="l" rtl="0">
+              <a:lnSpc>
+                <a:spcPct val="100000"/>
+              </a:lnSpc>
+              <a:spcBef>
+                <a:spcPts val="0"/>
+              </a:spcBef>
+              <a:spcAft>
+                <a:spcPts val="0"/>
+              </a:spcAft>
+              <a:buClr>
+                <a:srgbClr val="000000"/>
+              </a:buClr>
+              <a:buSzPts val="1800"/>
+              <a:buFont typeface="Arial"/>
+              <a:buNone/>
+            </a:pPr>
+            <a:endParaRPr sz="1800" b="0" i="0" u="none" strike="noStrike" cap="none" dirty="0">
+              <a:solidFill>
+                <a:schemeClr val="dk1"/>
+              </a:solidFill>
+              <a:latin typeface="Arial"/>
+              <a:ea typeface="Arial"/>
+              <a:cs typeface="Arial"/>
+              <a:sym typeface="Arial"/>
+            </a:endParaRPr>
+          </a:p>
+          <a:p>
+            <a:pPr marL="0" marR="0" lvl="0" indent="0" algn="l" rtl="0">
+              <a:lnSpc>
+                <a:spcPct val="100000"/>
+              </a:lnSpc>
+              <a:spcBef>
+                <a:spcPts val="0"/>
+              </a:spcBef>
+              <a:spcAft>
+                <a:spcPts val="0"/>
+              </a:spcAft>
+              <a:buClr>
+                <a:srgbClr val="000000"/>
+              </a:buClr>
+              <a:buSzPts val="1800"/>
+              <a:buFont typeface="Arial"/>
+              <a:buNone/>
+            </a:pPr>
+            <a:endParaRPr sz="1800" b="0" i="0" u="none" strike="noStrike" cap="none" dirty="0">
+              <a:solidFill>
+                <a:schemeClr val="dk1"/>
+              </a:solidFill>
+              <a:latin typeface="Arial"/>
+              <a:ea typeface="Arial"/>
+              <a:cs typeface="Arial"/>
+              <a:sym typeface="Arial"/>
+            </a:endParaRPr>
+          </a:p>
+          <a:p>
+            <a:pPr marL="0" marR="0" lvl="0" indent="0" algn="l" rtl="0">
+              <a:lnSpc>
+                <a:spcPct val="100000"/>
+              </a:lnSpc>
+              <a:spcBef>
+                <a:spcPts val="0"/>
+              </a:spcBef>
+              <a:spcAft>
+                <a:spcPts val="0"/>
+              </a:spcAft>
+              <a:buClr>
+                <a:srgbClr val="000000"/>
+              </a:buClr>
+              <a:buSzPts val="1800"/>
+              <a:buFont typeface="Arial"/>
+              <a:buNone/>
+            </a:pPr>
+            <a:endParaRPr sz="1800" b="0" i="0" u="none" strike="noStrike" cap="none" dirty="0">
+              <a:solidFill>
+                <a:schemeClr val="dk1"/>
+              </a:solidFill>
+              <a:latin typeface="Arial"/>
+              <a:ea typeface="Arial"/>
+              <a:cs typeface="Arial"/>
+              <a:sym typeface="Arial"/>
+            </a:endParaRPr>
+          </a:p>
+          <a:p>
+            <a:pPr marL="0" marR="0" lvl="0" indent="0" algn="l" rtl="0">
+              <a:lnSpc>
+                <a:spcPct val="100000"/>
+              </a:lnSpc>
+              <a:spcBef>
+                <a:spcPts val="0"/>
+              </a:spcBef>
+              <a:spcAft>
+                <a:spcPts val="0"/>
+              </a:spcAft>
+              <a:buClr>
+                <a:srgbClr val="000000"/>
+              </a:buClr>
+              <a:buSzPts val="1800"/>
+              <a:buFont typeface="Arial"/>
+              <a:buNone/>
+            </a:pPr>
+            <a:endParaRPr sz="1800" b="0" i="0" u="none" strike="noStrike" cap="none" dirty="0">
+              <a:solidFill>
+                <a:schemeClr val="dk1"/>
+              </a:solidFill>
+              <a:latin typeface="Arial"/>
+              <a:ea typeface="Arial"/>
+              <a:cs typeface="Arial"/>
+              <a:sym typeface="Arial"/>
+            </a:endParaRPr>
+          </a:p>
+          <a:p>
+            <a:pPr marL="0" marR="0" lvl="0" indent="0" algn="l" rtl="0">
+              <a:lnSpc>
+                <a:spcPct val="100000"/>
+              </a:lnSpc>
+              <a:spcBef>
+                <a:spcPts val="0"/>
+              </a:spcBef>
+              <a:spcAft>
+                <a:spcPts val="0"/>
+              </a:spcAft>
+              <a:buClr>
+                <a:srgbClr val="000000"/>
+              </a:buClr>
+              <a:buSzPts val="1800"/>
+              <a:buFont typeface="Arial"/>
+              <a:buNone/>
+            </a:pPr>
+            <a:endParaRPr sz="1800" b="0" i="0" u="none" strike="noStrike" cap="none" dirty="0">
+              <a:solidFill>
+                <a:schemeClr val="dk1"/>
+              </a:solidFill>
+              <a:latin typeface="Arial"/>
+              <a:ea typeface="Arial"/>
+              <a:cs typeface="Arial"/>
+              <a:sym typeface="Arial"/>
+            </a:endParaRPr>
+          </a:p>
+          <a:p>
+            <a:pPr marL="0" marR="0" lvl="0" indent="0" algn="l" rtl="0">
+              <a:lnSpc>
+                <a:spcPct val="100000"/>
+              </a:lnSpc>
+              <a:spcBef>
+                <a:spcPts val="0"/>
+              </a:spcBef>
+              <a:spcAft>
+                <a:spcPts val="0"/>
+              </a:spcAft>
+              <a:buClr>
+                <a:srgbClr val="000000"/>
+              </a:buClr>
+              <a:buSzPts val="1800"/>
+              <a:buFont typeface="Arial"/>
+              <a:buNone/>
+            </a:pPr>
+            <a:endParaRPr sz="1800" b="0" i="0" u="none" strike="noStrike" cap="none" dirty="0">
+              <a:solidFill>
+                <a:schemeClr val="dk1"/>
+              </a:solidFill>
+              <a:latin typeface="Arial"/>
+              <a:ea typeface="Arial"/>
+              <a:cs typeface="Arial"/>
+              <a:sym typeface="Arial"/>
+            </a:endParaRPr>
+          </a:p>
+          <a:p>
+            <a:pPr marL="0" marR="0" lvl="0" indent="0" algn="l" rtl="0">
+              <a:lnSpc>
+                <a:spcPct val="100000"/>
+              </a:lnSpc>
+              <a:spcBef>
+                <a:spcPts val="0"/>
+              </a:spcBef>
+              <a:spcAft>
+                <a:spcPts val="0"/>
+              </a:spcAft>
+              <a:buClr>
+                <a:srgbClr val="000000"/>
+              </a:buClr>
+              <a:buSzPts val="1800"/>
+              <a:buFont typeface="Arial"/>
+              <a:buNone/>
+            </a:pPr>
+            <a:endParaRPr sz="1800" b="0" i="0" u="none" strike="noStrike" cap="none" dirty="0">
+              <a:solidFill>
+                <a:schemeClr val="dk1"/>
+              </a:solidFill>
+              <a:latin typeface="Arial"/>
+              <a:ea typeface="Arial"/>
+              <a:cs typeface="Arial"/>
+              <a:sym typeface="Arial"/>
+            </a:endParaRPr>
+          </a:p>
+          <a:p>
+            <a:pPr marL="0" marR="0" lvl="0" indent="0" algn="l" rtl="0">
+              <a:lnSpc>
+                <a:spcPct val="100000"/>
+              </a:lnSpc>
+              <a:spcBef>
+                <a:spcPts val="0"/>
+              </a:spcBef>
+              <a:spcAft>
+                <a:spcPts val="0"/>
+              </a:spcAft>
+              <a:buClr>
+                <a:srgbClr val="000000"/>
+              </a:buClr>
+              <a:buSzPts val="1800"/>
+              <a:buFont typeface="Arial"/>
+              <a:buNone/>
+            </a:pPr>
+            <a:endParaRPr sz="1800" b="0" i="0" u="none" strike="noStrike" cap="none" dirty="0">
+              <a:solidFill>
+                <a:schemeClr val="dk1"/>
+              </a:solidFill>
+              <a:latin typeface="Arial"/>
+              <a:ea typeface="Arial"/>
+              <a:cs typeface="Arial"/>
+              <a:sym typeface="Arial"/>
+            </a:endParaRPr>
+          </a:p>
+          <a:p>
+            <a:pPr marL="0" marR="0" lvl="0" indent="0" algn="l" rtl="0">
+              <a:lnSpc>
+                <a:spcPct val="100000"/>
+              </a:lnSpc>
+              <a:spcBef>
+                <a:spcPts val="0"/>
+              </a:spcBef>
+              <a:spcAft>
+                <a:spcPts val="0"/>
+              </a:spcAft>
+              <a:buClr>
+                <a:srgbClr val="000000"/>
+              </a:buClr>
+              <a:buSzPts val="1800"/>
+              <a:buFont typeface="Arial"/>
+              <a:buNone/>
+            </a:pPr>
+            <a:endParaRPr sz="1800" b="0" i="0" u="none" strike="noStrike" cap="none" dirty="0">
+              <a:solidFill>
+                <a:schemeClr val="dk1"/>
+              </a:solidFill>
+              <a:latin typeface="Arial"/>
+              <a:ea typeface="Arial"/>
+              <a:cs typeface="Arial"/>
+              <a:sym typeface="Arial"/>
+            </a:endParaRPr>
+          </a:p>
+        </p:txBody>
+      </p:sp>
+      <p:sp>
+        <p:nvSpPr>
+          <p:cNvPr id="2" name="TextBox 1"/>
+          <p:cNvSpPr txBox="1"/>
+          <p:nvPr/>
+        </p:nvSpPr>
+        <p:spPr>
+          <a:xfrm>
+            <a:off x="300791" y="934106"/>
+            <a:ext cx="6718506" cy="4524315"/>
+          </a:xfrm>
+          <a:prstGeom prst="rect">
+            <a:avLst/>
+          </a:prstGeom>
+          <a:noFill/>
+        </p:spPr>
+        <p:txBody>
+          <a:bodyPr wrap="none" rtlCol="0">
+            <a:spAutoFit/>
+          </a:bodyPr>
+          <a:lstStyle/>
+          <a:p>
+            <a:r>
+              <a:rPr lang="en-US" sz="2400" dirty="0"/>
+              <a:t>Open a GNOME Terminal Session in </a:t>
+            </a:r>
+            <a:r>
+              <a:rPr lang="en-US" sz="2400" dirty="0" err="1"/>
+              <a:t>FastX</a:t>
+            </a:r>
+            <a:r>
+              <a:rPr lang="en-US" sz="2400" dirty="0"/>
+              <a:t>.</a:t>
+            </a:r>
+          </a:p>
+          <a:p>
+            <a:endParaRPr lang="en-US" sz="800" dirty="0"/>
+          </a:p>
+          <a:p>
+            <a:r>
+              <a:rPr lang="en-US" sz="2400" dirty="0"/>
+              <a:t>     </a:t>
+            </a:r>
+            <a:r>
+              <a:rPr lang="en-US" sz="2200" dirty="0"/>
+              <a:t>To load packages, type: </a:t>
+            </a:r>
+          </a:p>
+          <a:p>
+            <a:endParaRPr lang="en-US" sz="2200" dirty="0"/>
+          </a:p>
+          <a:p>
+            <a:endParaRPr lang="en-US" sz="2200" dirty="0"/>
+          </a:p>
+          <a:p>
+            <a:endParaRPr lang="en-US" sz="1200" dirty="0"/>
+          </a:p>
+          <a:p>
+            <a:r>
+              <a:rPr lang="en-US" sz="2200" dirty="0"/>
+              <a:t>     To create and launch a </a:t>
+            </a:r>
+            <a:r>
+              <a:rPr lang="en-US" sz="2200" dirty="0" err="1"/>
+              <a:t>conda</a:t>
+            </a:r>
+            <a:r>
+              <a:rPr lang="en-US" sz="2200" dirty="0"/>
+              <a:t> environment, type:</a:t>
+            </a:r>
+          </a:p>
+          <a:p>
+            <a:endParaRPr lang="en-US" sz="2200" dirty="0"/>
+          </a:p>
+          <a:p>
+            <a:endParaRPr lang="en-US" sz="2200" dirty="0"/>
+          </a:p>
+          <a:p>
+            <a:endParaRPr lang="en-US" sz="2200" dirty="0"/>
+          </a:p>
+          <a:p>
+            <a:r>
+              <a:rPr lang="en-US" sz="2200" dirty="0"/>
+              <a:t>     To install libraries, type:</a:t>
+            </a:r>
+          </a:p>
+          <a:p>
+            <a:endParaRPr lang="en-US" sz="2200" dirty="0"/>
+          </a:p>
+          <a:p>
+            <a:endParaRPr lang="en-US" sz="2200" dirty="0"/>
+          </a:p>
+          <a:p>
+            <a:r>
+              <a:rPr lang="en-US" sz="2200" dirty="0"/>
+              <a:t>     To launch a </a:t>
+            </a:r>
+            <a:r>
+              <a:rPr lang="en-US" sz="2200" dirty="0" err="1"/>
+              <a:t>jupyter</a:t>
+            </a:r>
+            <a:r>
+              <a:rPr lang="en-US" sz="2200" dirty="0"/>
+              <a:t> notebook, type:    </a:t>
+            </a:r>
+          </a:p>
+        </p:txBody>
+      </p:sp>
+      <p:sp>
+        <p:nvSpPr>
+          <p:cNvPr id="9" name="Rounded Rectangle 8"/>
+          <p:cNvSpPr/>
+          <p:nvPr/>
+        </p:nvSpPr>
+        <p:spPr>
+          <a:xfrm>
+            <a:off x="1138140" y="1917130"/>
+            <a:ext cx="6778639" cy="736828"/>
+          </a:xfrm>
+          <a:prstGeom prst="roundRect">
+            <a:avLst/>
+          </a:prstGeom>
+          <a:solidFill>
+            <a:schemeClr val="bg1">
+              <a:lumMod val="75000"/>
+              <a:alpha val="30000"/>
+            </a:schemeClr>
+          </a:solidFill>
+          <a:ln>
+            <a:solidFill>
+              <a:schemeClr val="bg1">
+                <a:lumMod val="75000"/>
+              </a:schemeClr>
+            </a:solidFill>
+          </a:ln>
+        </p:spPr>
+        <p:style>
+          <a:lnRef idx="2">
+            <a:schemeClr val="accent1">
+              <a:shade val="50000"/>
+            </a:schemeClr>
+          </a:lnRef>
+          <a:fillRef idx="1">
+            <a:schemeClr val="accent1"/>
+          </a:fillRef>
+          <a:effectRef idx="0">
+            <a:schemeClr val="accent1"/>
+          </a:effectRef>
+          <a:fontRef idx="minor">
+            <a:schemeClr val="lt1"/>
+          </a:fontRef>
+        </p:style>
+        <p:txBody>
+          <a:bodyPr rtlCol="0" anchor="ctr"/>
+          <a:lstStyle/>
+          <a:p>
+            <a:r>
+              <a:rPr lang="en-US" sz="2400" dirty="0">
+                <a:solidFill>
+                  <a:schemeClr val="tx1"/>
+                </a:solidFill>
+                <a:latin typeface="Consolas" charset="0"/>
+                <a:ea typeface="Consolas" charset="0"/>
+                <a:cs typeface="Consolas" charset="0"/>
+              </a:rPr>
+              <a:t>module load python/anaconda3.6</a:t>
+            </a:r>
+          </a:p>
+          <a:p>
+            <a:r>
+              <a:rPr lang="en-US" sz="2400" dirty="0">
+                <a:solidFill>
+                  <a:schemeClr val="tx1"/>
+                </a:solidFill>
+                <a:latin typeface="Consolas" charset="0"/>
+                <a:ea typeface="Consolas" charset="0"/>
+                <a:cs typeface="Consolas" charset="0"/>
+              </a:rPr>
+              <a:t>module load chrome</a:t>
+            </a:r>
+          </a:p>
+        </p:txBody>
+      </p:sp>
+      <p:sp>
+        <p:nvSpPr>
+          <p:cNvPr id="10" name="Rounded Rectangle 9"/>
+          <p:cNvSpPr/>
+          <p:nvPr/>
+        </p:nvSpPr>
+        <p:spPr>
+          <a:xfrm>
+            <a:off x="1138140" y="3153282"/>
+            <a:ext cx="6778639" cy="762479"/>
+          </a:xfrm>
+          <a:prstGeom prst="roundRect">
+            <a:avLst/>
+          </a:prstGeom>
+          <a:solidFill>
+            <a:schemeClr val="bg1">
+              <a:lumMod val="75000"/>
+              <a:alpha val="30000"/>
+            </a:schemeClr>
+          </a:solidFill>
+          <a:ln>
+            <a:solidFill>
+              <a:schemeClr val="bg1">
+                <a:lumMod val="75000"/>
+              </a:schemeClr>
+            </a:solidFill>
+          </a:ln>
+        </p:spPr>
+        <p:style>
+          <a:lnRef idx="2">
+            <a:schemeClr val="accent1">
+              <a:shade val="50000"/>
+            </a:schemeClr>
+          </a:lnRef>
+          <a:fillRef idx="1">
+            <a:schemeClr val="accent1"/>
+          </a:fillRef>
+          <a:effectRef idx="0">
+            <a:schemeClr val="accent1"/>
+          </a:effectRef>
+          <a:fontRef idx="minor">
+            <a:schemeClr val="lt1"/>
+          </a:fontRef>
+        </p:style>
+        <p:txBody>
+          <a:bodyPr rtlCol="0" anchor="ctr"/>
+          <a:lstStyle/>
+          <a:p>
+            <a:r>
+              <a:rPr lang="en-US" sz="2400" dirty="0" err="1">
+                <a:solidFill>
+                  <a:schemeClr val="tx1"/>
+                </a:solidFill>
+                <a:latin typeface="Consolas" charset="0"/>
+                <a:ea typeface="Consolas" charset="0"/>
+                <a:cs typeface="Consolas" charset="0"/>
+              </a:rPr>
+              <a:t>conda</a:t>
+            </a:r>
+            <a:r>
+              <a:rPr lang="en-US" sz="2400" dirty="0">
+                <a:solidFill>
+                  <a:schemeClr val="tx1"/>
+                </a:solidFill>
+                <a:latin typeface="Consolas" charset="0"/>
+                <a:ea typeface="Consolas" charset="0"/>
+                <a:cs typeface="Consolas" charset="0"/>
+              </a:rPr>
+              <a:t> create -n </a:t>
+            </a:r>
+            <a:r>
+              <a:rPr lang="en-US" sz="2400" dirty="0" err="1">
+                <a:solidFill>
+                  <a:schemeClr val="tx1"/>
+                </a:solidFill>
+                <a:latin typeface="Consolas" charset="0"/>
+                <a:ea typeface="Consolas" charset="0"/>
+                <a:cs typeface="Consolas" charset="0"/>
+              </a:rPr>
+              <a:t>taxi_env</a:t>
+            </a:r>
+            <a:r>
+              <a:rPr lang="en-US" sz="2400" dirty="0">
+                <a:solidFill>
+                  <a:schemeClr val="tx1"/>
+                </a:solidFill>
+                <a:latin typeface="Consolas" charset="0"/>
+                <a:ea typeface="Consolas" charset="0"/>
+                <a:cs typeface="Consolas" charset="0"/>
+              </a:rPr>
+              <a:t> python=3.6</a:t>
+            </a:r>
+          </a:p>
+          <a:p>
+            <a:r>
+              <a:rPr lang="en-US" sz="2400" dirty="0">
+                <a:solidFill>
+                  <a:schemeClr val="tx1"/>
+                </a:solidFill>
+                <a:latin typeface="Consolas" charset="0"/>
+                <a:ea typeface="Consolas" charset="0"/>
+                <a:cs typeface="Consolas" charset="0"/>
+              </a:rPr>
+              <a:t>source activate </a:t>
+            </a:r>
+            <a:r>
+              <a:rPr lang="en-US" sz="2400" dirty="0" err="1">
+                <a:solidFill>
+                  <a:schemeClr val="tx1"/>
+                </a:solidFill>
+                <a:latin typeface="Consolas" charset="0"/>
+                <a:ea typeface="Consolas" charset="0"/>
+                <a:cs typeface="Consolas" charset="0"/>
+              </a:rPr>
+              <a:t>taxi_env</a:t>
+            </a:r>
+            <a:endParaRPr lang="en-US" sz="2400" dirty="0">
+              <a:solidFill>
+                <a:schemeClr val="tx1"/>
+              </a:solidFill>
+              <a:latin typeface="Consolas" charset="0"/>
+              <a:ea typeface="Consolas" charset="0"/>
+              <a:cs typeface="Consolas" charset="0"/>
+            </a:endParaRPr>
+          </a:p>
+        </p:txBody>
+      </p:sp>
+      <p:sp>
+        <p:nvSpPr>
+          <p:cNvPr id="11" name="Rounded Rectangle 10"/>
+          <p:cNvSpPr/>
+          <p:nvPr/>
+        </p:nvSpPr>
+        <p:spPr>
+          <a:xfrm>
+            <a:off x="1138140" y="4431088"/>
+            <a:ext cx="6778638" cy="418779"/>
+          </a:xfrm>
+          <a:prstGeom prst="roundRect">
+            <a:avLst/>
+          </a:prstGeom>
+          <a:solidFill>
+            <a:schemeClr val="bg1">
+              <a:lumMod val="75000"/>
+              <a:alpha val="30000"/>
+            </a:schemeClr>
+          </a:solidFill>
+          <a:ln>
+            <a:solidFill>
+              <a:schemeClr val="bg1">
+                <a:lumMod val="75000"/>
+              </a:schemeClr>
+            </a:solidFill>
+          </a:ln>
+        </p:spPr>
+        <p:style>
+          <a:lnRef idx="2">
+            <a:schemeClr val="accent1">
+              <a:shade val="50000"/>
+            </a:schemeClr>
+          </a:lnRef>
+          <a:fillRef idx="1">
+            <a:schemeClr val="accent1"/>
+          </a:fillRef>
+          <a:effectRef idx="0">
+            <a:schemeClr val="accent1"/>
+          </a:effectRef>
+          <a:fontRef idx="minor">
+            <a:schemeClr val="lt1"/>
+          </a:fontRef>
+        </p:style>
+        <p:txBody>
+          <a:bodyPr rtlCol="0" anchor="ctr"/>
+          <a:lstStyle/>
+          <a:p>
+            <a:r>
+              <a:rPr lang="en-US" sz="2400" dirty="0" err="1">
+                <a:solidFill>
+                  <a:schemeClr val="tx1"/>
+                </a:solidFill>
+                <a:latin typeface="Consolas" charset="0"/>
+                <a:ea typeface="Consolas" charset="0"/>
+                <a:cs typeface="Consolas" charset="0"/>
+              </a:rPr>
+              <a:t>conda</a:t>
+            </a:r>
+            <a:r>
+              <a:rPr lang="en-US" sz="2400" dirty="0">
+                <a:solidFill>
+                  <a:schemeClr val="tx1"/>
+                </a:solidFill>
+                <a:latin typeface="Consolas" charset="0"/>
+                <a:ea typeface="Consolas" charset="0"/>
+                <a:cs typeface="Consolas" charset="0"/>
+              </a:rPr>
+              <a:t> install -c </a:t>
+            </a:r>
+            <a:r>
+              <a:rPr lang="en-US" sz="2400" dirty="0" err="1">
+                <a:solidFill>
+                  <a:schemeClr val="tx1"/>
+                </a:solidFill>
+                <a:latin typeface="Consolas" charset="0"/>
+                <a:ea typeface="Consolas" charset="0"/>
+                <a:cs typeface="Consolas" charset="0"/>
+              </a:rPr>
+              <a:t>conda</a:t>
+            </a:r>
+            <a:r>
+              <a:rPr lang="en-US" sz="2400" dirty="0">
+                <a:solidFill>
+                  <a:schemeClr val="tx1"/>
+                </a:solidFill>
+                <a:latin typeface="Consolas" charset="0"/>
+                <a:ea typeface="Consolas" charset="0"/>
+                <a:cs typeface="Consolas" charset="0"/>
+              </a:rPr>
+              <a:t>-forge &lt;library&gt;</a:t>
+            </a:r>
+          </a:p>
+        </p:txBody>
+      </p:sp>
+      <p:sp>
+        <p:nvSpPr>
+          <p:cNvPr id="12" name="Rounded Rectangle 11"/>
+          <p:cNvSpPr/>
+          <p:nvPr/>
+        </p:nvSpPr>
+        <p:spPr>
+          <a:xfrm>
+            <a:off x="1138140" y="5512114"/>
+            <a:ext cx="6778637" cy="445631"/>
+          </a:xfrm>
+          <a:prstGeom prst="roundRect">
+            <a:avLst/>
+          </a:prstGeom>
+          <a:solidFill>
+            <a:schemeClr val="bg1">
+              <a:lumMod val="75000"/>
+              <a:alpha val="30000"/>
+            </a:schemeClr>
+          </a:solidFill>
+          <a:ln>
+            <a:solidFill>
+              <a:schemeClr val="bg1">
+                <a:lumMod val="75000"/>
+              </a:schemeClr>
+            </a:solidFill>
+          </a:ln>
+        </p:spPr>
+        <p:style>
+          <a:lnRef idx="2">
+            <a:schemeClr val="accent1">
+              <a:shade val="50000"/>
+            </a:schemeClr>
+          </a:lnRef>
+          <a:fillRef idx="1">
+            <a:schemeClr val="accent1"/>
+          </a:fillRef>
+          <a:effectRef idx="0">
+            <a:schemeClr val="accent1"/>
+          </a:effectRef>
+          <a:fontRef idx="minor">
+            <a:schemeClr val="lt1"/>
+          </a:fontRef>
+        </p:style>
+        <p:txBody>
+          <a:bodyPr rtlCol="0" anchor="ctr"/>
+          <a:lstStyle/>
+          <a:p>
+            <a:r>
+              <a:rPr lang="en-US" sz="2400" dirty="0" err="1">
+                <a:solidFill>
+                  <a:schemeClr val="tx1"/>
+                </a:solidFill>
+                <a:latin typeface="Consolas" charset="0"/>
+                <a:ea typeface="Consolas" charset="0"/>
+                <a:cs typeface="Consolas" charset="0"/>
+              </a:rPr>
+              <a:t>jupyter</a:t>
+            </a:r>
+            <a:r>
+              <a:rPr lang="en-US" sz="2400" dirty="0">
+                <a:solidFill>
+                  <a:schemeClr val="tx1"/>
+                </a:solidFill>
+                <a:latin typeface="Consolas" charset="0"/>
+                <a:ea typeface="Consolas" charset="0"/>
+                <a:cs typeface="Consolas" charset="0"/>
+              </a:rPr>
+              <a:t> notebook --browser=chrome</a:t>
+            </a:r>
+          </a:p>
+        </p:txBody>
+      </p:sp>
+      <p:sp>
+        <p:nvSpPr>
+          <p:cNvPr id="4" name="TextBox 3">
+            <a:extLst>
+              <a:ext uri="{FF2B5EF4-FFF2-40B4-BE49-F238E27FC236}">
+                <a16:creationId xmlns:a16="http://schemas.microsoft.com/office/drawing/2014/main" id="{B52CAE91-2EE9-E9F4-DA4E-B8CE81BB8DE9}"/>
+              </a:ext>
+            </a:extLst>
+          </p:cNvPr>
+          <p:cNvSpPr txBox="1"/>
+          <p:nvPr/>
+        </p:nvSpPr>
+        <p:spPr>
+          <a:xfrm>
+            <a:off x="805630" y="6155145"/>
+            <a:ext cx="8338370" cy="307777"/>
+          </a:xfrm>
+          <a:prstGeom prst="rect">
+            <a:avLst/>
+          </a:prstGeom>
+          <a:noFill/>
+        </p:spPr>
+        <p:txBody>
+          <a:bodyPr wrap="square">
+            <a:spAutoFit/>
+          </a:bodyPr>
+          <a:lstStyle/>
+          <a:p>
+            <a:r>
+              <a:rPr lang="en-US" i="1" dirty="0"/>
+              <a:t>Access from a Quest Analytics Node: </a:t>
+            </a:r>
+            <a:r>
+              <a:rPr lang="en-US" i="1" dirty="0">
+                <a:hlinkClick r:id="rId3"/>
+              </a:rPr>
+              <a:t>https://jupyter.questanalytics.northwestern.edu/hub/login</a:t>
+            </a:r>
+            <a:r>
+              <a:rPr lang="en-US" i="1" dirty="0"/>
+              <a:t> </a:t>
+            </a:r>
+            <a:r>
+              <a:rPr lang="en-US" sz="1400" i="1" dirty="0"/>
+              <a:t> </a:t>
+            </a:r>
+            <a:endParaRPr lang="en-US" i="1" dirty="0"/>
+          </a:p>
+        </p:txBody>
+      </p:sp>
+      <p:sp>
+        <p:nvSpPr>
+          <p:cNvPr id="5" name="Footer Placeholder 1">
+            <a:extLst>
+              <a:ext uri="{FF2B5EF4-FFF2-40B4-BE49-F238E27FC236}">
+                <a16:creationId xmlns:a16="http://schemas.microsoft.com/office/drawing/2014/main" id="{F519F23B-550A-E63C-B5A8-D0A17BD70C67}"/>
+              </a:ext>
+            </a:extLst>
+          </p:cNvPr>
+          <p:cNvSpPr>
+            <a:spLocks noGrp="1"/>
+          </p:cNvSpPr>
+          <p:nvPr>
+            <p:ph type="ftr" idx="11"/>
+          </p:nvPr>
+        </p:nvSpPr>
+        <p:spPr>
+          <a:xfrm>
+            <a:off x="4572000" y="6506896"/>
+            <a:ext cx="4114800" cy="365125"/>
+          </a:xfrm>
+        </p:spPr>
+        <p:txBody>
+          <a:bodyPr/>
+          <a:lstStyle/>
+          <a:p>
+            <a:r>
+              <a:rPr lang="en-US" dirty="0"/>
+              <a:t>Automating Results</a:t>
+            </a:r>
+          </a:p>
+        </p:txBody>
+      </p:sp>
+    </p:spTree>
+    <p:extLst>
+      <p:ext uri="{BB962C8B-B14F-4D97-AF65-F5344CB8AC3E}">
+        <p14:creationId xmlns:p14="http://schemas.microsoft.com/office/powerpoint/2010/main" val="2816865722"/>
+      </p:ext>
+    </p:extLst>
+  </p:cSld>
+  <p:clrMapOvr>
+    <a:masterClrMapping/>
+  </p:clrMapOvr>
+</p:sld>
+</file>
+
+<file path=ppt/slides/slide17.xml><?xml version="1.0" encoding="utf-8"?>
+<p:sld xmlns:a="http://schemas.openxmlformats.org/drawingml/2006/main" xmlns:r="http://schemas.openxmlformats.org/officeDocument/2006/relationships" xmlns:p="http://schemas.openxmlformats.org/presentationml/2006/main">
+  <p:cSld>
+    <p:spTree>
+      <p:nvGrpSpPr>
+        <p:cNvPr id="1" name="Shape 56"/>
+        <p:cNvGrpSpPr/>
+        <p:nvPr/>
+      </p:nvGrpSpPr>
+      <p:grpSpPr>
+        <a:xfrm>
+          <a:off x="0" y="0"/>
+          <a:ext cx="0" cy="0"/>
+          <a:chOff x="0" y="0"/>
+          <a:chExt cx="0" cy="0"/>
+        </a:xfrm>
+      </p:grpSpPr>
+      <p:sp>
+        <p:nvSpPr>
+          <p:cNvPr id="57" name="Google Shape;57;p9"/>
+          <p:cNvSpPr txBox="1">
+            <a:spLocks noGrp="1"/>
+          </p:cNvSpPr>
+          <p:nvPr>
+            <p:ph type="title"/>
+          </p:nvPr>
+        </p:nvSpPr>
+        <p:spPr>
+          <a:xfrm>
+            <a:off x="457200" y="0"/>
+            <a:ext cx="8229600" cy="1143000"/>
+          </a:xfrm>
+          <a:prstGeom prst="rect">
+            <a:avLst/>
+          </a:prstGeom>
+          <a:noFill/>
+          <a:ln>
+            <a:noFill/>
+          </a:ln>
+        </p:spPr>
+        <p:txBody>
+          <a:bodyPr spcFirstLastPara="1" wrap="square" lIns="91425" tIns="45700" rIns="91425" bIns="45700" anchor="ctr" anchorCtr="0">
+            <a:noAutofit/>
+          </a:bodyPr>
+          <a:lstStyle/>
+          <a:p>
+            <a:pPr marL="0" lvl="0" indent="0" algn="l" rtl="0">
+              <a:lnSpc>
+                <a:spcPct val="100000"/>
+              </a:lnSpc>
+              <a:spcBef>
+                <a:spcPts val="0"/>
+              </a:spcBef>
+              <a:spcAft>
+                <a:spcPts val="0"/>
+              </a:spcAft>
+              <a:buClr>
+                <a:srgbClr val="3D146F"/>
+              </a:buClr>
+              <a:buSzPts val="3200"/>
+              <a:buFont typeface="Arial"/>
+              <a:buNone/>
+            </a:pPr>
+            <a:r>
+              <a:rPr lang="en-US" dirty="0"/>
+              <a:t>Knitting an R Markdown File</a:t>
+            </a:r>
+            <a:endParaRPr dirty="0"/>
+          </a:p>
+        </p:txBody>
+      </p:sp>
+      <p:sp>
+        <p:nvSpPr>
+          <p:cNvPr id="59" name="Google Shape;59;p9"/>
+          <p:cNvSpPr txBox="1">
+            <a:spLocks noGrp="1"/>
+          </p:cNvSpPr>
+          <p:nvPr>
+            <p:ph type="sldNum" idx="12"/>
+          </p:nvPr>
+        </p:nvSpPr>
+        <p:spPr>
+          <a:xfrm>
+            <a:off x="8686800" y="6506896"/>
+            <a:ext cx="416244" cy="365125"/>
+          </a:xfrm>
+          <a:prstGeom prst="rect">
+            <a:avLst/>
+          </a:prstGeom>
+          <a:noFill/>
+          <a:ln>
+            <a:noFill/>
+          </a:ln>
+        </p:spPr>
+        <p:txBody>
+          <a:bodyPr spcFirstLastPara="1" wrap="square" lIns="91425" tIns="45700" rIns="91425" bIns="45700" anchor="ctr" anchorCtr="0">
+            <a:noAutofit/>
+          </a:bodyPr>
+          <a:lstStyle/>
+          <a:p>
+            <a:pPr marL="0" lvl="0" indent="0" algn="r" rtl="0">
+              <a:lnSpc>
+                <a:spcPct val="100000"/>
+              </a:lnSpc>
+              <a:spcBef>
+                <a:spcPts val="0"/>
+              </a:spcBef>
+              <a:spcAft>
+                <a:spcPts val="0"/>
+              </a:spcAft>
+              <a:buSzPts val="1000"/>
+              <a:buNone/>
+            </a:pPr>
+            <a:fld id="{00000000-1234-1234-1234-123412341234}" type="slidenum">
+              <a:rPr lang="en-US"/>
+              <a:t>17</a:t>
+            </a:fld>
+            <a:endParaRPr/>
+          </a:p>
+        </p:txBody>
+      </p:sp>
+      <p:sp>
+        <p:nvSpPr>
+          <p:cNvPr id="6" name="Google Shape;60;p9"/>
+          <p:cNvSpPr txBox="1"/>
+          <p:nvPr/>
+        </p:nvSpPr>
+        <p:spPr>
+          <a:xfrm>
+            <a:off x="457200" y="1231900"/>
+            <a:ext cx="8541000" cy="4599600"/>
+          </a:xfrm>
+          <a:prstGeom prst="rect">
+            <a:avLst/>
+          </a:prstGeom>
+          <a:noFill/>
+          <a:ln>
+            <a:noFill/>
+          </a:ln>
+        </p:spPr>
+        <p:txBody>
+          <a:bodyPr spcFirstLastPara="1" wrap="square" lIns="91425" tIns="45700" rIns="91425" bIns="45700" anchor="t" anchorCtr="0">
+            <a:noAutofit/>
+          </a:bodyPr>
+          <a:lstStyle/>
+          <a:p>
+            <a:pPr marL="742950" marR="0" lvl="1" indent="-171450" algn="l" rtl="0">
+              <a:lnSpc>
+                <a:spcPct val="100000"/>
+              </a:lnSpc>
+              <a:spcBef>
+                <a:spcPts val="0"/>
+              </a:spcBef>
+              <a:spcAft>
+                <a:spcPts val="0"/>
+              </a:spcAft>
+              <a:buClr>
+                <a:schemeClr val="dk1"/>
+              </a:buClr>
+              <a:buSzPts val="1800"/>
+              <a:buFont typeface="Courier New"/>
+              <a:buNone/>
+            </a:pPr>
+            <a:endParaRPr sz="1800" b="0" i="0" u="none" strike="noStrike" cap="none" dirty="0">
+              <a:solidFill>
+                <a:schemeClr val="dk1"/>
+              </a:solidFill>
+              <a:latin typeface="Arial"/>
+              <a:ea typeface="Arial"/>
+              <a:cs typeface="Arial"/>
+              <a:sym typeface="Arial"/>
+            </a:endParaRPr>
+          </a:p>
+          <a:p>
+            <a:pPr marL="457200" marR="0" lvl="1" indent="0" algn="l" rtl="0">
+              <a:lnSpc>
+                <a:spcPct val="100000"/>
+              </a:lnSpc>
+              <a:spcBef>
+                <a:spcPts val="0"/>
+              </a:spcBef>
+              <a:spcAft>
+                <a:spcPts val="0"/>
+              </a:spcAft>
+              <a:buClr>
+                <a:srgbClr val="000000"/>
+              </a:buClr>
+              <a:buSzPts val="1800"/>
+              <a:buFont typeface="Arial"/>
+              <a:buNone/>
+            </a:pPr>
+            <a:endParaRPr sz="1800" b="0" i="0" u="none" strike="noStrike" cap="none" dirty="0">
+              <a:solidFill>
+                <a:schemeClr val="dk1"/>
+              </a:solidFill>
+              <a:latin typeface="Arial"/>
+              <a:ea typeface="Arial"/>
+              <a:cs typeface="Arial"/>
+              <a:sym typeface="Arial"/>
+            </a:endParaRPr>
+          </a:p>
+          <a:p>
+            <a:pPr marL="0" marR="0" lvl="0" indent="0" algn="l" rtl="0">
+              <a:lnSpc>
+                <a:spcPct val="100000"/>
+              </a:lnSpc>
+              <a:spcBef>
+                <a:spcPts val="0"/>
+              </a:spcBef>
+              <a:spcAft>
+                <a:spcPts val="0"/>
+              </a:spcAft>
+              <a:buClr>
+                <a:srgbClr val="000000"/>
+              </a:buClr>
+              <a:buSzPts val="1800"/>
+              <a:buFont typeface="Arial"/>
+              <a:buNone/>
+            </a:pPr>
+            <a:endParaRPr sz="1800" b="0" i="0" u="none" strike="noStrike" cap="none" dirty="0">
+              <a:solidFill>
+                <a:schemeClr val="dk1"/>
+              </a:solidFill>
+              <a:latin typeface="Arial"/>
+              <a:ea typeface="Arial"/>
+              <a:cs typeface="Arial"/>
+              <a:sym typeface="Arial"/>
+            </a:endParaRPr>
+          </a:p>
+          <a:p>
+            <a:pPr marL="0" marR="0" lvl="0" indent="0" algn="l" rtl="0">
+              <a:lnSpc>
+                <a:spcPct val="100000"/>
+              </a:lnSpc>
+              <a:spcBef>
+                <a:spcPts val="0"/>
+              </a:spcBef>
+              <a:spcAft>
+                <a:spcPts val="0"/>
+              </a:spcAft>
+              <a:buClr>
+                <a:srgbClr val="000000"/>
+              </a:buClr>
+              <a:buSzPts val="1800"/>
+              <a:buFont typeface="Arial"/>
+              <a:buNone/>
+            </a:pPr>
+            <a:endParaRPr sz="1800" b="0" i="0" u="none" strike="noStrike" cap="none" dirty="0">
+              <a:solidFill>
+                <a:schemeClr val="dk1"/>
+              </a:solidFill>
+              <a:latin typeface="Arial"/>
+              <a:ea typeface="Arial"/>
+              <a:cs typeface="Arial"/>
+              <a:sym typeface="Arial"/>
+            </a:endParaRPr>
+          </a:p>
+          <a:p>
+            <a:pPr marL="0" marR="0" lvl="0" indent="0" algn="l" rtl="0">
+              <a:lnSpc>
+                <a:spcPct val="100000"/>
+              </a:lnSpc>
+              <a:spcBef>
+                <a:spcPts val="0"/>
+              </a:spcBef>
+              <a:spcAft>
+                <a:spcPts val="0"/>
+              </a:spcAft>
+              <a:buClr>
+                <a:srgbClr val="000000"/>
+              </a:buClr>
+              <a:buSzPts val="1800"/>
+              <a:buFont typeface="Arial"/>
+              <a:buNone/>
+            </a:pPr>
+            <a:endParaRPr sz="1800" b="0" i="0" u="none" strike="noStrike" cap="none" dirty="0">
+              <a:solidFill>
+                <a:schemeClr val="dk1"/>
+              </a:solidFill>
+              <a:latin typeface="Arial"/>
+              <a:ea typeface="Arial"/>
+              <a:cs typeface="Arial"/>
+              <a:sym typeface="Arial"/>
+            </a:endParaRPr>
+          </a:p>
+          <a:p>
+            <a:pPr marL="0" marR="0" lvl="0" indent="0" algn="l" rtl="0">
+              <a:lnSpc>
+                <a:spcPct val="100000"/>
+              </a:lnSpc>
+              <a:spcBef>
+                <a:spcPts val="0"/>
+              </a:spcBef>
+              <a:spcAft>
+                <a:spcPts val="0"/>
+              </a:spcAft>
+              <a:buClr>
+                <a:srgbClr val="000000"/>
+              </a:buClr>
+              <a:buSzPts val="1800"/>
+              <a:buFont typeface="Arial"/>
+              <a:buNone/>
+            </a:pPr>
+            <a:endParaRPr sz="1800" b="0" i="0" u="none" strike="noStrike" cap="none" dirty="0">
+              <a:solidFill>
+                <a:schemeClr val="dk1"/>
+              </a:solidFill>
+              <a:latin typeface="Arial"/>
+              <a:ea typeface="Arial"/>
+              <a:cs typeface="Arial"/>
+              <a:sym typeface="Arial"/>
+            </a:endParaRPr>
+          </a:p>
+          <a:p>
+            <a:pPr marL="0" marR="0" lvl="0" indent="0" algn="l" rtl="0">
+              <a:lnSpc>
+                <a:spcPct val="100000"/>
+              </a:lnSpc>
+              <a:spcBef>
+                <a:spcPts val="0"/>
+              </a:spcBef>
+              <a:spcAft>
+                <a:spcPts val="0"/>
+              </a:spcAft>
+              <a:buClr>
+                <a:srgbClr val="000000"/>
+              </a:buClr>
+              <a:buSzPts val="1800"/>
+              <a:buFont typeface="Arial"/>
+              <a:buNone/>
+            </a:pPr>
+            <a:endParaRPr sz="1800" b="0" i="0" u="none" strike="noStrike" cap="none" dirty="0">
+              <a:solidFill>
+                <a:schemeClr val="dk1"/>
+              </a:solidFill>
+              <a:latin typeface="Arial"/>
+              <a:ea typeface="Arial"/>
+              <a:cs typeface="Arial"/>
+              <a:sym typeface="Arial"/>
+            </a:endParaRPr>
+          </a:p>
+          <a:p>
+            <a:pPr marL="0" marR="0" lvl="0" indent="0" algn="l" rtl="0">
+              <a:lnSpc>
+                <a:spcPct val="100000"/>
+              </a:lnSpc>
+              <a:spcBef>
+                <a:spcPts val="0"/>
+              </a:spcBef>
+              <a:spcAft>
+                <a:spcPts val="0"/>
+              </a:spcAft>
+              <a:buClr>
+                <a:srgbClr val="000000"/>
+              </a:buClr>
+              <a:buSzPts val="1800"/>
+              <a:buFont typeface="Arial"/>
+              <a:buNone/>
+            </a:pPr>
+            <a:endParaRPr sz="1800" b="0" i="0" u="none" strike="noStrike" cap="none" dirty="0">
+              <a:solidFill>
+                <a:schemeClr val="dk1"/>
+              </a:solidFill>
+              <a:latin typeface="Arial"/>
+              <a:ea typeface="Arial"/>
+              <a:cs typeface="Arial"/>
+              <a:sym typeface="Arial"/>
+            </a:endParaRPr>
+          </a:p>
+          <a:p>
+            <a:pPr marL="0" marR="0" lvl="0" indent="0" algn="l" rtl="0">
+              <a:lnSpc>
+                <a:spcPct val="100000"/>
+              </a:lnSpc>
+              <a:spcBef>
+                <a:spcPts val="0"/>
+              </a:spcBef>
+              <a:spcAft>
+                <a:spcPts val="0"/>
+              </a:spcAft>
+              <a:buClr>
+                <a:srgbClr val="000000"/>
+              </a:buClr>
+              <a:buSzPts val="1800"/>
+              <a:buFont typeface="Arial"/>
+              <a:buNone/>
+            </a:pPr>
+            <a:endParaRPr sz="1800" b="0" i="0" u="none" strike="noStrike" cap="none" dirty="0">
+              <a:solidFill>
+                <a:schemeClr val="dk1"/>
+              </a:solidFill>
+              <a:latin typeface="Arial"/>
+              <a:ea typeface="Arial"/>
+              <a:cs typeface="Arial"/>
+              <a:sym typeface="Arial"/>
+            </a:endParaRPr>
+          </a:p>
+          <a:p>
+            <a:pPr marL="0" marR="0" lvl="0" indent="0" algn="l" rtl="0">
+              <a:lnSpc>
+                <a:spcPct val="100000"/>
+              </a:lnSpc>
+              <a:spcBef>
+                <a:spcPts val="0"/>
+              </a:spcBef>
+              <a:spcAft>
+                <a:spcPts val="0"/>
+              </a:spcAft>
+              <a:buClr>
+                <a:srgbClr val="000000"/>
+              </a:buClr>
+              <a:buSzPts val="1800"/>
+              <a:buFont typeface="Arial"/>
+              <a:buNone/>
+            </a:pPr>
+            <a:endParaRPr sz="1800" b="0" i="0" u="none" strike="noStrike" cap="none" dirty="0">
+              <a:solidFill>
+                <a:schemeClr val="dk1"/>
+              </a:solidFill>
+              <a:latin typeface="Arial"/>
+              <a:ea typeface="Arial"/>
+              <a:cs typeface="Arial"/>
+              <a:sym typeface="Arial"/>
+            </a:endParaRPr>
+          </a:p>
+        </p:txBody>
+      </p:sp>
+      <p:pic>
+        <p:nvPicPr>
+          <p:cNvPr id="3" name="Picture 2" descr="2.1 What happens when we render? | R Markdown Cookbook">
+            <a:extLst>
+              <a:ext uri="{FF2B5EF4-FFF2-40B4-BE49-F238E27FC236}">
+                <a16:creationId xmlns:a16="http://schemas.microsoft.com/office/drawing/2014/main" id="{0F8771CA-51D4-5295-67D5-98A9D4A8AF60}"/>
+              </a:ext>
+            </a:extLst>
+          </p:cNvPr>
+          <p:cNvPicPr>
+            <a:picLocks noChangeAspect="1" noChangeArrowheads="1"/>
+          </p:cNvPicPr>
+          <p:nvPr/>
+        </p:nvPicPr>
+        <p:blipFill>
+          <a:blip r:embed="rId3">
+            <a:extLst>
+              <a:ext uri="{28A0092B-C50C-407E-A947-70E740481C1C}">
+                <a14:useLocalDpi xmlns:a14="http://schemas.microsoft.com/office/drawing/2010/main" val="0"/>
+              </a:ext>
+            </a:extLst>
+          </a:blip>
+          <a:srcRect/>
+          <a:stretch>
+            <a:fillRect/>
+          </a:stretch>
+        </p:blipFill>
+        <p:spPr bwMode="auto">
+          <a:xfrm>
+            <a:off x="574962" y="1712021"/>
+            <a:ext cx="7653415" cy="3639358"/>
+          </a:xfrm>
+          <a:prstGeom prst="rect">
+            <a:avLst/>
+          </a:prstGeom>
+          <a:noFill/>
+          <a:extLst>
+            <a:ext uri="{909E8E84-426E-40DD-AFC4-6F175D3DCCD1}">
+              <a14:hiddenFill xmlns:a14="http://schemas.microsoft.com/office/drawing/2010/main">
+                <a:solidFill>
+                  <a:srgbClr val="FFFFFF"/>
+                </a:solidFill>
+              </a14:hiddenFill>
+            </a:ext>
+          </a:extLst>
+        </p:spPr>
+      </p:pic>
+      <p:sp>
+        <p:nvSpPr>
+          <p:cNvPr id="7" name="Footer Placeholder 1">
+            <a:extLst>
+              <a:ext uri="{FF2B5EF4-FFF2-40B4-BE49-F238E27FC236}">
+                <a16:creationId xmlns:a16="http://schemas.microsoft.com/office/drawing/2014/main" id="{43F05DA9-0A67-80F9-8F8A-9653A17C1F30}"/>
+              </a:ext>
+            </a:extLst>
+          </p:cNvPr>
+          <p:cNvSpPr>
+            <a:spLocks noGrp="1"/>
+          </p:cNvSpPr>
+          <p:nvPr>
+            <p:ph type="ftr" idx="11"/>
+          </p:nvPr>
+        </p:nvSpPr>
+        <p:spPr>
+          <a:xfrm>
+            <a:off x="4572000" y="6506896"/>
+            <a:ext cx="4114800" cy="365125"/>
+          </a:xfrm>
+        </p:spPr>
+        <p:txBody>
+          <a:bodyPr/>
+          <a:lstStyle/>
+          <a:p>
+            <a:r>
+              <a:rPr lang="en-US" dirty="0"/>
+              <a:t>Automating Results</a:t>
+            </a:r>
+          </a:p>
+        </p:txBody>
+      </p:sp>
+    </p:spTree>
+    <p:extLst>
+      <p:ext uri="{BB962C8B-B14F-4D97-AF65-F5344CB8AC3E}">
+        <p14:creationId xmlns:p14="http://schemas.microsoft.com/office/powerpoint/2010/main" val="2002947034"/>
+      </p:ext>
+    </p:extLst>
+  </p:cSld>
+  <p:clrMapOvr>
+    <a:masterClrMapping/>
+  </p:clrMapOvr>
+</p:sld>
+</file>
+
+<file path=ppt/slides/slide18.xml><?xml version="1.0" encoding="utf-8"?>
+<p:sld xmlns:a="http://schemas.openxmlformats.org/drawingml/2006/main" xmlns:r="http://schemas.openxmlformats.org/officeDocument/2006/relationships" xmlns:p="http://schemas.openxmlformats.org/presentationml/2006/main">
+  <p:cSld>
+    <p:spTree>
+      <p:nvGrpSpPr>
+        <p:cNvPr id="1" name="Shape 56"/>
+        <p:cNvGrpSpPr/>
+        <p:nvPr/>
+      </p:nvGrpSpPr>
+      <p:grpSpPr>
+        <a:xfrm>
+          <a:off x="0" y="0"/>
+          <a:ext cx="0" cy="0"/>
+          <a:chOff x="0" y="0"/>
+          <a:chExt cx="0" cy="0"/>
+        </a:xfrm>
+      </p:grpSpPr>
+      <p:sp>
+        <p:nvSpPr>
+          <p:cNvPr id="57" name="Google Shape;57;p9"/>
+          <p:cNvSpPr txBox="1">
+            <a:spLocks noGrp="1"/>
+          </p:cNvSpPr>
+          <p:nvPr>
+            <p:ph type="title"/>
+          </p:nvPr>
+        </p:nvSpPr>
+        <p:spPr>
+          <a:xfrm>
+            <a:off x="457200" y="0"/>
+            <a:ext cx="8229600" cy="1143000"/>
+          </a:xfrm>
+          <a:prstGeom prst="rect">
+            <a:avLst/>
+          </a:prstGeom>
+          <a:noFill/>
+          <a:ln>
+            <a:noFill/>
+          </a:ln>
+        </p:spPr>
+        <p:txBody>
+          <a:bodyPr spcFirstLastPara="1" wrap="square" lIns="91425" tIns="45700" rIns="91425" bIns="45700" anchor="ctr" anchorCtr="0">
+            <a:noAutofit/>
+          </a:bodyPr>
+          <a:lstStyle/>
+          <a:p>
+            <a:pPr marL="0" lvl="0" indent="0" algn="l" rtl="0">
+              <a:lnSpc>
+                <a:spcPct val="100000"/>
+              </a:lnSpc>
+              <a:spcBef>
+                <a:spcPts val="0"/>
+              </a:spcBef>
+              <a:spcAft>
+                <a:spcPts val="0"/>
+              </a:spcAft>
+              <a:buClr>
+                <a:srgbClr val="3D146F"/>
+              </a:buClr>
+              <a:buSzPts val="3200"/>
+              <a:buFont typeface="Arial"/>
+              <a:buNone/>
+            </a:pPr>
+            <a:r>
+              <a:rPr lang="en-US" dirty="0"/>
+              <a:t>R Markdown within </a:t>
+            </a:r>
+            <a:r>
+              <a:rPr lang="en-US" dirty="0" err="1"/>
+              <a:t>Rstudio</a:t>
+            </a:r>
+            <a:endParaRPr dirty="0"/>
+          </a:p>
+        </p:txBody>
+      </p:sp>
+      <p:sp>
+        <p:nvSpPr>
+          <p:cNvPr id="59" name="Google Shape;59;p9"/>
+          <p:cNvSpPr txBox="1">
+            <a:spLocks noGrp="1"/>
+          </p:cNvSpPr>
+          <p:nvPr>
+            <p:ph type="sldNum" idx="12"/>
+          </p:nvPr>
+        </p:nvSpPr>
+        <p:spPr>
+          <a:xfrm>
+            <a:off x="8686800" y="6506896"/>
+            <a:ext cx="416244" cy="365125"/>
+          </a:xfrm>
+          <a:prstGeom prst="rect">
+            <a:avLst/>
+          </a:prstGeom>
+          <a:noFill/>
+          <a:ln>
+            <a:noFill/>
+          </a:ln>
+        </p:spPr>
+        <p:txBody>
+          <a:bodyPr spcFirstLastPara="1" wrap="square" lIns="91425" tIns="45700" rIns="91425" bIns="45700" anchor="ctr" anchorCtr="0">
+            <a:noAutofit/>
+          </a:bodyPr>
+          <a:lstStyle/>
+          <a:p>
+            <a:pPr marL="0" lvl="0" indent="0" algn="r" rtl="0">
+              <a:lnSpc>
+                <a:spcPct val="100000"/>
+              </a:lnSpc>
+              <a:spcBef>
+                <a:spcPts val="0"/>
+              </a:spcBef>
+              <a:spcAft>
+                <a:spcPts val="0"/>
+              </a:spcAft>
+              <a:buSzPts val="1000"/>
+              <a:buNone/>
+            </a:pPr>
+            <a:fld id="{00000000-1234-1234-1234-123412341234}" type="slidenum">
+              <a:rPr lang="en-US"/>
+              <a:t>18</a:t>
             </a:fld>
             <a:endParaRPr/>
           </a:p>
@@ -14556,7 +16149,7 @@
 </p:sld>
 </file>
 
-<file path=ppt/slides/slide17.xml><?xml version="1.0" encoding="utf-8"?>
+<file path=ppt/slides/slide19.xml><?xml version="1.0" encoding="utf-8"?>
 <p:sld xmlns:a="http://schemas.openxmlformats.org/drawingml/2006/main" xmlns:r="http://schemas.openxmlformats.org/officeDocument/2006/relationships" xmlns:p="http://schemas.openxmlformats.org/presentationml/2006/main">
   <p:cSld>
     <p:spTree>
@@ -14671,7 +16264,7 @@
             </a:pPr>
             <a:fld id="{00000000-1234-1234-1234-123412341234}" type="slidenum">
               <a:rPr lang="en-US"/>
-              <a:t>17</a:t>
+              <a:t>19</a:t>
             </a:fld>
             <a:endParaRPr/>
           </a:p>
@@ -15138,7 +16731,199 @@
 </p:sld>
 </file>
 
-<file path=ppt/slides/slide18.xml><?xml version="1.0" encoding="utf-8"?>
+<file path=ppt/slides/slide2.xml><?xml version="1.0" encoding="utf-8"?>
+<p:sld xmlns:a="http://schemas.openxmlformats.org/drawingml/2006/main" xmlns:r="http://schemas.openxmlformats.org/officeDocument/2006/relationships" xmlns:p="http://schemas.openxmlformats.org/presentationml/2006/main">
+  <p:cSld>
+    <p:spTree>
+      <p:nvGrpSpPr>
+        <p:cNvPr id="1" name="Shape 55"/>
+        <p:cNvGrpSpPr/>
+        <p:nvPr/>
+      </p:nvGrpSpPr>
+      <p:grpSpPr>
+        <a:xfrm>
+          <a:off x="0" y="0"/>
+          <a:ext cx="0" cy="0"/>
+          <a:chOff x="0" y="0"/>
+          <a:chExt cx="0" cy="0"/>
+        </a:xfrm>
+      </p:grpSpPr>
+      <p:sp>
+        <p:nvSpPr>
+          <p:cNvPr id="56" name="Google Shape;56;p2"/>
+          <p:cNvSpPr txBox="1">
+            <a:spLocks noGrp="1"/>
+          </p:cNvSpPr>
+          <p:nvPr>
+            <p:ph type="title"/>
+          </p:nvPr>
+        </p:nvSpPr>
+        <p:spPr>
+          <a:xfrm>
+            <a:off x="457200" y="0"/>
+            <a:ext cx="8229600" cy="1143000"/>
+          </a:xfrm>
+          <a:prstGeom prst="rect">
+            <a:avLst/>
+          </a:prstGeom>
+          <a:noFill/>
+          <a:ln>
+            <a:noFill/>
+          </a:ln>
+        </p:spPr>
+        <p:txBody>
+          <a:bodyPr spcFirstLastPara="1" wrap="square" lIns="91425" tIns="45700" rIns="91425" bIns="45700" anchor="ctr" anchorCtr="0">
+            <a:noAutofit/>
+          </a:bodyPr>
+          <a:lstStyle/>
+          <a:p>
+            <a:pPr marL="0" lvl="0" indent="0" algn="l" rtl="0">
+              <a:lnSpc>
+                <a:spcPct val="100000"/>
+              </a:lnSpc>
+              <a:spcBef>
+                <a:spcPts val="0"/>
+              </a:spcBef>
+              <a:spcAft>
+                <a:spcPts val="0"/>
+              </a:spcAft>
+              <a:buClr>
+                <a:srgbClr val="3D146F"/>
+              </a:buClr>
+              <a:buSzPts val="3200"/>
+              <a:buFont typeface="Arial"/>
+              <a:buNone/>
+            </a:pPr>
+            <a:r>
+              <a:rPr lang="en-US" dirty="0"/>
+              <a:t>Automating Papers</a:t>
+            </a:r>
+            <a:endParaRPr dirty="0"/>
+          </a:p>
+        </p:txBody>
+      </p:sp>
+      <p:sp>
+        <p:nvSpPr>
+          <p:cNvPr id="58" name="Google Shape;58;p2"/>
+          <p:cNvSpPr txBox="1">
+            <a:spLocks noGrp="1"/>
+          </p:cNvSpPr>
+          <p:nvPr>
+            <p:ph type="sldNum" idx="12"/>
+          </p:nvPr>
+        </p:nvSpPr>
+        <p:spPr>
+          <a:xfrm>
+            <a:off x="8686800" y="6506896"/>
+            <a:ext cx="416244" cy="365125"/>
+          </a:xfrm>
+          <a:prstGeom prst="rect">
+            <a:avLst/>
+          </a:prstGeom>
+          <a:noFill/>
+          <a:ln>
+            <a:noFill/>
+          </a:ln>
+        </p:spPr>
+        <p:txBody>
+          <a:bodyPr spcFirstLastPara="1" wrap="square" lIns="91425" tIns="45700" rIns="91425" bIns="45700" anchor="ctr" anchorCtr="0">
+            <a:noAutofit/>
+          </a:bodyPr>
+          <a:lstStyle/>
+          <a:p>
+            <a:pPr marL="0" lvl="0" indent="0" algn="r" rtl="0">
+              <a:lnSpc>
+                <a:spcPct val="100000"/>
+              </a:lnSpc>
+              <a:spcBef>
+                <a:spcPts val="0"/>
+              </a:spcBef>
+              <a:spcAft>
+                <a:spcPts val="0"/>
+              </a:spcAft>
+              <a:buSzPts val="1000"/>
+              <a:buNone/>
+            </a:pPr>
+            <a:fld id="{00000000-1234-1234-1234-123412341234}" type="slidenum">
+              <a:rPr lang="en-US"/>
+              <a:t>2</a:t>
+            </a:fld>
+            <a:endParaRPr/>
+          </a:p>
+        </p:txBody>
+      </p:sp>
+      <p:sp>
+        <p:nvSpPr>
+          <p:cNvPr id="2" name="Footer Placeholder 1">
+            <a:extLst>
+              <a:ext uri="{FF2B5EF4-FFF2-40B4-BE49-F238E27FC236}">
+                <a16:creationId xmlns:a16="http://schemas.microsoft.com/office/drawing/2014/main" id="{60DC7831-8AF5-C7AC-BD81-5F39F900493B}"/>
+              </a:ext>
+            </a:extLst>
+          </p:cNvPr>
+          <p:cNvSpPr>
+            <a:spLocks noGrp="1"/>
+          </p:cNvSpPr>
+          <p:nvPr>
+            <p:ph type="ftr" idx="11"/>
+          </p:nvPr>
+        </p:nvSpPr>
+        <p:spPr>
+          <a:xfrm>
+            <a:off x="4572000" y="6506896"/>
+            <a:ext cx="4114800" cy="365125"/>
+          </a:xfrm>
+        </p:spPr>
+        <p:txBody>
+          <a:bodyPr/>
+          <a:lstStyle/>
+          <a:p>
+            <a:r>
+              <a:rPr lang="en-US" dirty="0"/>
+              <a:t>Automating Results</a:t>
+            </a:r>
+          </a:p>
+        </p:txBody>
+      </p:sp>
+      <p:pic>
+        <p:nvPicPr>
+          <p:cNvPr id="6" name="Picture 5" descr="A picture containing text&#10;&#10;Description automatically generated">
+            <a:extLst>
+              <a:ext uri="{FF2B5EF4-FFF2-40B4-BE49-F238E27FC236}">
+                <a16:creationId xmlns:a16="http://schemas.microsoft.com/office/drawing/2014/main" id="{D9322602-1564-804F-8A59-795398A0CA07}"/>
+              </a:ext>
+            </a:extLst>
+          </p:cNvPr>
+          <p:cNvPicPr>
+            <a:picLocks noChangeAspect="1"/>
+          </p:cNvPicPr>
+          <p:nvPr/>
+        </p:nvPicPr>
+        <p:blipFill>
+          <a:blip r:embed="rId3"/>
+          <a:stretch>
+            <a:fillRect/>
+          </a:stretch>
+        </p:blipFill>
+        <p:spPr>
+          <a:xfrm>
+            <a:off x="1130530" y="1163782"/>
+            <a:ext cx="6533804" cy="4895966"/>
+          </a:xfrm>
+          <a:prstGeom prst="rect">
+            <a:avLst/>
+          </a:prstGeom>
+        </p:spPr>
+      </p:pic>
+    </p:spTree>
+  </p:cSld>
+  <p:clrMapOvr>
+    <a:masterClrMapping/>
+  </p:clrMapOvr>
+</p:sld>
+</file>
+
+<file path=ppt/slides/slide20.xml><?xml version="1.0" encoding="utf-8"?>
 <p:sld xmlns:a="http://schemas.openxmlformats.org/drawingml/2006/main" xmlns:r="http://schemas.openxmlformats.org/officeDocument/2006/relationships" xmlns:p="http://schemas.openxmlformats.org/presentationml/2006/main">
   <p:cSld>
     <p:spTree>
@@ -15253,7 +17038,7 @@
             </a:pPr>
             <a:fld id="{00000000-1234-1234-1234-123412341234}" type="slidenum">
               <a:rPr lang="en-US"/>
-              <a:t>18</a:t>
+              <a:t>20</a:t>
             </a:fld>
             <a:endParaRPr/>
           </a:p>
@@ -16246,696 +18031,6 @@
         <p14:creationId xmlns:p14="http://schemas.microsoft.com/office/powerpoint/2010/main" val="3935430880"/>
       </p:ext>
     </p:extLst>
-  </p:cSld>
-  <p:clrMapOvr>
-    <a:masterClrMapping/>
-  </p:clrMapOvr>
-</p:sld>
-</file>
-
-<file path=ppt/slides/slide19.xml><?xml version="1.0" encoding="utf-8"?>
-<p:sld xmlns:a="http://schemas.openxmlformats.org/drawingml/2006/main" xmlns:r="http://schemas.openxmlformats.org/officeDocument/2006/relationships" xmlns:p="http://schemas.openxmlformats.org/presentationml/2006/main">
-  <p:cSld>
-    <p:spTree>
-      <p:nvGrpSpPr>
-        <p:cNvPr id="1" name=""/>
-        <p:cNvGrpSpPr/>
-        <p:nvPr/>
-      </p:nvGrpSpPr>
-      <p:grpSpPr>
-        <a:xfrm>
-          <a:off x="0" y="0"/>
-          <a:ext cx="0" cy="0"/>
-          <a:chOff x="0" y="0"/>
-          <a:chExt cx="0" cy="0"/>
-        </a:xfrm>
-      </p:grpSpPr>
-      <p:sp>
-        <p:nvSpPr>
-          <p:cNvPr id="3" name="Text Placeholder 2">
-            <a:extLst>
-              <a:ext uri="{FF2B5EF4-FFF2-40B4-BE49-F238E27FC236}">
-                <a16:creationId xmlns:a16="http://schemas.microsoft.com/office/drawing/2014/main" id="{260A9A2C-F016-9F7E-FBF4-AD32DF3E1D69}"/>
-              </a:ext>
-            </a:extLst>
-          </p:cNvPr>
-          <p:cNvSpPr>
-            <a:spLocks noGrp="1"/>
-          </p:cNvSpPr>
-          <p:nvPr>
-            <p:ph type="body" idx="1"/>
-          </p:nvPr>
-        </p:nvSpPr>
-        <p:spPr>
-          <a:xfrm>
-            <a:off x="0" y="-2719"/>
-            <a:ext cx="9144000" cy="6524883"/>
-          </a:xfrm>
-          <a:solidFill>
-            <a:srgbClr val="7030A0"/>
-          </a:solidFill>
-        </p:spPr>
-        <p:txBody>
-          <a:bodyPr spcFirstLastPara="1" wrap="square" lIns="91425" tIns="45700" rIns="91425" bIns="45700" anchor="ctr" anchorCtr="0">
-            <a:noAutofit/>
-          </a:bodyPr>
-          <a:lstStyle/>
-          <a:p>
-            <a:pPr marL="114300" indent="0" algn="ctr">
-              <a:buNone/>
-            </a:pPr>
-            <a:r>
-              <a:rPr lang="en-US" dirty="0">
-                <a:solidFill>
-                  <a:srgbClr val="FFFFFF"/>
-                </a:solidFill>
-              </a:rPr>
-              <a:t>Appendix</a:t>
-            </a:r>
-          </a:p>
-        </p:txBody>
-      </p:sp>
-      <p:sp>
-        <p:nvSpPr>
-          <p:cNvPr id="5" name="Slide Number Placeholder 4">
-            <a:extLst>
-              <a:ext uri="{FF2B5EF4-FFF2-40B4-BE49-F238E27FC236}">
-                <a16:creationId xmlns:a16="http://schemas.microsoft.com/office/drawing/2014/main" id="{D3611BF0-AAA1-2EE9-F80C-6B809FC36E83}"/>
-              </a:ext>
-            </a:extLst>
-          </p:cNvPr>
-          <p:cNvSpPr>
-            <a:spLocks noGrp="1"/>
-          </p:cNvSpPr>
-          <p:nvPr>
-            <p:ph type="sldNum" idx="12"/>
-          </p:nvPr>
-        </p:nvSpPr>
-        <p:spPr/>
-        <p:txBody>
-          <a:bodyPr/>
-          <a:lstStyle/>
-          <a:p>
-            <a:pPr marL="0" lvl="0" indent="0" algn="r" rtl="0">
-              <a:spcBef>
-                <a:spcPts val="0"/>
-              </a:spcBef>
-              <a:spcAft>
-                <a:spcPts val="0"/>
-              </a:spcAft>
-              <a:buNone/>
-            </a:pPr>
-            <a:fld id="{00000000-1234-1234-1234-123412341234}" type="slidenum">
-              <a:rPr lang="en-US"/>
-              <a:t>19</a:t>
-            </a:fld>
-            <a:endParaRPr lang="en-US"/>
-          </a:p>
-        </p:txBody>
-      </p:sp>
-      <p:sp>
-        <p:nvSpPr>
-          <p:cNvPr id="4" name="Footer Placeholder 1">
-            <a:extLst>
-              <a:ext uri="{FF2B5EF4-FFF2-40B4-BE49-F238E27FC236}">
-                <a16:creationId xmlns:a16="http://schemas.microsoft.com/office/drawing/2014/main" id="{5DAA7314-1ED8-1F74-A367-EA36516D063F}"/>
-              </a:ext>
-            </a:extLst>
-          </p:cNvPr>
-          <p:cNvSpPr>
-            <a:spLocks noGrp="1"/>
-          </p:cNvSpPr>
-          <p:nvPr>
-            <p:ph type="ftr" idx="11"/>
-          </p:nvPr>
-        </p:nvSpPr>
-        <p:spPr>
-          <a:xfrm>
-            <a:off x="4572000" y="6506896"/>
-            <a:ext cx="4114800" cy="365125"/>
-          </a:xfrm>
-        </p:spPr>
-        <p:txBody>
-          <a:bodyPr/>
-          <a:lstStyle/>
-          <a:p>
-            <a:r>
-              <a:rPr lang="en-US" dirty="0"/>
-              <a:t>Automating Results</a:t>
-            </a:r>
-          </a:p>
-        </p:txBody>
-      </p:sp>
-    </p:spTree>
-    <p:extLst>
-      <p:ext uri="{BB962C8B-B14F-4D97-AF65-F5344CB8AC3E}">
-        <p14:creationId xmlns:p14="http://schemas.microsoft.com/office/powerpoint/2010/main" val="1488450943"/>
-      </p:ext>
-    </p:extLst>
-  </p:cSld>
-  <p:clrMapOvr>
-    <a:masterClrMapping/>
-  </p:clrMapOvr>
-</p:sld>
-</file>
-
-<file path=ppt/slides/slide2.xml><?xml version="1.0" encoding="utf-8"?>
-<p:sld xmlns:a="http://schemas.openxmlformats.org/drawingml/2006/main" xmlns:r="http://schemas.openxmlformats.org/officeDocument/2006/relationships" xmlns:p="http://schemas.openxmlformats.org/presentationml/2006/main">
-  <p:cSld>
-    <p:spTree>
-      <p:nvGrpSpPr>
-        <p:cNvPr id="1" name="Shape 55"/>
-        <p:cNvGrpSpPr/>
-        <p:nvPr/>
-      </p:nvGrpSpPr>
-      <p:grpSpPr>
-        <a:xfrm>
-          <a:off x="0" y="0"/>
-          <a:ext cx="0" cy="0"/>
-          <a:chOff x="0" y="0"/>
-          <a:chExt cx="0" cy="0"/>
-        </a:xfrm>
-      </p:grpSpPr>
-      <p:sp>
-        <p:nvSpPr>
-          <p:cNvPr id="56" name="Google Shape;56;p2"/>
-          <p:cNvSpPr txBox="1">
-            <a:spLocks noGrp="1"/>
-          </p:cNvSpPr>
-          <p:nvPr>
-            <p:ph type="title"/>
-          </p:nvPr>
-        </p:nvSpPr>
-        <p:spPr>
-          <a:xfrm>
-            <a:off x="457200" y="0"/>
-            <a:ext cx="8229600" cy="1143000"/>
-          </a:xfrm>
-          <a:prstGeom prst="rect">
-            <a:avLst/>
-          </a:prstGeom>
-          <a:noFill/>
-          <a:ln>
-            <a:noFill/>
-          </a:ln>
-        </p:spPr>
-        <p:txBody>
-          <a:bodyPr spcFirstLastPara="1" wrap="square" lIns="91425" tIns="45700" rIns="91425" bIns="45700" anchor="ctr" anchorCtr="0">
-            <a:noAutofit/>
-          </a:bodyPr>
-          <a:lstStyle/>
-          <a:p>
-            <a:pPr marL="0" lvl="0" indent="0" algn="l" rtl="0">
-              <a:lnSpc>
-                <a:spcPct val="100000"/>
-              </a:lnSpc>
-              <a:spcBef>
-                <a:spcPts val="0"/>
-              </a:spcBef>
-              <a:spcAft>
-                <a:spcPts val="0"/>
-              </a:spcAft>
-              <a:buClr>
-                <a:srgbClr val="3D146F"/>
-              </a:buClr>
-              <a:buSzPts val="3200"/>
-              <a:buFont typeface="Arial"/>
-              <a:buNone/>
-            </a:pPr>
-            <a:r>
-              <a:rPr lang="en-US" dirty="0"/>
-              <a:t>Automating Papers</a:t>
-            </a:r>
-            <a:endParaRPr dirty="0"/>
-          </a:p>
-        </p:txBody>
-      </p:sp>
-      <p:sp>
-        <p:nvSpPr>
-          <p:cNvPr id="58" name="Google Shape;58;p2"/>
-          <p:cNvSpPr txBox="1">
-            <a:spLocks noGrp="1"/>
-          </p:cNvSpPr>
-          <p:nvPr>
-            <p:ph type="sldNum" idx="12"/>
-          </p:nvPr>
-        </p:nvSpPr>
-        <p:spPr>
-          <a:xfrm>
-            <a:off x="8686800" y="6506896"/>
-            <a:ext cx="416244" cy="365125"/>
-          </a:xfrm>
-          <a:prstGeom prst="rect">
-            <a:avLst/>
-          </a:prstGeom>
-          <a:noFill/>
-          <a:ln>
-            <a:noFill/>
-          </a:ln>
-        </p:spPr>
-        <p:txBody>
-          <a:bodyPr spcFirstLastPara="1" wrap="square" lIns="91425" tIns="45700" rIns="91425" bIns="45700" anchor="ctr" anchorCtr="0">
-            <a:noAutofit/>
-          </a:bodyPr>
-          <a:lstStyle/>
-          <a:p>
-            <a:pPr marL="0" lvl="0" indent="0" algn="r" rtl="0">
-              <a:lnSpc>
-                <a:spcPct val="100000"/>
-              </a:lnSpc>
-              <a:spcBef>
-                <a:spcPts val="0"/>
-              </a:spcBef>
-              <a:spcAft>
-                <a:spcPts val="0"/>
-              </a:spcAft>
-              <a:buSzPts val="1000"/>
-              <a:buNone/>
-            </a:pPr>
-            <a:fld id="{00000000-1234-1234-1234-123412341234}" type="slidenum">
-              <a:rPr lang="en-US"/>
-              <a:t>2</a:t>
-            </a:fld>
-            <a:endParaRPr/>
-          </a:p>
-        </p:txBody>
-      </p:sp>
-      <p:sp>
-        <p:nvSpPr>
-          <p:cNvPr id="2" name="Footer Placeholder 1">
-            <a:extLst>
-              <a:ext uri="{FF2B5EF4-FFF2-40B4-BE49-F238E27FC236}">
-                <a16:creationId xmlns:a16="http://schemas.microsoft.com/office/drawing/2014/main" id="{60DC7831-8AF5-C7AC-BD81-5F39F900493B}"/>
-              </a:ext>
-            </a:extLst>
-          </p:cNvPr>
-          <p:cNvSpPr>
-            <a:spLocks noGrp="1"/>
-          </p:cNvSpPr>
-          <p:nvPr>
-            <p:ph type="ftr" idx="11"/>
-          </p:nvPr>
-        </p:nvSpPr>
-        <p:spPr>
-          <a:xfrm>
-            <a:off x="4572000" y="6506896"/>
-            <a:ext cx="4114800" cy="365125"/>
-          </a:xfrm>
-        </p:spPr>
-        <p:txBody>
-          <a:bodyPr/>
-          <a:lstStyle/>
-          <a:p>
-            <a:r>
-              <a:rPr lang="en-US" dirty="0"/>
-              <a:t>Automating Results</a:t>
-            </a:r>
-          </a:p>
-        </p:txBody>
-      </p:sp>
-      <p:pic>
-        <p:nvPicPr>
-          <p:cNvPr id="6" name="Picture 5" descr="A picture containing text&#10;&#10;Description automatically generated">
-            <a:extLst>
-              <a:ext uri="{FF2B5EF4-FFF2-40B4-BE49-F238E27FC236}">
-                <a16:creationId xmlns:a16="http://schemas.microsoft.com/office/drawing/2014/main" id="{D9322602-1564-804F-8A59-795398A0CA07}"/>
-              </a:ext>
-            </a:extLst>
-          </p:cNvPr>
-          <p:cNvPicPr>
-            <a:picLocks noChangeAspect="1"/>
-          </p:cNvPicPr>
-          <p:nvPr/>
-        </p:nvPicPr>
-        <p:blipFill>
-          <a:blip r:embed="rId3"/>
-          <a:stretch>
-            <a:fillRect/>
-          </a:stretch>
-        </p:blipFill>
-        <p:spPr>
-          <a:xfrm>
-            <a:off x="1130530" y="1163782"/>
-            <a:ext cx="6533804" cy="4895966"/>
-          </a:xfrm>
-          <a:prstGeom prst="rect">
-            <a:avLst/>
-          </a:prstGeom>
-        </p:spPr>
-      </p:pic>
-    </p:spTree>
-  </p:cSld>
-  <p:clrMapOvr>
-    <a:masterClrMapping/>
-  </p:clrMapOvr>
-</p:sld>
-</file>
-
-<file path=ppt/slides/slide20.xml><?xml version="1.0" encoding="utf-8"?>
-<p:sld xmlns:a="http://schemas.openxmlformats.org/drawingml/2006/main" xmlns:r="http://schemas.openxmlformats.org/officeDocument/2006/relationships" xmlns:p="http://schemas.openxmlformats.org/presentationml/2006/main">
-  <p:cSld>
-    <p:spTree>
-      <p:nvGrpSpPr>
-        <p:cNvPr id="1" name="Shape 175"/>
-        <p:cNvGrpSpPr/>
-        <p:nvPr/>
-      </p:nvGrpSpPr>
-      <p:grpSpPr>
-        <a:xfrm>
-          <a:off x="0" y="0"/>
-          <a:ext cx="0" cy="0"/>
-          <a:chOff x="0" y="0"/>
-          <a:chExt cx="0" cy="0"/>
-        </a:xfrm>
-      </p:grpSpPr>
-      <p:sp>
-        <p:nvSpPr>
-          <p:cNvPr id="176" name="Google Shape;176;ge6d407e7a1_0_73"/>
-          <p:cNvSpPr txBox="1">
-            <a:spLocks noGrp="1"/>
-          </p:cNvSpPr>
-          <p:nvPr>
-            <p:ph type="title"/>
-          </p:nvPr>
-        </p:nvSpPr>
-        <p:spPr>
-          <a:xfrm>
-            <a:off x="457200" y="0"/>
-            <a:ext cx="8645700" cy="1143000"/>
-          </a:xfrm>
-          <a:prstGeom prst="rect">
-            <a:avLst/>
-          </a:prstGeom>
-          <a:noFill/>
-          <a:ln>
-            <a:noFill/>
-          </a:ln>
-        </p:spPr>
-        <p:txBody>
-          <a:bodyPr spcFirstLastPara="1" wrap="square" lIns="91425" tIns="45700" rIns="91425" bIns="45700" anchor="ctr" anchorCtr="0">
-            <a:noAutofit/>
-          </a:bodyPr>
-          <a:lstStyle/>
-          <a:p>
-            <a:pPr marL="0" lvl="0" indent="0" algn="l" rtl="0">
-              <a:lnSpc>
-                <a:spcPct val="100000"/>
-              </a:lnSpc>
-              <a:spcBef>
-                <a:spcPts val="0"/>
-              </a:spcBef>
-              <a:spcAft>
-                <a:spcPts val="0"/>
-              </a:spcAft>
-              <a:buSzPts val="3200"/>
-              <a:buNone/>
-            </a:pPr>
-            <a:r>
-              <a:rPr lang="en-US" dirty="0"/>
-              <a:t>Appendix – LaTeX/Markdown Resources</a:t>
-            </a:r>
-            <a:endParaRPr dirty="0"/>
-          </a:p>
-        </p:txBody>
-      </p:sp>
-      <p:sp>
-        <p:nvSpPr>
-          <p:cNvPr id="178" name="Google Shape;178;ge6d407e7a1_0_73"/>
-          <p:cNvSpPr txBox="1">
-            <a:spLocks noGrp="1"/>
-          </p:cNvSpPr>
-          <p:nvPr>
-            <p:ph type="sldNum" idx="12"/>
-          </p:nvPr>
-        </p:nvSpPr>
-        <p:spPr>
-          <a:xfrm>
-            <a:off x="8686800" y="6506896"/>
-            <a:ext cx="416100" cy="365100"/>
-          </a:xfrm>
-          <a:prstGeom prst="rect">
-            <a:avLst/>
-          </a:prstGeom>
-          <a:noFill/>
-          <a:ln>
-            <a:noFill/>
-          </a:ln>
-        </p:spPr>
-        <p:txBody>
-          <a:bodyPr spcFirstLastPara="1" wrap="square" lIns="91425" tIns="45700" rIns="91425" bIns="45700" anchor="ctr" anchorCtr="0">
-            <a:noAutofit/>
-          </a:bodyPr>
-          <a:lstStyle/>
-          <a:p>
-            <a:pPr marL="0" lvl="0" indent="0" algn="r" rtl="0">
-              <a:lnSpc>
-                <a:spcPct val="100000"/>
-              </a:lnSpc>
-              <a:spcBef>
-                <a:spcPts val="0"/>
-              </a:spcBef>
-              <a:spcAft>
-                <a:spcPts val="0"/>
-              </a:spcAft>
-              <a:buSzPts val="1000"/>
-              <a:buNone/>
-            </a:pPr>
-            <a:fld id="{00000000-1234-1234-1234-123412341234}" type="slidenum">
-              <a:rPr lang="en-US"/>
-              <a:t>20</a:t>
-            </a:fld>
-            <a:endParaRPr/>
-          </a:p>
-        </p:txBody>
-      </p:sp>
-      <p:sp>
-        <p:nvSpPr>
-          <p:cNvPr id="179" name="Google Shape;179;ge6d407e7a1_0_73"/>
-          <p:cNvSpPr txBox="1"/>
-          <p:nvPr/>
-        </p:nvSpPr>
-        <p:spPr>
-          <a:xfrm>
-            <a:off x="457200" y="827000"/>
-            <a:ext cx="7340400" cy="6263223"/>
-          </a:xfrm>
-          <a:prstGeom prst="rect">
-            <a:avLst/>
-          </a:prstGeom>
-          <a:noFill/>
-          <a:ln>
-            <a:noFill/>
-          </a:ln>
-        </p:spPr>
-        <p:txBody>
-          <a:bodyPr spcFirstLastPara="1" wrap="square" lIns="91425" tIns="91425" rIns="91425" bIns="91425" anchor="t" anchorCtr="0">
-            <a:spAutoFit/>
-          </a:bodyPr>
-          <a:lstStyle/>
-          <a:p>
-            <a:r>
-              <a:rPr lang="en-US" sz="1800" dirty="0"/>
-              <a:t>Getting Started with Latex: </a:t>
-            </a:r>
-          </a:p>
-          <a:p>
-            <a:r>
-              <a:rPr lang="en-US" sz="1800" dirty="0">
-                <a:hlinkClick r:id="rId3"/>
-              </a:rPr>
-              <a:t>https://www.latex-project.org/get/#tex-distributions</a:t>
-            </a:r>
-            <a:r>
-              <a:rPr lang="en-US" sz="1800" dirty="0"/>
-              <a:t> </a:t>
-            </a:r>
-          </a:p>
-          <a:p>
-            <a:endParaRPr lang="en-US" sz="1800" dirty="0"/>
-          </a:p>
-          <a:p>
-            <a:r>
-              <a:rPr lang="en-US" sz="1800" dirty="0"/>
-              <a:t>Online Latex Editor: </a:t>
-            </a:r>
-            <a:r>
-              <a:rPr lang="en-US" sz="1800" dirty="0">
-                <a:hlinkClick r:id="rId4"/>
-              </a:rPr>
-              <a:t>https://www.tutorialspoint.com/online_latex_editor.php</a:t>
-            </a:r>
-            <a:r>
-              <a:rPr lang="en-US" sz="1800" dirty="0"/>
-              <a:t> </a:t>
-            </a:r>
-          </a:p>
-          <a:p>
-            <a:endParaRPr lang="en-US" sz="1800" dirty="0"/>
-          </a:p>
-          <a:p>
-            <a:r>
-              <a:rPr lang="en-US" sz="1800" dirty="0" err="1"/>
-              <a:t>Texlive</a:t>
-            </a:r>
-            <a:r>
-              <a:rPr lang="en-US" sz="1800" dirty="0"/>
-              <a:t> on a Linux Server: </a:t>
-            </a:r>
-          </a:p>
-          <a:p>
-            <a:r>
-              <a:rPr lang="en-US" sz="1800" dirty="0">
-                <a:hlinkClick r:id="rId5"/>
-              </a:rPr>
-              <a:t>https://www.tug.org/texlive/</a:t>
-            </a:r>
-            <a:r>
-              <a:rPr lang="en-US" sz="1800" dirty="0"/>
-              <a:t> </a:t>
-            </a:r>
-          </a:p>
-          <a:p>
-            <a:r>
-              <a:rPr lang="en-US" sz="1800" dirty="0">
-                <a:hlinkClick r:id="rId6"/>
-              </a:rPr>
-              <a:t>https://www.linuxfordevices.com/tutorials/ubuntu/install-tex-live-texmaker</a:t>
-            </a:r>
-            <a:endParaRPr lang="en-US" sz="1800" dirty="0"/>
-          </a:p>
-          <a:p>
-            <a:endParaRPr lang="en-US" sz="1800" dirty="0"/>
-          </a:p>
-          <a:p>
-            <a:r>
-              <a:rPr lang="en-US" sz="1800" dirty="0"/>
-              <a:t>R Markdown and </a:t>
-            </a:r>
-            <a:r>
-              <a:rPr lang="en-US" sz="1800" dirty="0" err="1"/>
-              <a:t>Knitr</a:t>
-            </a:r>
-            <a:endParaRPr lang="en-US" sz="1800" dirty="0"/>
-          </a:p>
-          <a:p>
-            <a:r>
-              <a:rPr lang="en-US" sz="1800" dirty="0">
-                <a:hlinkClick r:id="rId7"/>
-              </a:rPr>
-              <a:t>https://www.r-bloggers.com/2015/12/r-markdown-and-knitr-tutorial-part-1/</a:t>
-            </a:r>
-            <a:r>
-              <a:rPr lang="en-US" sz="1800" dirty="0"/>
-              <a:t> </a:t>
-            </a:r>
-          </a:p>
-          <a:p>
-            <a:endParaRPr lang="en-US" sz="1800" dirty="0"/>
-          </a:p>
-          <a:p>
-            <a:r>
-              <a:rPr lang="en-US" sz="1800" dirty="0"/>
-              <a:t>Python with Latex: </a:t>
-            </a:r>
-            <a:r>
-              <a:rPr lang="en-US" sz="1800" dirty="0">
-                <a:hlinkClick r:id="rId8"/>
-              </a:rPr>
-              <a:t>https://github.com/gpoore/pythontex</a:t>
-            </a:r>
-            <a:r>
-              <a:rPr lang="en-US" sz="1800" dirty="0"/>
-              <a:t> </a:t>
-            </a:r>
-          </a:p>
-          <a:p>
-            <a:r>
-              <a:rPr lang="en-US" sz="1800" dirty="0">
-                <a:hlinkClick r:id="rId9"/>
-              </a:rPr>
-              <a:t>https://www.geeksforgeeks.org/pylatex-module-in-python/?ref=lbp</a:t>
-            </a:r>
-            <a:r>
-              <a:rPr lang="en-US" sz="1800" dirty="0"/>
-              <a:t>  </a:t>
-            </a:r>
-          </a:p>
-          <a:p>
-            <a:endParaRPr lang="en-US" sz="1800" dirty="0"/>
-          </a:p>
-          <a:p>
-            <a:r>
-              <a:rPr lang="en-US" sz="1800" dirty="0"/>
-              <a:t>Stata Markdown</a:t>
-            </a:r>
-          </a:p>
-          <a:p>
-            <a:r>
-              <a:rPr lang="en-US" sz="1800" dirty="0">
-                <a:hlinkClick r:id="rId10"/>
-              </a:rPr>
-              <a:t>https://data.princeton.edu/stata/markdown</a:t>
-            </a:r>
-            <a:r>
-              <a:rPr lang="en-US" sz="1800" dirty="0"/>
-              <a:t> </a:t>
-            </a:r>
-          </a:p>
-          <a:p>
-            <a:endParaRPr lang="en-US" sz="1800" dirty="0"/>
-          </a:p>
-          <a:p>
-            <a:pPr marL="0" lvl="0" indent="0" algn="l" rtl="0">
-              <a:spcBef>
-                <a:spcPts val="0"/>
-              </a:spcBef>
-              <a:spcAft>
-                <a:spcPts val="0"/>
-              </a:spcAft>
-              <a:buNone/>
-            </a:pPr>
-            <a:endParaRPr sz="1700" dirty="0">
-              <a:solidFill>
-                <a:schemeClr val="dk1"/>
-              </a:solidFill>
-            </a:endParaRPr>
-          </a:p>
-        </p:txBody>
-      </p:sp>
-      <p:sp>
-        <p:nvSpPr>
-          <p:cNvPr id="2" name="Footer Placeholder 1">
-            <a:extLst>
-              <a:ext uri="{FF2B5EF4-FFF2-40B4-BE49-F238E27FC236}">
-                <a16:creationId xmlns:a16="http://schemas.microsoft.com/office/drawing/2014/main" id="{B500FD9C-686C-2F91-F774-9AFF913444B8}"/>
-              </a:ext>
-            </a:extLst>
-          </p:cNvPr>
-          <p:cNvSpPr>
-            <a:spLocks noGrp="1"/>
-          </p:cNvSpPr>
-          <p:nvPr>
-            <p:ph type="ftr" idx="11"/>
-          </p:nvPr>
-        </p:nvSpPr>
-        <p:spPr>
-          <a:xfrm>
-            <a:off x="4572000" y="6506896"/>
-            <a:ext cx="4114800" cy="365125"/>
-          </a:xfrm>
-        </p:spPr>
-        <p:txBody>
-          <a:bodyPr/>
-          <a:lstStyle/>
-          <a:p>
-            <a:r>
-              <a:rPr lang="en-US" dirty="0"/>
-              <a:t>Automating Results</a:t>
-            </a:r>
-          </a:p>
-        </p:txBody>
-      </p:sp>
-    </p:spTree>
   </p:cSld>
   <p:clrMapOvr>
     <a:masterClrMapping/>
@@ -17004,7 +18099,7 @@
             </a:pPr>
             <a:r>
               <a:rPr lang="en-US" dirty="0"/>
-              <a:t>Appendix: Git Clone Workshop to KLC</a:t>
+              <a:t>Exercise 2 – Teaching with Markdown</a:t>
             </a:r>
             <a:endParaRPr dirty="0"/>
           </a:p>
@@ -17055,6 +18150,714 @@
             <a:fld id="{00000000-1234-1234-1234-123412341234}" type="slidenum">
               <a:rPr lang="en-US"/>
               <a:t>21</a:t>
+            </a:fld>
+            <a:endParaRPr/>
+          </a:p>
+        </p:txBody>
+      </p:sp>
+      <p:sp>
+        <p:nvSpPr>
+          <p:cNvPr id="105" name="Google Shape;105;ge6d407e7a1_0_0"/>
+          <p:cNvSpPr txBox="1"/>
+          <p:nvPr/>
+        </p:nvSpPr>
+        <p:spPr>
+          <a:xfrm>
+            <a:off x="700540" y="2255318"/>
+            <a:ext cx="7340400" cy="2031295"/>
+          </a:xfrm>
+          <a:prstGeom prst="rect">
+            <a:avLst/>
+          </a:prstGeom>
+          <a:noFill/>
+          <a:ln>
+            <a:noFill/>
+          </a:ln>
+        </p:spPr>
+        <p:txBody>
+          <a:bodyPr spcFirstLastPara="1" wrap="square" lIns="91425" tIns="91425" rIns="91425" bIns="91425" anchor="t" anchorCtr="0">
+            <a:spAutoFit/>
+          </a:bodyPr>
+          <a:lstStyle/>
+          <a:p>
+            <a:pPr marL="0" lvl="0" indent="0" algn="l" rtl="0">
+              <a:spcBef>
+                <a:spcPts val="0"/>
+              </a:spcBef>
+              <a:spcAft>
+                <a:spcPts val="0"/>
+              </a:spcAft>
+              <a:buClr>
+                <a:schemeClr val="dk1"/>
+              </a:buClr>
+              <a:buSzPts val="1100"/>
+              <a:buFont typeface="Arial"/>
+              <a:buNone/>
+            </a:pPr>
+            <a:r>
+              <a:rPr lang="en-US" sz="3000" i="1" dirty="0"/>
+              <a:t>Please share something you learned how to code during this workshop by describing it in a Markdown file in Python, R, or Stata.</a:t>
+            </a:r>
+            <a:endParaRPr sz="3000" i="1" dirty="0"/>
+          </a:p>
+        </p:txBody>
+      </p:sp>
+      <p:sp>
+        <p:nvSpPr>
+          <p:cNvPr id="2" name="Footer Placeholder 1">
+            <a:extLst>
+              <a:ext uri="{FF2B5EF4-FFF2-40B4-BE49-F238E27FC236}">
+                <a16:creationId xmlns:a16="http://schemas.microsoft.com/office/drawing/2014/main" id="{E24BFF5A-AA91-D195-F16D-4165DFCA3711}"/>
+              </a:ext>
+            </a:extLst>
+          </p:cNvPr>
+          <p:cNvSpPr>
+            <a:spLocks noGrp="1"/>
+          </p:cNvSpPr>
+          <p:nvPr>
+            <p:ph type="ftr" idx="11"/>
+          </p:nvPr>
+        </p:nvSpPr>
+        <p:spPr>
+          <a:xfrm>
+            <a:off x="4572000" y="6506896"/>
+            <a:ext cx="4114800" cy="365125"/>
+          </a:xfrm>
+        </p:spPr>
+        <p:txBody>
+          <a:bodyPr/>
+          <a:lstStyle/>
+          <a:p>
+            <a:r>
+              <a:rPr lang="en-US" dirty="0"/>
+              <a:t>Automating Results</a:t>
+            </a:r>
+          </a:p>
+        </p:txBody>
+      </p:sp>
+    </p:spTree>
+    <p:extLst>
+      <p:ext uri="{BB962C8B-B14F-4D97-AF65-F5344CB8AC3E}">
+        <p14:creationId xmlns:p14="http://schemas.microsoft.com/office/powerpoint/2010/main" val="204073620"/>
+      </p:ext>
+    </p:extLst>
+  </p:cSld>
+  <p:clrMapOvr>
+    <a:masterClrMapping/>
+  </p:clrMapOvr>
+</p:sld>
+</file>
+
+<file path=ppt/slides/slide22.xml><?xml version="1.0" encoding="utf-8"?>
+<p:sld xmlns:a="http://schemas.openxmlformats.org/drawingml/2006/main" xmlns:r="http://schemas.openxmlformats.org/officeDocument/2006/relationships" xmlns:p="http://schemas.openxmlformats.org/presentationml/2006/main">
+  <p:cSld>
+    <p:spTree>
+      <p:nvGrpSpPr>
+        <p:cNvPr id="1" name=""/>
+        <p:cNvGrpSpPr/>
+        <p:nvPr/>
+      </p:nvGrpSpPr>
+      <p:grpSpPr>
+        <a:xfrm>
+          <a:off x="0" y="0"/>
+          <a:ext cx="0" cy="0"/>
+          <a:chOff x="0" y="0"/>
+          <a:chExt cx="0" cy="0"/>
+        </a:xfrm>
+      </p:grpSpPr>
+      <p:sp>
+        <p:nvSpPr>
+          <p:cNvPr id="3" name="Text Placeholder 2">
+            <a:extLst>
+              <a:ext uri="{FF2B5EF4-FFF2-40B4-BE49-F238E27FC236}">
+                <a16:creationId xmlns:a16="http://schemas.microsoft.com/office/drawing/2014/main" id="{260A9A2C-F016-9F7E-FBF4-AD32DF3E1D69}"/>
+              </a:ext>
+            </a:extLst>
+          </p:cNvPr>
+          <p:cNvSpPr>
+            <a:spLocks noGrp="1"/>
+          </p:cNvSpPr>
+          <p:nvPr>
+            <p:ph type="body" idx="1"/>
+          </p:nvPr>
+        </p:nvSpPr>
+        <p:spPr>
+          <a:xfrm>
+            <a:off x="0" y="-2719"/>
+            <a:ext cx="9144000" cy="6524883"/>
+          </a:xfrm>
+          <a:solidFill>
+            <a:srgbClr val="7030A0"/>
+          </a:solidFill>
+        </p:spPr>
+        <p:txBody>
+          <a:bodyPr spcFirstLastPara="1" wrap="square" lIns="91425" tIns="45700" rIns="91425" bIns="45700" anchor="ctr" anchorCtr="0">
+            <a:noAutofit/>
+          </a:bodyPr>
+          <a:lstStyle/>
+          <a:p>
+            <a:pPr marL="114300" indent="0" algn="ctr">
+              <a:buNone/>
+            </a:pPr>
+            <a:r>
+              <a:rPr lang="en-US" dirty="0">
+                <a:solidFill>
+                  <a:srgbClr val="FFFFFF"/>
+                </a:solidFill>
+              </a:rPr>
+              <a:t>Appendix</a:t>
+            </a:r>
+          </a:p>
+        </p:txBody>
+      </p:sp>
+      <p:sp>
+        <p:nvSpPr>
+          <p:cNvPr id="5" name="Slide Number Placeholder 4">
+            <a:extLst>
+              <a:ext uri="{FF2B5EF4-FFF2-40B4-BE49-F238E27FC236}">
+                <a16:creationId xmlns:a16="http://schemas.microsoft.com/office/drawing/2014/main" id="{D3611BF0-AAA1-2EE9-F80C-6B809FC36E83}"/>
+              </a:ext>
+            </a:extLst>
+          </p:cNvPr>
+          <p:cNvSpPr>
+            <a:spLocks noGrp="1"/>
+          </p:cNvSpPr>
+          <p:nvPr>
+            <p:ph type="sldNum" idx="12"/>
+          </p:nvPr>
+        </p:nvSpPr>
+        <p:spPr/>
+        <p:txBody>
+          <a:bodyPr/>
+          <a:lstStyle/>
+          <a:p>
+            <a:pPr marL="0" lvl="0" indent="0" algn="r" rtl="0">
+              <a:spcBef>
+                <a:spcPts val="0"/>
+              </a:spcBef>
+              <a:spcAft>
+                <a:spcPts val="0"/>
+              </a:spcAft>
+              <a:buNone/>
+            </a:pPr>
+            <a:fld id="{00000000-1234-1234-1234-123412341234}" type="slidenum">
+              <a:rPr lang="en-US"/>
+              <a:t>22</a:t>
+            </a:fld>
+            <a:endParaRPr lang="en-US"/>
+          </a:p>
+        </p:txBody>
+      </p:sp>
+      <p:sp>
+        <p:nvSpPr>
+          <p:cNvPr id="4" name="Footer Placeholder 1">
+            <a:extLst>
+              <a:ext uri="{FF2B5EF4-FFF2-40B4-BE49-F238E27FC236}">
+                <a16:creationId xmlns:a16="http://schemas.microsoft.com/office/drawing/2014/main" id="{5DAA7314-1ED8-1F74-A367-EA36516D063F}"/>
+              </a:ext>
+            </a:extLst>
+          </p:cNvPr>
+          <p:cNvSpPr>
+            <a:spLocks noGrp="1"/>
+          </p:cNvSpPr>
+          <p:nvPr>
+            <p:ph type="ftr" idx="11"/>
+          </p:nvPr>
+        </p:nvSpPr>
+        <p:spPr>
+          <a:xfrm>
+            <a:off x="4572000" y="6506896"/>
+            <a:ext cx="4114800" cy="365125"/>
+          </a:xfrm>
+        </p:spPr>
+        <p:txBody>
+          <a:bodyPr/>
+          <a:lstStyle/>
+          <a:p>
+            <a:r>
+              <a:rPr lang="en-US" dirty="0"/>
+              <a:t>Automating Results</a:t>
+            </a:r>
+          </a:p>
+        </p:txBody>
+      </p:sp>
+    </p:spTree>
+    <p:extLst>
+      <p:ext uri="{BB962C8B-B14F-4D97-AF65-F5344CB8AC3E}">
+        <p14:creationId xmlns:p14="http://schemas.microsoft.com/office/powerpoint/2010/main" val="1488450943"/>
+      </p:ext>
+    </p:extLst>
+  </p:cSld>
+  <p:clrMapOvr>
+    <a:masterClrMapping/>
+  </p:clrMapOvr>
+</p:sld>
+</file>
+
+<file path=ppt/slides/slide23.xml><?xml version="1.0" encoding="utf-8"?>
+<p:sld xmlns:a="http://schemas.openxmlformats.org/drawingml/2006/main" xmlns:r="http://schemas.openxmlformats.org/officeDocument/2006/relationships" xmlns:p="http://schemas.openxmlformats.org/presentationml/2006/main">
+  <p:cSld>
+    <p:spTree>
+      <p:nvGrpSpPr>
+        <p:cNvPr id="1" name="Shape 175"/>
+        <p:cNvGrpSpPr/>
+        <p:nvPr/>
+      </p:nvGrpSpPr>
+      <p:grpSpPr>
+        <a:xfrm>
+          <a:off x="0" y="0"/>
+          <a:ext cx="0" cy="0"/>
+          <a:chOff x="0" y="0"/>
+          <a:chExt cx="0" cy="0"/>
+        </a:xfrm>
+      </p:grpSpPr>
+      <p:sp>
+        <p:nvSpPr>
+          <p:cNvPr id="176" name="Google Shape;176;ge6d407e7a1_0_73"/>
+          <p:cNvSpPr txBox="1">
+            <a:spLocks noGrp="1"/>
+          </p:cNvSpPr>
+          <p:nvPr>
+            <p:ph type="title"/>
+          </p:nvPr>
+        </p:nvSpPr>
+        <p:spPr>
+          <a:xfrm>
+            <a:off x="457200" y="0"/>
+            <a:ext cx="8645700" cy="1143000"/>
+          </a:xfrm>
+          <a:prstGeom prst="rect">
+            <a:avLst/>
+          </a:prstGeom>
+          <a:noFill/>
+          <a:ln>
+            <a:noFill/>
+          </a:ln>
+        </p:spPr>
+        <p:txBody>
+          <a:bodyPr spcFirstLastPara="1" wrap="square" lIns="91425" tIns="45700" rIns="91425" bIns="45700" anchor="ctr" anchorCtr="0">
+            <a:noAutofit/>
+          </a:bodyPr>
+          <a:lstStyle/>
+          <a:p>
+            <a:pPr marL="0" lvl="0" indent="0" algn="l" rtl="0">
+              <a:lnSpc>
+                <a:spcPct val="100000"/>
+              </a:lnSpc>
+              <a:spcBef>
+                <a:spcPts val="0"/>
+              </a:spcBef>
+              <a:spcAft>
+                <a:spcPts val="0"/>
+              </a:spcAft>
+              <a:buSzPts val="3200"/>
+              <a:buNone/>
+            </a:pPr>
+            <a:r>
+              <a:rPr lang="en-US" dirty="0"/>
+              <a:t>Appendix – LaTeX/Markdown Resources</a:t>
+            </a:r>
+            <a:endParaRPr dirty="0"/>
+          </a:p>
+        </p:txBody>
+      </p:sp>
+      <p:sp>
+        <p:nvSpPr>
+          <p:cNvPr id="178" name="Google Shape;178;ge6d407e7a1_0_73"/>
+          <p:cNvSpPr txBox="1">
+            <a:spLocks noGrp="1"/>
+          </p:cNvSpPr>
+          <p:nvPr>
+            <p:ph type="sldNum" idx="12"/>
+          </p:nvPr>
+        </p:nvSpPr>
+        <p:spPr>
+          <a:xfrm>
+            <a:off x="8686800" y="6506896"/>
+            <a:ext cx="416100" cy="365100"/>
+          </a:xfrm>
+          <a:prstGeom prst="rect">
+            <a:avLst/>
+          </a:prstGeom>
+          <a:noFill/>
+          <a:ln>
+            <a:noFill/>
+          </a:ln>
+        </p:spPr>
+        <p:txBody>
+          <a:bodyPr spcFirstLastPara="1" wrap="square" lIns="91425" tIns="45700" rIns="91425" bIns="45700" anchor="ctr" anchorCtr="0">
+            <a:noAutofit/>
+          </a:bodyPr>
+          <a:lstStyle/>
+          <a:p>
+            <a:pPr marL="0" lvl="0" indent="0" algn="r" rtl="0">
+              <a:lnSpc>
+                <a:spcPct val="100000"/>
+              </a:lnSpc>
+              <a:spcBef>
+                <a:spcPts val="0"/>
+              </a:spcBef>
+              <a:spcAft>
+                <a:spcPts val="0"/>
+              </a:spcAft>
+              <a:buSzPts val="1000"/>
+              <a:buNone/>
+            </a:pPr>
+            <a:fld id="{00000000-1234-1234-1234-123412341234}" type="slidenum">
+              <a:rPr lang="en-US"/>
+              <a:t>23</a:t>
+            </a:fld>
+            <a:endParaRPr/>
+          </a:p>
+        </p:txBody>
+      </p:sp>
+      <p:sp>
+        <p:nvSpPr>
+          <p:cNvPr id="179" name="Google Shape;179;ge6d407e7a1_0_73"/>
+          <p:cNvSpPr txBox="1"/>
+          <p:nvPr/>
+        </p:nvSpPr>
+        <p:spPr>
+          <a:xfrm>
+            <a:off x="457200" y="827000"/>
+            <a:ext cx="7340400" cy="6263223"/>
+          </a:xfrm>
+          <a:prstGeom prst="rect">
+            <a:avLst/>
+          </a:prstGeom>
+          <a:noFill/>
+          <a:ln>
+            <a:noFill/>
+          </a:ln>
+        </p:spPr>
+        <p:txBody>
+          <a:bodyPr spcFirstLastPara="1" wrap="square" lIns="91425" tIns="91425" rIns="91425" bIns="91425" anchor="t" anchorCtr="0">
+            <a:spAutoFit/>
+          </a:bodyPr>
+          <a:lstStyle/>
+          <a:p>
+            <a:r>
+              <a:rPr lang="en-US" sz="1800" dirty="0"/>
+              <a:t>Getting Started with Latex: </a:t>
+            </a:r>
+          </a:p>
+          <a:p>
+            <a:r>
+              <a:rPr lang="en-US" sz="1800" dirty="0">
+                <a:hlinkClick r:id="rId3"/>
+              </a:rPr>
+              <a:t>https://www.latex-project.org/get/#tex-distributions</a:t>
+            </a:r>
+            <a:r>
+              <a:rPr lang="en-US" sz="1800" dirty="0"/>
+              <a:t> </a:t>
+            </a:r>
+          </a:p>
+          <a:p>
+            <a:endParaRPr lang="en-US" sz="1800" dirty="0"/>
+          </a:p>
+          <a:p>
+            <a:r>
+              <a:rPr lang="en-US" sz="1800" dirty="0"/>
+              <a:t>Online Latex Editor: </a:t>
+            </a:r>
+            <a:r>
+              <a:rPr lang="en-US" sz="1800" dirty="0">
+                <a:hlinkClick r:id="rId4"/>
+              </a:rPr>
+              <a:t>https://www.tutorialspoint.com/online_latex_editor.php</a:t>
+            </a:r>
+            <a:r>
+              <a:rPr lang="en-US" sz="1800" dirty="0"/>
+              <a:t> </a:t>
+            </a:r>
+          </a:p>
+          <a:p>
+            <a:endParaRPr lang="en-US" sz="1800" dirty="0"/>
+          </a:p>
+          <a:p>
+            <a:r>
+              <a:rPr lang="en-US" sz="1800" dirty="0" err="1"/>
+              <a:t>Texlive</a:t>
+            </a:r>
+            <a:r>
+              <a:rPr lang="en-US" sz="1800" dirty="0"/>
+              <a:t> on a Linux Server: </a:t>
+            </a:r>
+          </a:p>
+          <a:p>
+            <a:r>
+              <a:rPr lang="en-US" sz="1800" dirty="0">
+                <a:hlinkClick r:id="rId5"/>
+              </a:rPr>
+              <a:t>https://www.tug.org/texlive/</a:t>
+            </a:r>
+            <a:r>
+              <a:rPr lang="en-US" sz="1800" dirty="0"/>
+              <a:t> </a:t>
+            </a:r>
+          </a:p>
+          <a:p>
+            <a:r>
+              <a:rPr lang="en-US" sz="1800" dirty="0">
+                <a:hlinkClick r:id="rId6"/>
+              </a:rPr>
+              <a:t>https://www.linuxfordevices.com/tutorials/ubuntu/install-tex-live-texmaker</a:t>
+            </a:r>
+            <a:endParaRPr lang="en-US" sz="1800" dirty="0"/>
+          </a:p>
+          <a:p>
+            <a:endParaRPr lang="en-US" sz="1800" dirty="0"/>
+          </a:p>
+          <a:p>
+            <a:r>
+              <a:rPr lang="en-US" sz="1800" dirty="0"/>
+              <a:t>R Markdown and </a:t>
+            </a:r>
+            <a:r>
+              <a:rPr lang="en-US" sz="1800" dirty="0" err="1"/>
+              <a:t>Knitr</a:t>
+            </a:r>
+            <a:endParaRPr lang="en-US" sz="1800" dirty="0"/>
+          </a:p>
+          <a:p>
+            <a:r>
+              <a:rPr lang="en-US" sz="1800" dirty="0">
+                <a:hlinkClick r:id="rId7"/>
+              </a:rPr>
+              <a:t>https://www.r-bloggers.com/2015/12/r-markdown-and-knitr-tutorial-part-1/</a:t>
+            </a:r>
+            <a:r>
+              <a:rPr lang="en-US" sz="1800" dirty="0"/>
+              <a:t> </a:t>
+            </a:r>
+          </a:p>
+          <a:p>
+            <a:endParaRPr lang="en-US" sz="1800" dirty="0"/>
+          </a:p>
+          <a:p>
+            <a:r>
+              <a:rPr lang="en-US" sz="1800" dirty="0"/>
+              <a:t>Python with Latex: </a:t>
+            </a:r>
+            <a:r>
+              <a:rPr lang="en-US" sz="1800" dirty="0">
+                <a:hlinkClick r:id="rId8"/>
+              </a:rPr>
+              <a:t>https://github.com/gpoore/pythontex</a:t>
+            </a:r>
+            <a:r>
+              <a:rPr lang="en-US" sz="1800" dirty="0"/>
+              <a:t> </a:t>
+            </a:r>
+          </a:p>
+          <a:p>
+            <a:r>
+              <a:rPr lang="en-US" sz="1800" dirty="0">
+                <a:hlinkClick r:id="rId9"/>
+              </a:rPr>
+              <a:t>https://www.geeksforgeeks.org/pylatex-module-in-python/?ref=lbp</a:t>
+            </a:r>
+            <a:r>
+              <a:rPr lang="en-US" sz="1800" dirty="0"/>
+              <a:t>  </a:t>
+            </a:r>
+          </a:p>
+          <a:p>
+            <a:endParaRPr lang="en-US" sz="1800" dirty="0"/>
+          </a:p>
+          <a:p>
+            <a:r>
+              <a:rPr lang="en-US" sz="1800" dirty="0"/>
+              <a:t>Stata Markdown</a:t>
+            </a:r>
+          </a:p>
+          <a:p>
+            <a:r>
+              <a:rPr lang="en-US" sz="1800" dirty="0">
+                <a:hlinkClick r:id="rId10"/>
+              </a:rPr>
+              <a:t>https://data.princeton.edu/stata/markdown</a:t>
+            </a:r>
+            <a:r>
+              <a:rPr lang="en-US" sz="1800" dirty="0"/>
+              <a:t> </a:t>
+            </a:r>
+          </a:p>
+          <a:p>
+            <a:endParaRPr lang="en-US" sz="1800" dirty="0"/>
+          </a:p>
+          <a:p>
+            <a:pPr marL="0" lvl="0" indent="0" algn="l" rtl="0">
+              <a:spcBef>
+                <a:spcPts val="0"/>
+              </a:spcBef>
+              <a:spcAft>
+                <a:spcPts val="0"/>
+              </a:spcAft>
+              <a:buNone/>
+            </a:pPr>
+            <a:endParaRPr sz="1700" dirty="0">
+              <a:solidFill>
+                <a:schemeClr val="dk1"/>
+              </a:solidFill>
+            </a:endParaRPr>
+          </a:p>
+        </p:txBody>
+      </p:sp>
+      <p:sp>
+        <p:nvSpPr>
+          <p:cNvPr id="2" name="Footer Placeholder 1">
+            <a:extLst>
+              <a:ext uri="{FF2B5EF4-FFF2-40B4-BE49-F238E27FC236}">
+                <a16:creationId xmlns:a16="http://schemas.microsoft.com/office/drawing/2014/main" id="{B500FD9C-686C-2F91-F774-9AFF913444B8}"/>
+              </a:ext>
+            </a:extLst>
+          </p:cNvPr>
+          <p:cNvSpPr>
+            <a:spLocks noGrp="1"/>
+          </p:cNvSpPr>
+          <p:nvPr>
+            <p:ph type="ftr" idx="11"/>
+          </p:nvPr>
+        </p:nvSpPr>
+        <p:spPr>
+          <a:xfrm>
+            <a:off x="4572000" y="6506896"/>
+            <a:ext cx="4114800" cy="365125"/>
+          </a:xfrm>
+        </p:spPr>
+        <p:txBody>
+          <a:bodyPr/>
+          <a:lstStyle/>
+          <a:p>
+            <a:r>
+              <a:rPr lang="en-US" dirty="0"/>
+              <a:t>Automating Results</a:t>
+            </a:r>
+          </a:p>
+        </p:txBody>
+      </p:sp>
+    </p:spTree>
+  </p:cSld>
+  <p:clrMapOvr>
+    <a:masterClrMapping/>
+  </p:clrMapOvr>
+</p:sld>
+</file>
+
+<file path=ppt/slides/slide24.xml><?xml version="1.0" encoding="utf-8"?>
+<p:sld xmlns:a="http://schemas.openxmlformats.org/drawingml/2006/main" xmlns:r="http://schemas.openxmlformats.org/officeDocument/2006/relationships" xmlns:p="http://schemas.openxmlformats.org/presentationml/2006/main">
+  <p:cSld>
+    <p:spTree>
+      <p:nvGrpSpPr>
+        <p:cNvPr id="1" name="Shape 101"/>
+        <p:cNvGrpSpPr/>
+        <p:nvPr/>
+      </p:nvGrpSpPr>
+      <p:grpSpPr>
+        <a:xfrm>
+          <a:off x="0" y="0"/>
+          <a:ext cx="0" cy="0"/>
+          <a:chOff x="0" y="0"/>
+          <a:chExt cx="0" cy="0"/>
+        </a:xfrm>
+      </p:grpSpPr>
+      <p:sp>
+        <p:nvSpPr>
+          <p:cNvPr id="102" name="Google Shape;102;ge6d407e7a1_0_0"/>
+          <p:cNvSpPr txBox="1">
+            <a:spLocks noGrp="1"/>
+          </p:cNvSpPr>
+          <p:nvPr>
+            <p:ph type="title"/>
+          </p:nvPr>
+        </p:nvSpPr>
+        <p:spPr>
+          <a:xfrm>
+            <a:off x="457200" y="0"/>
+            <a:ext cx="8645700" cy="1143000"/>
+          </a:xfrm>
+          <a:prstGeom prst="rect">
+            <a:avLst/>
+          </a:prstGeom>
+          <a:noFill/>
+          <a:ln>
+            <a:noFill/>
+          </a:ln>
+        </p:spPr>
+        <p:txBody>
+          <a:bodyPr spcFirstLastPara="1" wrap="square" lIns="91425" tIns="45700" rIns="91425" bIns="45700" anchor="ctr" anchorCtr="0">
+            <a:noAutofit/>
+          </a:bodyPr>
+          <a:lstStyle/>
+          <a:p>
+            <a:pPr marL="0" lvl="0" indent="0" algn="l" rtl="0">
+              <a:lnSpc>
+                <a:spcPct val="100000"/>
+              </a:lnSpc>
+              <a:spcBef>
+                <a:spcPts val="0"/>
+              </a:spcBef>
+              <a:spcAft>
+                <a:spcPts val="0"/>
+              </a:spcAft>
+              <a:buSzPts val="3200"/>
+              <a:buNone/>
+            </a:pPr>
+            <a:r>
+              <a:rPr lang="en-US" dirty="0"/>
+              <a:t>Appendix: Git Clone Workshop to KLC</a:t>
+            </a:r>
+            <a:endParaRPr dirty="0"/>
+          </a:p>
+        </p:txBody>
+      </p:sp>
+      <p:sp>
+        <p:nvSpPr>
+          <p:cNvPr id="104" name="Google Shape;104;ge6d407e7a1_0_0"/>
+          <p:cNvSpPr txBox="1">
+            <a:spLocks noGrp="1"/>
+          </p:cNvSpPr>
+          <p:nvPr>
+            <p:ph type="sldNum" idx="12"/>
+          </p:nvPr>
+        </p:nvSpPr>
+        <p:spPr>
+          <a:xfrm>
+            <a:off x="8686800" y="6506896"/>
+            <a:ext cx="416100" cy="365100"/>
+          </a:xfrm>
+          <a:prstGeom prst="rect">
+            <a:avLst/>
+          </a:prstGeom>
+          <a:noFill/>
+          <a:ln>
+            <a:noFill/>
+          </a:ln>
+        </p:spPr>
+        <p:txBody>
+          <a:bodyPr spcFirstLastPara="1" wrap="square" lIns="91425" tIns="45700" rIns="91425" bIns="45700" anchor="ctr" anchorCtr="0">
+            <a:noAutofit/>
+          </a:bodyPr>
+          <a:lstStyle/>
+          <a:p>
+            <a:pPr marL="0" lvl="0" indent="0" algn="r" rtl="0">
+              <a:lnSpc>
+                <a:spcPct val="100000"/>
+              </a:lnSpc>
+              <a:spcBef>
+                <a:spcPts val="0"/>
+              </a:spcBef>
+              <a:spcAft>
+                <a:spcPts val="0"/>
+              </a:spcAft>
+              <a:buSzPts val="1000"/>
+              <a:buNone/>
+            </a:pPr>
+            <a:fld id="{00000000-1234-1234-1234-123412341234}" type="slidenum">
+              <a:rPr lang="en-US"/>
+              <a:t>24</a:t>
             </a:fld>
             <a:endParaRPr/>
           </a:p>
@@ -17888,7 +19691,7 @@
         <p14:flip dir="l"/>
       </p:transition>
     </mc:Choice>
-    <mc:Fallback xmlns="" xmlns:mv="urn:schemas-microsoft-com:mac:vml" xmlns:c="http://schemas.openxmlformats.org/drawingml/2006/chart" xmlns:dgm="http://schemas.openxmlformats.org/drawingml/2006/diagram" xmlns:o="urn:schemas-microsoft-com:office:office" xmlns:v="urn:schemas-microsoft-com:vml" xmlns:pvml="urn:schemas-microsoft-com:office:powerpoint" xmlns:com="http://schemas.openxmlformats.org/drawingml/2006/compatibility" xmlns:p15="http://schemas.microsoft.com/office/powerpoint/2012/main" xmlns:ahyp="http://schemas.microsoft.com/office/drawing/2018/hyperlinkcolor">
+    <mc:Fallback xmlns:ahyp="http://schemas.microsoft.com/office/drawing/2018/hyperlinkcolor" xmlns:p15="http://schemas.microsoft.com/office/powerpoint/2012/main" xmlns:com="http://schemas.openxmlformats.org/drawingml/2006/compatibility" xmlns:pvml="urn:schemas-microsoft-com:office:powerpoint" xmlns:v="urn:schemas-microsoft-com:vml" xmlns:o="urn:schemas-microsoft-com:office:office" xmlns:dgm="http://schemas.openxmlformats.org/drawingml/2006/diagram" xmlns:c="http://schemas.openxmlformats.org/drawingml/2006/chart" xmlns:mv="urn:schemas-microsoft-com:mac:vml" xmlns="">
       <p:transition spd="slow">
         <p:fade/>
       </p:transition>

--- a/Session6_Export_Results/Session6_AutomatePapers.pptx
+++ b/Session6_Export_Results/Session6_AutomatePapers.pptx
@@ -301,7 +301,7 @@
       </p15:sldGuideLst>
     </p:ext>
     <p:ext uri="http://customooxmlschemas.google.com/">
-      <go:slidesCustomData xmlns:go="http://customooxmlschemas.google.com/" xmlns:ahyp="http://schemas.microsoft.com/office/drawing/2018/hyperlinkcolor" xmlns:p15="http://schemas.microsoft.com/office/powerpoint/2012/main" xmlns:p14="http://schemas.microsoft.com/office/powerpoint/2010/main" xmlns:com="http://schemas.openxmlformats.org/drawingml/2006/compatibility" xmlns:pvml="urn:schemas-microsoft-com:office:powerpoint" xmlns:v="urn:schemas-microsoft-com:vml" xmlns:o="urn:schemas-microsoft-com:office:office" xmlns:dgm="http://schemas.openxmlformats.org/drawingml/2006/diagram" xmlns:c="http://schemas.openxmlformats.org/drawingml/2006/chart" xmlns:mv="urn:schemas-microsoft-com:mac:vml" xmlns:mc="http://schemas.openxmlformats.org/markup-compatibility/2006" xmlns="" r:id="rId37" roundtripDataSignature="AMtx7mgJb/dxg8SBACTioISI2Z3PoJo6hg=="/>
+      <go:slidesCustomData xmlns="" xmlns:mc="http://schemas.openxmlformats.org/markup-compatibility/2006" xmlns:mv="urn:schemas-microsoft-com:mac:vml" xmlns:c="http://schemas.openxmlformats.org/drawingml/2006/chart" xmlns:dgm="http://schemas.openxmlformats.org/drawingml/2006/diagram" xmlns:o="urn:schemas-microsoft-com:office:office" xmlns:v="urn:schemas-microsoft-com:vml" xmlns:pvml="urn:schemas-microsoft-com:office:powerpoint" xmlns:com="http://schemas.openxmlformats.org/drawingml/2006/compatibility" xmlns:p14="http://schemas.microsoft.com/office/powerpoint/2010/main" xmlns:p15="http://schemas.microsoft.com/office/powerpoint/2012/main" xmlns:ahyp="http://schemas.microsoft.com/office/drawing/2018/hyperlinkcolor" xmlns:go="http://customooxmlschemas.google.com/" r:id="rId37" roundtripDataSignature="AMtx7mgJb/dxg8SBACTioISI2Z3PoJo6hg=="/>
     </p:ext>
   </p:extLst>
 </p:presentation>
@@ -16353,8 +16353,8 @@
         </p:nvSpPr>
         <p:spPr>
           <a:xfrm>
-            <a:off x="1074217" y="2212636"/>
-            <a:ext cx="6778639" cy="759568"/>
+            <a:off x="1074217" y="2077105"/>
+            <a:ext cx="6778639" cy="1158195"/>
           </a:xfrm>
           <a:prstGeom prst="roundRect">
             <a:avLst/>
@@ -16425,6 +16425,41 @@
                 <a:cs typeface="Consolas" charset="0"/>
               </a:rPr>
               <a:t>/2020</a:t>
+            </a:r>
+          </a:p>
+          <a:p>
+            <a:r>
+              <a:rPr lang="en-US" sz="2400" dirty="0">
+                <a:solidFill>
+                  <a:schemeClr val="tx1"/>
+                </a:solidFill>
+                <a:latin typeface="Consolas" charset="0"/>
+                <a:ea typeface="Consolas" charset="0"/>
+                <a:cs typeface="Consolas" charset="0"/>
+              </a:rPr>
+              <a:t>module load </a:t>
+            </a:r>
+            <a:r>
+              <a:rPr lang="en-US" sz="2400" dirty="0" err="1">
+                <a:solidFill>
+                  <a:schemeClr val="tx1"/>
+                </a:solidFill>
+                <a:latin typeface="Consolas" charset="0"/>
+                <a:ea typeface="Consolas" charset="0"/>
+                <a:cs typeface="Consolas" charset="0"/>
+              </a:rPr>
+              <a:t>pandoc</a:t>
+            </a:r>
+            <a:r>
+              <a:rPr lang="en-US" sz="2400" dirty="0">
+                <a:solidFill>
+                  <a:schemeClr val="tx1"/>
+                </a:solidFill>
+                <a:latin typeface="Consolas" charset="0"/>
+                <a:ea typeface="Consolas" charset="0"/>
+                <a:cs typeface="Consolas" charset="0"/>
+              </a:rPr>
+              <a:t>/2.2.1</a:t>
             </a:r>
           </a:p>
           <a:p>
@@ -19691,7 +19726,7 @@
         <p14:flip dir="l"/>
       </p:transition>
     </mc:Choice>
-    <mc:Fallback xmlns:ahyp="http://schemas.microsoft.com/office/drawing/2018/hyperlinkcolor" xmlns:p15="http://schemas.microsoft.com/office/powerpoint/2012/main" xmlns:com="http://schemas.openxmlformats.org/drawingml/2006/compatibility" xmlns:pvml="urn:schemas-microsoft-com:office:powerpoint" xmlns:v="urn:schemas-microsoft-com:vml" xmlns:o="urn:schemas-microsoft-com:office:office" xmlns:dgm="http://schemas.openxmlformats.org/drawingml/2006/diagram" xmlns:c="http://schemas.openxmlformats.org/drawingml/2006/chart" xmlns:mv="urn:schemas-microsoft-com:mac:vml" xmlns="">
+    <mc:Fallback xmlns="" xmlns:mv="urn:schemas-microsoft-com:mac:vml" xmlns:c="http://schemas.openxmlformats.org/drawingml/2006/chart" xmlns:dgm="http://schemas.openxmlformats.org/drawingml/2006/diagram" xmlns:o="urn:schemas-microsoft-com:office:office" xmlns:v="urn:schemas-microsoft-com:vml" xmlns:pvml="urn:schemas-microsoft-com:office:powerpoint" xmlns:com="http://schemas.openxmlformats.org/drawingml/2006/compatibility" xmlns:p15="http://schemas.microsoft.com/office/powerpoint/2012/main" xmlns:ahyp="http://schemas.microsoft.com/office/drawing/2018/hyperlinkcolor">
       <p:transition spd="slow">
         <p:fade/>
       </p:transition>

--- a/Session6_Export_Results/Session6_AutomatePapers.pptx
+++ b/Session6_Export_Results/Session6_AutomatePapers.pptx
@@ -301,7 +301,7 @@
       </p15:sldGuideLst>
     </p:ext>
     <p:ext uri="http://customooxmlschemas.google.com/">
-      <go:slidesCustomData xmlns="" xmlns:mc="http://schemas.openxmlformats.org/markup-compatibility/2006" xmlns:mv="urn:schemas-microsoft-com:mac:vml" xmlns:c="http://schemas.openxmlformats.org/drawingml/2006/chart" xmlns:dgm="http://schemas.openxmlformats.org/drawingml/2006/diagram" xmlns:o="urn:schemas-microsoft-com:office:office" xmlns:v="urn:schemas-microsoft-com:vml" xmlns:pvml="urn:schemas-microsoft-com:office:powerpoint" xmlns:com="http://schemas.openxmlformats.org/drawingml/2006/compatibility" xmlns:p14="http://schemas.microsoft.com/office/powerpoint/2010/main" xmlns:p15="http://schemas.microsoft.com/office/powerpoint/2012/main" xmlns:ahyp="http://schemas.microsoft.com/office/drawing/2018/hyperlinkcolor" xmlns:go="http://customooxmlschemas.google.com/" r:id="rId37" roundtripDataSignature="AMtx7mgJb/dxg8SBACTioISI2Z3PoJo6hg=="/>
+      <go:slidesCustomData xmlns:go="http://customooxmlschemas.google.com/" xmlns:ahyp="http://schemas.microsoft.com/office/drawing/2018/hyperlinkcolor" xmlns:p15="http://schemas.microsoft.com/office/powerpoint/2012/main" xmlns:p14="http://schemas.microsoft.com/office/powerpoint/2010/main" xmlns:com="http://schemas.openxmlformats.org/drawingml/2006/compatibility" xmlns:pvml="urn:schemas-microsoft-com:office:powerpoint" xmlns:v="urn:schemas-microsoft-com:vml" xmlns:o="urn:schemas-microsoft-com:office:office" xmlns:dgm="http://schemas.openxmlformats.org/drawingml/2006/diagram" xmlns:c="http://schemas.openxmlformats.org/drawingml/2006/chart" xmlns:mv="urn:schemas-microsoft-com:mac:vml" xmlns:mc="http://schemas.openxmlformats.org/markup-compatibility/2006" xmlns="" r:id="rId37" roundtripDataSignature="AMtx7mgJb/dxg8SBACTioISI2Z3PoJo6hg=="/>
     </p:ext>
   </p:extLst>
 </p:presentation>
@@ -12742,7 +12742,7 @@
                 <a:cs typeface="Consolas"/>
                 <a:sym typeface="Consolas"/>
               </a:rPr>
-              <a:t>python-miniconda3/4.12.0</a:t>
+              <a:t>module load python-miniconda3/4.12.0</a:t>
             </a:r>
           </a:p>
           <a:p>
@@ -16285,7 +16285,7 @@
         <p:spPr>
           <a:xfrm>
             <a:off x="300791" y="934106"/>
-            <a:ext cx="6957354" cy="1877437"/>
+            <a:ext cx="7422225" cy="2262158"/>
           </a:xfrm>
           <a:prstGeom prst="rect">
             <a:avLst/>
@@ -16317,15 +16317,13 @@
           <a:p>
             <a:r>
               <a:rPr lang="en-US" sz="2500" dirty="0"/>
-              <a:t>     To load packages and launch </a:t>
-            </a:r>
-            <a:r>
-              <a:rPr lang="en-US" sz="2500" dirty="0" err="1"/>
-              <a:t>Rstudio</a:t>
-            </a:r>
+              <a:t>     Load packages necessary for R and Markdown.</a:t>
+            </a:r>
+          </a:p>
+          <a:p>
             <a:r>
               <a:rPr lang="en-US" sz="2500" dirty="0"/>
-              <a:t>, type: </a:t>
+              <a:t>	 </a:t>
             </a:r>
           </a:p>
           <a:p>
@@ -16479,56 +16477,6 @@
       </p:sp>
       <p:sp>
         <p:nvSpPr>
-          <p:cNvPr id="14" name="TextBox 13">
-            <a:extLst>
-              <a:ext uri="{FF2B5EF4-FFF2-40B4-BE49-F238E27FC236}">
-                <a16:creationId xmlns:a16="http://schemas.microsoft.com/office/drawing/2014/main" id="{5B8ED5B1-6B08-D018-E6EC-3BBB777C2961}"/>
-              </a:ext>
-            </a:extLst>
-          </p:cNvPr>
-          <p:cNvSpPr txBox="1"/>
-          <p:nvPr/>
-        </p:nvSpPr>
-        <p:spPr>
-          <a:xfrm>
-            <a:off x="805630" y="6155145"/>
-            <a:ext cx="8338370" cy="307777"/>
-          </a:xfrm>
-          <a:prstGeom prst="rect">
-            <a:avLst/>
-          </a:prstGeom>
-          <a:noFill/>
-        </p:spPr>
-        <p:txBody>
-          <a:bodyPr wrap="square">
-            <a:spAutoFit/>
-          </a:bodyPr>
-          <a:lstStyle/>
-          <a:p>
-            <a:r>
-              <a:rPr lang="en-US" i="1" dirty="0"/>
-              <a:t>Access from a Quest Analytics Node: </a:t>
-            </a:r>
-            <a:r>
-              <a:rPr lang="en-US" i="1" dirty="0">
-                <a:hlinkClick r:id="rId3"/>
-              </a:rPr>
-              <a:t>https://jupyter.questanalytics.northwestern.edu/hub/login</a:t>
-            </a:r>
-            <a:r>
-              <a:rPr lang="en-US" i="1" dirty="0"/>
-              <a:t> </a:t>
-            </a:r>
-            <a:r>
-              <a:rPr lang="en-US" sz="1400" i="1" dirty="0"/>
-              <a:t> </a:t>
-            </a:r>
-            <a:endParaRPr lang="en-US" i="1" dirty="0"/>
-          </a:p>
-        </p:txBody>
-      </p:sp>
-      <p:sp>
-        <p:nvSpPr>
           <p:cNvPr id="16" name="TextBox 15">
             <a:extLst>
               <a:ext uri="{FF2B5EF4-FFF2-40B4-BE49-F238E27FC236}">
@@ -16541,7 +16489,7 @@
         </p:nvSpPr>
         <p:spPr>
           <a:xfrm>
-            <a:off x="805630" y="3329421"/>
+            <a:off x="805630" y="4622863"/>
             <a:ext cx="7223761" cy="477054"/>
           </a:xfrm>
           <a:prstGeom prst="rect">
@@ -16576,8 +16524,8 @@
         </p:nvSpPr>
         <p:spPr>
           <a:xfrm>
-            <a:off x="895502" y="4163692"/>
-            <a:ext cx="6957354" cy="1266376"/>
+            <a:off x="348431" y="5285147"/>
+            <a:ext cx="8338369" cy="477055"/>
           </a:xfrm>
           <a:prstGeom prst="roundRect">
             <a:avLst/>
@@ -16617,7 +16565,7 @@
           <a:lstStyle/>
           <a:p>
             <a:r>
-              <a:rPr lang="en-US" sz="2400" dirty="0" err="1">
+              <a:rPr lang="en-US" sz="1700" dirty="0" err="1">
                 <a:solidFill>
                   <a:schemeClr val="tx1"/>
                 </a:solidFill>
@@ -16628,7 +16576,7 @@
               <a:t>Rscript</a:t>
             </a:r>
             <a:r>
-              <a:rPr lang="en-US" sz="2400" dirty="0">
+              <a:rPr lang="en-US" sz="1700" dirty="0">
                 <a:solidFill>
                   <a:schemeClr val="tx1"/>
                 </a:solidFill>
@@ -16639,7 +16587,7 @@
               <a:t> -e "</a:t>
             </a:r>
             <a:r>
-              <a:rPr lang="en-US" sz="2400" dirty="0" err="1">
+              <a:rPr lang="en-US" sz="1700" dirty="0" err="1">
                 <a:solidFill>
                   <a:schemeClr val="tx1"/>
                 </a:solidFill>
@@ -16650,7 +16598,7 @@
               <a:t>rmarkdown</a:t>
             </a:r>
             <a:r>
-              <a:rPr lang="en-US" sz="2400" dirty="0">
+              <a:rPr lang="en-US" sz="1700" dirty="0">
                 <a:solidFill>
                   <a:schemeClr val="tx1"/>
                 </a:solidFill>
@@ -16658,10 +16606,10 @@
                 <a:ea typeface="Consolas" charset="0"/>
                 <a:cs typeface="Consolas" charset="0"/>
               </a:rPr>
-              <a:t>::render('</a:t>
-            </a:r>
-            <a:r>
-              <a:rPr lang="en-US" sz="2400" dirty="0" err="1">
+              <a:t>::render('samplex.</a:t>
+            </a:r>
+            <a:r>
+              <a:rPr lang="en-US" sz="1700" dirty="0" err="1">
                 <a:solidFill>
                   <a:schemeClr val="tx1"/>
                 </a:solidFill>
@@ -16669,10 +16617,10 @@
                 <a:ea typeface="Consolas" charset="0"/>
                 <a:cs typeface="Consolas" charset="0"/>
               </a:rPr>
-              <a:t>samplex.Rmd</a:t>
-            </a:r>
-            <a:r>
-              <a:rPr lang="en-US" sz="2400" dirty="0">
+              <a:t>Rmd</a:t>
+            </a:r>
+            <a:r>
+              <a:rPr lang="en-US" sz="1700" dirty="0">
                 <a:solidFill>
                   <a:schemeClr val="tx1"/>
                 </a:solidFill>
@@ -16680,23 +16628,10 @@
                 <a:ea typeface="Consolas" charset="0"/>
                 <a:cs typeface="Consolas" charset="0"/>
               </a:rPr>
-              <a:t>’,</a:t>
-            </a:r>
-          </a:p>
-          <a:p>
-            <a:r>
-              <a:rPr lang="en-US" sz="2400" dirty="0">
-                <a:solidFill>
-                  <a:schemeClr val="tx1"/>
-                </a:solidFill>
-                <a:latin typeface="Consolas" charset="0"/>
-                <a:ea typeface="Consolas" charset="0"/>
-                <a:cs typeface="Consolas" charset="0"/>
-              </a:rPr>
-              <a:t>params=list('</a:t>
-            </a:r>
-            <a:r>
-              <a:rPr lang="en-US" sz="2400" dirty="0" err="1">
+              <a:t>’,params=list('</a:t>
+            </a:r>
+            <a:r>
+              <a:rPr lang="en-US" sz="1700" dirty="0" err="1">
                 <a:solidFill>
                   <a:schemeClr val="tx1"/>
                 </a:solidFill>
@@ -16707,7 +16642,7 @@
               <a:t>myarg</a:t>
             </a:r>
             <a:r>
-              <a:rPr lang="en-US" sz="2400" dirty="0">
+              <a:rPr lang="en-US" sz="1700" dirty="0">
                 <a:solidFill>
                   <a:schemeClr val="tx1"/>
                 </a:solidFill>
@@ -16749,6 +16684,77 @@
             <a:r>
               <a:rPr lang="en-US" dirty="0"/>
               <a:t>Automating Results</a:t>
+            </a:r>
+          </a:p>
+        </p:txBody>
+      </p:sp>
+      <p:sp>
+        <p:nvSpPr>
+          <p:cNvPr id="3" name="TextBox 2">
+            <a:extLst>
+              <a:ext uri="{FF2B5EF4-FFF2-40B4-BE49-F238E27FC236}">
+                <a16:creationId xmlns:a16="http://schemas.microsoft.com/office/drawing/2014/main" id="{7618BF32-B9A7-CC6B-B41E-DFA6C496CB90}"/>
+              </a:ext>
+            </a:extLst>
+          </p:cNvPr>
+          <p:cNvSpPr txBox="1"/>
+          <p:nvPr/>
+        </p:nvSpPr>
+        <p:spPr>
+          <a:xfrm>
+            <a:off x="805629" y="3342429"/>
+            <a:ext cx="7223761" cy="1246495"/>
+          </a:xfrm>
+          <a:prstGeom prst="rect">
+            <a:avLst/>
+          </a:prstGeom>
+          <a:noFill/>
+        </p:spPr>
+        <p:txBody>
+          <a:bodyPr wrap="square">
+            <a:spAutoFit/>
+          </a:bodyPr>
+          <a:lstStyle/>
+          <a:p>
+            <a:r>
+              <a:rPr lang="en-US" sz="2500" i="1" dirty="0">
+                <a:solidFill>
+                  <a:srgbClr val="FF0000"/>
+                </a:solidFill>
+              </a:rPr>
+              <a:t>Note that unlike using </a:t>
+            </a:r>
+            <a:r>
+              <a:rPr lang="en-US" sz="2500" i="1" dirty="0" err="1">
+                <a:solidFill>
+                  <a:srgbClr val="FF0000"/>
+                </a:solidFill>
+              </a:rPr>
+              <a:t>Rstudio</a:t>
+            </a:r>
+            <a:r>
+              <a:rPr lang="en-US" sz="2500" i="1" dirty="0">
+                <a:solidFill>
+                  <a:srgbClr val="FF0000"/>
+                </a:solidFill>
+              </a:rPr>
+              <a:t>, to compile an R markdown file from the command line you need to load </a:t>
+            </a:r>
+            <a:r>
+              <a:rPr lang="en-US" sz="2500" b="1" i="1" dirty="0" err="1">
+                <a:solidFill>
+                  <a:srgbClr val="FF0000"/>
+                </a:solidFill>
+              </a:rPr>
+              <a:t>pandoc</a:t>
+            </a:r>
+            <a:r>
+              <a:rPr lang="en-US" sz="2500" i="1" dirty="0">
+                <a:solidFill>
+                  <a:srgbClr val="FF0000"/>
+                </a:solidFill>
+              </a:rPr>
+              <a:t>! </a:t>
             </a:r>
           </a:p>
         </p:txBody>
@@ -19726,7 +19732,7 @@
         <p14:flip dir="l"/>
       </p:transition>
     </mc:Choice>
-    <mc:Fallback xmlns="" xmlns:mv="urn:schemas-microsoft-com:mac:vml" xmlns:c="http://schemas.openxmlformats.org/drawingml/2006/chart" xmlns:dgm="http://schemas.openxmlformats.org/drawingml/2006/diagram" xmlns:o="urn:schemas-microsoft-com:office:office" xmlns:v="urn:schemas-microsoft-com:vml" xmlns:pvml="urn:schemas-microsoft-com:office:powerpoint" xmlns:com="http://schemas.openxmlformats.org/drawingml/2006/compatibility" xmlns:p15="http://schemas.microsoft.com/office/powerpoint/2012/main" xmlns:ahyp="http://schemas.microsoft.com/office/drawing/2018/hyperlinkcolor">
+    <mc:Fallback xmlns:ahyp="http://schemas.microsoft.com/office/drawing/2018/hyperlinkcolor" xmlns:p15="http://schemas.microsoft.com/office/powerpoint/2012/main" xmlns:com="http://schemas.openxmlformats.org/drawingml/2006/compatibility" xmlns:pvml="urn:schemas-microsoft-com:office:powerpoint" xmlns:v="urn:schemas-microsoft-com:vml" xmlns:o="urn:schemas-microsoft-com:office:office" xmlns:dgm="http://schemas.openxmlformats.org/drawingml/2006/diagram" xmlns:c="http://schemas.openxmlformats.org/drawingml/2006/chart" xmlns:mv="urn:schemas-microsoft-com:mac:vml" xmlns="">
       <p:transition spd="slow">
         <p:fade/>
       </p:transition>
